--- a/Mechanik/Mechanik.pptx
+++ b/Mechanik/Mechanik.pptx
@@ -1,26 +1,30 @@
 
 <file path=ppt/presentation.xml><?xml version="1.0" encoding="utf-8"?>
-<p:presentation xmlns:a="http://schemas.openxmlformats.org/drawingml/2006/main" xmlns:r="http://schemas.openxmlformats.org/officeDocument/2006/relationships" xmlns:p="http://schemas.openxmlformats.org/presentationml/2006/main" saveSubsetFonts="1">
+<p:presentation xmlns:a="http://schemas.openxmlformats.org/drawingml/2006/main" xmlns:r="http://schemas.openxmlformats.org/officeDocument/2006/relationships" xmlns:p="http://schemas.openxmlformats.org/presentationml/2006/main" showSpecialPlsOnTitleSld="0" saveSubsetFonts="1">
   <p:sldMasterIdLst>
     <p:sldMasterId id="2147483648" r:id="rId1"/>
   </p:sldMasterIdLst>
+  <p:notesMasterIdLst>
+    <p:notesMasterId r:id="rId19"/>
+  </p:notesMasterIdLst>
   <p:sldIdLst>
     <p:sldId id="256" r:id="rId2"/>
     <p:sldId id="257" r:id="rId3"/>
     <p:sldId id="259" r:id="rId4"/>
     <p:sldId id="258" r:id="rId5"/>
-    <p:sldId id="260" r:id="rId6"/>
-    <p:sldId id="269" r:id="rId7"/>
-    <p:sldId id="270" r:id="rId8"/>
-    <p:sldId id="271" r:id="rId9"/>
-    <p:sldId id="261" r:id="rId10"/>
-    <p:sldId id="263" r:id="rId11"/>
-    <p:sldId id="267" r:id="rId12"/>
-    <p:sldId id="268" r:id="rId13"/>
-    <p:sldId id="272" r:id="rId14"/>
-    <p:sldId id="262" r:id="rId15"/>
-    <p:sldId id="264" r:id="rId16"/>
-    <p:sldId id="266" r:id="rId17"/>
+    <p:sldId id="273" r:id="rId6"/>
+    <p:sldId id="260" r:id="rId7"/>
+    <p:sldId id="269" r:id="rId8"/>
+    <p:sldId id="270" r:id="rId9"/>
+    <p:sldId id="271" r:id="rId10"/>
+    <p:sldId id="261" r:id="rId11"/>
+    <p:sldId id="263" r:id="rId12"/>
+    <p:sldId id="267" r:id="rId13"/>
+    <p:sldId id="268" r:id="rId14"/>
+    <p:sldId id="272" r:id="rId15"/>
+    <p:sldId id="262" r:id="rId16"/>
+    <p:sldId id="264" r:id="rId17"/>
+    <p:sldId id="266" r:id="rId18"/>
   </p:sldIdLst>
   <p:sldSz cx="12192000" cy="6858000"/>
   <p:notesSz cx="6858000" cy="9144000"/>
@@ -127,6 +131,356 @@
 </p:presentation>
 </file>
 
+<file path=ppt/notesMasters/notesMaster1.xml><?xml version="1.0" encoding="utf-8"?>
+<p:notesMaster xmlns:a="http://schemas.openxmlformats.org/drawingml/2006/main" xmlns:r="http://schemas.openxmlformats.org/officeDocument/2006/relationships" xmlns:p="http://schemas.openxmlformats.org/presentationml/2006/main">
+  <p:cSld>
+    <p:bg>
+      <p:bgRef idx="1001">
+        <a:schemeClr val="bg1"/>
+      </p:bgRef>
+    </p:bg>
+    <p:spTree>
+      <p:nvGrpSpPr>
+        <p:cNvPr id="1" name=""/>
+        <p:cNvGrpSpPr/>
+        <p:nvPr/>
+      </p:nvGrpSpPr>
+      <p:grpSpPr>
+        <a:xfrm>
+          <a:off x="0" y="0"/>
+          <a:ext cx="0" cy="0"/>
+          <a:chOff x="0" y="0"/>
+          <a:chExt cx="0" cy="0"/>
+        </a:xfrm>
+      </p:grpSpPr>
+      <p:sp>
+        <p:nvSpPr>
+          <p:cNvPr id="2" name="Kopfzeilenplatzhalter 1"/>
+          <p:cNvSpPr>
+            <a:spLocks noGrp="1"/>
+          </p:cNvSpPr>
+          <p:nvPr>
+            <p:ph type="hdr" sz="quarter"/>
+          </p:nvPr>
+        </p:nvSpPr>
+        <p:spPr>
+          <a:xfrm>
+            <a:off x="0" y="0"/>
+            <a:ext cx="2971800" cy="458788"/>
+          </a:xfrm>
+          <a:prstGeom prst="rect">
+            <a:avLst/>
+          </a:prstGeom>
+        </p:spPr>
+        <p:txBody>
+          <a:bodyPr vert="horz" lIns="91440" tIns="45720" rIns="91440" bIns="45720" rtlCol="0"/>
+          <a:lstStyle>
+            <a:lvl1pPr algn="l">
+              <a:defRPr sz="1200"/>
+            </a:lvl1pPr>
+          </a:lstStyle>
+          <a:p>
+            <a:endParaRPr lang="de-DE"/>
+          </a:p>
+        </p:txBody>
+      </p:sp>
+      <p:sp>
+        <p:nvSpPr>
+          <p:cNvPr id="3" name="Datumsplatzhalter 2"/>
+          <p:cNvSpPr>
+            <a:spLocks noGrp="1"/>
+          </p:cNvSpPr>
+          <p:nvPr>
+            <p:ph type="dt" idx="1"/>
+          </p:nvPr>
+        </p:nvSpPr>
+        <p:spPr>
+          <a:xfrm>
+            <a:off x="3884613" y="0"/>
+            <a:ext cx="2971800" cy="458788"/>
+          </a:xfrm>
+          <a:prstGeom prst="rect">
+            <a:avLst/>
+          </a:prstGeom>
+        </p:spPr>
+        <p:txBody>
+          <a:bodyPr vert="horz" lIns="91440" tIns="45720" rIns="91440" bIns="45720" rtlCol="0"/>
+          <a:lstStyle>
+            <a:lvl1pPr algn="r">
+              <a:defRPr sz="1200"/>
+            </a:lvl1pPr>
+          </a:lstStyle>
+          <a:p>
+            <a:fld id="{26AF04D5-1D14-41A2-BE2A-C17EBEE58694}" type="datetimeFigureOut">
+              <a:rPr lang="de-DE" smtClean="0"/>
+              <a:t>29.03.2017</a:t>
+            </a:fld>
+            <a:endParaRPr lang="de-DE"/>
+          </a:p>
+        </p:txBody>
+      </p:sp>
+      <p:sp>
+        <p:nvSpPr>
+          <p:cNvPr id="4" name="Folienbildplatzhalter 3"/>
+          <p:cNvSpPr>
+            <a:spLocks noGrp="1" noRot="1" noChangeAspect="1"/>
+          </p:cNvSpPr>
+          <p:nvPr>
+            <p:ph type="sldImg" idx="2"/>
+          </p:nvPr>
+        </p:nvSpPr>
+        <p:spPr>
+          <a:xfrm>
+            <a:off x="685800" y="1143000"/>
+            <a:ext cx="5486400" cy="3086100"/>
+          </a:xfrm>
+          <a:prstGeom prst="rect">
+            <a:avLst/>
+          </a:prstGeom>
+          <a:noFill/>
+          <a:ln w="12700">
+            <a:solidFill>
+              <a:prstClr val="black"/>
+            </a:solidFill>
+          </a:ln>
+        </p:spPr>
+        <p:txBody>
+          <a:bodyPr vert="horz" lIns="91440" tIns="45720" rIns="91440" bIns="45720" rtlCol="0" anchor="ctr"/>
+          <a:lstStyle/>
+          <a:p>
+            <a:endParaRPr lang="de-DE"/>
+          </a:p>
+        </p:txBody>
+      </p:sp>
+      <p:sp>
+        <p:nvSpPr>
+          <p:cNvPr id="5" name="Notizenplatzhalter 4"/>
+          <p:cNvSpPr>
+            <a:spLocks noGrp="1"/>
+          </p:cNvSpPr>
+          <p:nvPr>
+            <p:ph type="body" sz="quarter" idx="3"/>
+          </p:nvPr>
+        </p:nvSpPr>
+        <p:spPr>
+          <a:xfrm>
+            <a:off x="685800" y="4400550"/>
+            <a:ext cx="5486400" cy="3600450"/>
+          </a:xfrm>
+          <a:prstGeom prst="rect">
+            <a:avLst/>
+          </a:prstGeom>
+        </p:spPr>
+        <p:txBody>
+          <a:bodyPr vert="horz" lIns="91440" tIns="45720" rIns="91440" bIns="45720" rtlCol="0"/>
+          <a:lstStyle/>
+          <a:p>
+            <a:pPr lvl="0"/>
+            <a:r>
+              <a:rPr lang="de-DE"/>
+              <a:t>Formatvorlagen des Textmasters bearbeiten</a:t>
+            </a:r>
+          </a:p>
+          <a:p>
+            <a:pPr lvl="1"/>
+            <a:r>
+              <a:rPr lang="de-DE"/>
+              <a:t>Zweite Ebene</a:t>
+            </a:r>
+          </a:p>
+          <a:p>
+            <a:pPr lvl="2"/>
+            <a:r>
+              <a:rPr lang="de-DE"/>
+              <a:t>Dritte Ebene</a:t>
+            </a:r>
+          </a:p>
+          <a:p>
+            <a:pPr lvl="3"/>
+            <a:r>
+              <a:rPr lang="de-DE"/>
+              <a:t>Vierte Ebene</a:t>
+            </a:r>
+          </a:p>
+          <a:p>
+            <a:pPr lvl="4"/>
+            <a:r>
+              <a:rPr lang="de-DE"/>
+              <a:t>Fünfte Ebene</a:t>
+            </a:r>
+            <a:endParaRPr lang="de-DE"/>
+          </a:p>
+        </p:txBody>
+      </p:sp>
+      <p:sp>
+        <p:nvSpPr>
+          <p:cNvPr id="6" name="Fußzeilenplatzhalter 5"/>
+          <p:cNvSpPr>
+            <a:spLocks noGrp="1"/>
+          </p:cNvSpPr>
+          <p:nvPr>
+            <p:ph type="ftr" sz="quarter" idx="4"/>
+          </p:nvPr>
+        </p:nvSpPr>
+        <p:spPr>
+          <a:xfrm>
+            <a:off x="0" y="8685213"/>
+            <a:ext cx="2971800" cy="458787"/>
+          </a:xfrm>
+          <a:prstGeom prst="rect">
+            <a:avLst/>
+          </a:prstGeom>
+        </p:spPr>
+        <p:txBody>
+          <a:bodyPr vert="horz" lIns="91440" tIns="45720" rIns="91440" bIns="45720" rtlCol="0" anchor="b"/>
+          <a:lstStyle>
+            <a:lvl1pPr algn="l">
+              <a:defRPr sz="1200"/>
+            </a:lvl1pPr>
+          </a:lstStyle>
+          <a:p>
+            <a:endParaRPr lang="de-DE"/>
+          </a:p>
+        </p:txBody>
+      </p:sp>
+      <p:sp>
+        <p:nvSpPr>
+          <p:cNvPr id="7" name="Foliennummernplatzhalter 6"/>
+          <p:cNvSpPr>
+            <a:spLocks noGrp="1"/>
+          </p:cNvSpPr>
+          <p:nvPr>
+            <p:ph type="sldNum" sz="quarter" idx="5"/>
+          </p:nvPr>
+        </p:nvSpPr>
+        <p:spPr>
+          <a:xfrm>
+            <a:off x="3884613" y="8685213"/>
+            <a:ext cx="2971800" cy="458787"/>
+          </a:xfrm>
+          <a:prstGeom prst="rect">
+            <a:avLst/>
+          </a:prstGeom>
+        </p:spPr>
+        <p:txBody>
+          <a:bodyPr vert="horz" lIns="91440" tIns="45720" rIns="91440" bIns="45720" rtlCol="0" anchor="b"/>
+          <a:lstStyle>
+            <a:lvl1pPr algn="r">
+              <a:defRPr sz="1200"/>
+            </a:lvl1pPr>
+          </a:lstStyle>
+          <a:p>
+            <a:fld id="{DC3BC4D2-EB31-492D-85EF-BDA91595AC04}" type="slidenum">
+              <a:rPr lang="de-DE" smtClean="0"/>
+              <a:t>‹Nr.›</a:t>
+            </a:fld>
+            <a:endParaRPr lang="de-DE"/>
+          </a:p>
+        </p:txBody>
+      </p:sp>
+    </p:spTree>
+    <p:extLst>
+      <p:ext uri="{BB962C8B-B14F-4D97-AF65-F5344CB8AC3E}">
+        <p14:creationId xmlns:p14="http://schemas.microsoft.com/office/powerpoint/2010/main" val="1399810651"/>
+      </p:ext>
+    </p:extLst>
+  </p:cSld>
+  <p:clrMap bg1="lt1" tx1="dk1" bg2="lt2" tx2="dk2" accent1="accent1" accent2="accent2" accent3="accent3" accent4="accent4" accent5="accent5" accent6="accent6" hlink="hlink" folHlink="folHlink"/>
+  <p:notesStyle>
+    <a:lvl1pPr marL="0" algn="l" defTabSz="914400" rtl="0" eaLnBrk="1" latinLnBrk="0" hangingPunct="1">
+      <a:defRPr sz="1200" kern="1200">
+        <a:solidFill>
+          <a:schemeClr val="tx1"/>
+        </a:solidFill>
+        <a:latin typeface="+mn-lt"/>
+        <a:ea typeface="+mn-ea"/>
+        <a:cs typeface="+mn-cs"/>
+      </a:defRPr>
+    </a:lvl1pPr>
+    <a:lvl2pPr marL="457200" algn="l" defTabSz="914400" rtl="0" eaLnBrk="1" latinLnBrk="0" hangingPunct="1">
+      <a:defRPr sz="1200" kern="1200">
+        <a:solidFill>
+          <a:schemeClr val="tx1"/>
+        </a:solidFill>
+        <a:latin typeface="+mn-lt"/>
+        <a:ea typeface="+mn-ea"/>
+        <a:cs typeface="+mn-cs"/>
+      </a:defRPr>
+    </a:lvl2pPr>
+    <a:lvl3pPr marL="914400" algn="l" defTabSz="914400" rtl="0" eaLnBrk="1" latinLnBrk="0" hangingPunct="1">
+      <a:defRPr sz="1200" kern="1200">
+        <a:solidFill>
+          <a:schemeClr val="tx1"/>
+        </a:solidFill>
+        <a:latin typeface="+mn-lt"/>
+        <a:ea typeface="+mn-ea"/>
+        <a:cs typeface="+mn-cs"/>
+      </a:defRPr>
+    </a:lvl3pPr>
+    <a:lvl4pPr marL="1371600" algn="l" defTabSz="914400" rtl="0" eaLnBrk="1" latinLnBrk="0" hangingPunct="1">
+      <a:defRPr sz="1200" kern="1200">
+        <a:solidFill>
+          <a:schemeClr val="tx1"/>
+        </a:solidFill>
+        <a:latin typeface="+mn-lt"/>
+        <a:ea typeface="+mn-ea"/>
+        <a:cs typeface="+mn-cs"/>
+      </a:defRPr>
+    </a:lvl4pPr>
+    <a:lvl5pPr marL="1828800" algn="l" defTabSz="914400" rtl="0" eaLnBrk="1" latinLnBrk="0" hangingPunct="1">
+      <a:defRPr sz="1200" kern="1200">
+        <a:solidFill>
+          <a:schemeClr val="tx1"/>
+        </a:solidFill>
+        <a:latin typeface="+mn-lt"/>
+        <a:ea typeface="+mn-ea"/>
+        <a:cs typeface="+mn-cs"/>
+      </a:defRPr>
+    </a:lvl5pPr>
+    <a:lvl6pPr marL="2286000" algn="l" defTabSz="914400" rtl="0" eaLnBrk="1" latinLnBrk="0" hangingPunct="1">
+      <a:defRPr sz="1200" kern="1200">
+        <a:solidFill>
+          <a:schemeClr val="tx1"/>
+        </a:solidFill>
+        <a:latin typeface="+mn-lt"/>
+        <a:ea typeface="+mn-ea"/>
+        <a:cs typeface="+mn-cs"/>
+      </a:defRPr>
+    </a:lvl6pPr>
+    <a:lvl7pPr marL="2743200" algn="l" defTabSz="914400" rtl="0" eaLnBrk="1" latinLnBrk="0" hangingPunct="1">
+      <a:defRPr sz="1200" kern="1200">
+        <a:solidFill>
+          <a:schemeClr val="tx1"/>
+        </a:solidFill>
+        <a:latin typeface="+mn-lt"/>
+        <a:ea typeface="+mn-ea"/>
+        <a:cs typeface="+mn-cs"/>
+      </a:defRPr>
+    </a:lvl7pPr>
+    <a:lvl8pPr marL="3200400" algn="l" defTabSz="914400" rtl="0" eaLnBrk="1" latinLnBrk="0" hangingPunct="1">
+      <a:defRPr sz="1200" kern="1200">
+        <a:solidFill>
+          <a:schemeClr val="tx1"/>
+        </a:solidFill>
+        <a:latin typeface="+mn-lt"/>
+        <a:ea typeface="+mn-ea"/>
+        <a:cs typeface="+mn-cs"/>
+      </a:defRPr>
+    </a:lvl8pPr>
+    <a:lvl9pPr marL="3657600" algn="l" defTabSz="914400" rtl="0" eaLnBrk="1" latinLnBrk="0" hangingPunct="1">
+      <a:defRPr sz="1200" kern="1200">
+        <a:solidFill>
+          <a:schemeClr val="tx1"/>
+        </a:solidFill>
+        <a:latin typeface="+mn-lt"/>
+        <a:ea typeface="+mn-ea"/>
+        <a:cs typeface="+mn-cs"/>
+      </a:defRPr>
+    </a:lvl9pPr>
+  </p:notesStyle>
+</p:notesMaster>
+</file>
+
 <file path=ppt/slideLayouts/slideLayout1.xml><?xml version="1.0" encoding="utf-8"?>
 <p:sldLayout xmlns:a="http://schemas.openxmlformats.org/drawingml/2006/main" xmlns:r="http://schemas.openxmlformats.org/officeDocument/2006/relationships" xmlns:p="http://schemas.openxmlformats.org/presentationml/2006/main" type="title" preserve="1">
   <p:cSld name="Titelfolie">
@@ -254,7 +608,7 @@
           <a:bodyPr/>
           <a:lstStyle/>
           <a:p>
-            <a:fld id="{A97D6132-ED90-421D-8C49-D949DF905A2D}" type="datetimeFigureOut">
+            <a:fld id="{8AC7EE22-32F0-443C-B59A-BCF49072D0E1}" type="datetime1">
               <a:rPr lang="de-DE" smtClean="0"/>
               <a:t>29.03.2017</a:t>
             </a:fld>
@@ -422,7 +776,7 @@
           <a:bodyPr/>
           <a:lstStyle/>
           <a:p>
-            <a:fld id="{A97D6132-ED90-421D-8C49-D949DF905A2D}" type="datetimeFigureOut">
+            <a:fld id="{421E5954-0182-43B0-9F4E-FD27F601353F}" type="datetime1">
               <a:rPr lang="de-DE" smtClean="0"/>
               <a:t>29.03.2017</a:t>
             </a:fld>
@@ -600,7 +954,7 @@
           <a:bodyPr/>
           <a:lstStyle/>
           <a:p>
-            <a:fld id="{A97D6132-ED90-421D-8C49-D949DF905A2D}" type="datetimeFigureOut">
+            <a:fld id="{31C3AF26-4CAC-4E9D-9E4A-7B666D5C61C6}" type="datetime1">
               <a:rPr lang="de-DE" smtClean="0"/>
               <a:t>29.03.2017</a:t>
             </a:fld>
@@ -768,7 +1122,7 @@
           <a:bodyPr/>
           <a:lstStyle/>
           <a:p>
-            <a:fld id="{A97D6132-ED90-421D-8C49-D949DF905A2D}" type="datetimeFigureOut">
+            <a:fld id="{F2231277-A891-4A79-B3CE-5359D13E233D}" type="datetime1">
               <a:rPr lang="de-DE" smtClean="0"/>
               <a:t>29.03.2017</a:t>
             </a:fld>
@@ -1013,7 +1367,7 @@
           <a:bodyPr/>
           <a:lstStyle/>
           <a:p>
-            <a:fld id="{A97D6132-ED90-421D-8C49-D949DF905A2D}" type="datetimeFigureOut">
+            <a:fld id="{319154E8-1E89-4193-AA89-4AB5113E5D6A}" type="datetime1">
               <a:rPr lang="de-DE" smtClean="0"/>
               <a:t>29.03.2017</a:t>
             </a:fld>
@@ -1242,7 +1596,7 @@
           <a:bodyPr/>
           <a:lstStyle/>
           <a:p>
-            <a:fld id="{A97D6132-ED90-421D-8C49-D949DF905A2D}" type="datetimeFigureOut">
+            <a:fld id="{74947092-E3E4-447A-828B-05F233AB0924}" type="datetime1">
               <a:rPr lang="de-DE" smtClean="0"/>
               <a:t>29.03.2017</a:t>
             </a:fld>
@@ -1606,7 +1960,7 @@
           <a:bodyPr/>
           <a:lstStyle/>
           <a:p>
-            <a:fld id="{A97D6132-ED90-421D-8C49-D949DF905A2D}" type="datetimeFigureOut">
+            <a:fld id="{0D6CA546-332E-4E64-AFE7-9F915BC3CE3C}" type="datetime1">
               <a:rPr lang="de-DE" smtClean="0"/>
               <a:t>29.03.2017</a:t>
             </a:fld>
@@ -1723,7 +2077,7 @@
           <a:bodyPr/>
           <a:lstStyle/>
           <a:p>
-            <a:fld id="{A97D6132-ED90-421D-8C49-D949DF905A2D}" type="datetimeFigureOut">
+            <a:fld id="{1B6DF0CE-9514-4D56-ADFF-7B771B363A7D}" type="datetime1">
               <a:rPr lang="de-DE" smtClean="0"/>
               <a:t>29.03.2017</a:t>
             </a:fld>
@@ -1818,7 +2172,7 @@
           <a:bodyPr/>
           <a:lstStyle/>
           <a:p>
-            <a:fld id="{A97D6132-ED90-421D-8C49-D949DF905A2D}" type="datetimeFigureOut">
+            <a:fld id="{05597725-B3F4-4ECE-8352-CEE446425115}" type="datetime1">
               <a:rPr lang="de-DE" smtClean="0"/>
               <a:t>29.03.2017</a:t>
             </a:fld>
@@ -2093,7 +2447,7 @@
           <a:bodyPr/>
           <a:lstStyle/>
           <a:p>
-            <a:fld id="{A97D6132-ED90-421D-8C49-D949DF905A2D}" type="datetimeFigureOut">
+            <a:fld id="{56F36BE3-C267-4C7A-AA7A-89AB5116FEB2}" type="datetime1">
               <a:rPr lang="de-DE" smtClean="0"/>
               <a:t>29.03.2017</a:t>
             </a:fld>
@@ -2345,7 +2699,7 @@
           <a:bodyPr/>
           <a:lstStyle/>
           <a:p>
-            <a:fld id="{A97D6132-ED90-421D-8C49-D949DF905A2D}" type="datetimeFigureOut">
+            <a:fld id="{0EEEA947-5446-4632-B3E9-BC6EBC5433AB}" type="datetime1">
               <a:rPr lang="de-DE" smtClean="0"/>
               <a:t>29.03.2017</a:t>
             </a:fld>
@@ -2556,7 +2910,7 @@
             </a:lvl1pPr>
           </a:lstStyle>
           <a:p>
-            <a:fld id="{A97D6132-ED90-421D-8C49-D949DF905A2D}" type="datetimeFigureOut">
+            <a:fld id="{D3B6EB48-A65F-4DD5-A800-558647E2D4DF}" type="datetime1">
               <a:rPr lang="de-DE" smtClean="0"/>
               <a:t>29.03.2017</a:t>
             </a:fld>
@@ -2663,6 +3017,7 @@
     <p:sldLayoutId id="2147483658" r:id="rId10"/>
     <p:sldLayoutId id="2147483659" r:id="rId11"/>
   </p:sldLayoutIdLst>
+  <p:hf hdr="0" ftr="0" dt="0"/>
   <p:txStyles>
     <p:titleStyle>
       <a:lvl1pPr algn="l" defTabSz="914400" rtl="0" eaLnBrk="1" latinLnBrk="0" hangingPunct="1">
@@ -3096,6 +3451,139 @@
           <a:p>
             <a:r>
               <a:rPr lang="de-DE" dirty="0"/>
+              <a:t>Trägheitsmomente – Zylinder I</a:t>
+            </a:r>
+          </a:p>
+        </p:txBody>
+      </p:sp>
+      <p:pic>
+        <p:nvPicPr>
+          <p:cNvPr id="7" name="Inhaltsplatzhalter 6"/>
+          <p:cNvPicPr>
+            <a:picLocks noGrp="1" noChangeAspect="1"/>
+          </p:cNvPicPr>
+          <p:nvPr>
+            <p:ph sz="half" idx="1"/>
+          </p:nvPr>
+        </p:nvPicPr>
+        <p:blipFill>
+          <a:blip r:embed="rId2">
+            <a:extLst>
+              <a:ext uri="{28A0092B-C50C-407E-A947-70E740481C1C}">
+                <a14:useLocalDpi xmlns:a14="http://schemas.microsoft.com/office/drawing/2010/main" val="0"/>
+              </a:ext>
+            </a:extLst>
+          </a:blip>
+          <a:stretch>
+            <a:fillRect/>
+          </a:stretch>
+        </p:blipFill>
+        <p:spPr>
+          <a:xfrm>
+            <a:off x="265849" y="1469835"/>
+            <a:ext cx="5830151" cy="4519079"/>
+          </a:xfrm>
+        </p:spPr>
+      </p:pic>
+      <p:pic>
+        <p:nvPicPr>
+          <p:cNvPr id="12" name="Inhaltsplatzhalter 11"/>
+          <p:cNvPicPr>
+            <a:picLocks noGrp="1" noChangeAspect="1"/>
+          </p:cNvPicPr>
+          <p:nvPr>
+            <p:ph sz="half" idx="2"/>
+          </p:nvPr>
+        </p:nvPicPr>
+        <p:blipFill>
+          <a:blip r:embed="rId3">
+            <a:extLst>
+              <a:ext uri="{28A0092B-C50C-407E-A947-70E740481C1C}">
+                <a14:useLocalDpi xmlns:a14="http://schemas.microsoft.com/office/drawing/2010/main" val="0"/>
+              </a:ext>
+            </a:extLst>
+          </a:blip>
+          <a:stretch>
+            <a:fillRect/>
+          </a:stretch>
+        </p:blipFill>
+        <p:spPr>
+          <a:xfrm>
+            <a:off x="5894553" y="1469835"/>
+            <a:ext cx="6050650" cy="4519079"/>
+          </a:xfrm>
+        </p:spPr>
+      </p:pic>
+      <p:sp>
+        <p:nvSpPr>
+          <p:cNvPr id="3" name="Foliennummernplatzhalter 2"/>
+          <p:cNvSpPr>
+            <a:spLocks noGrp="1"/>
+          </p:cNvSpPr>
+          <p:nvPr>
+            <p:ph type="sldNum" sz="quarter" idx="12"/>
+          </p:nvPr>
+        </p:nvSpPr>
+        <p:spPr/>
+        <p:txBody>
+          <a:bodyPr/>
+          <a:lstStyle/>
+          <a:p>
+            <a:fld id="{513DBB20-6107-4330-BB35-E3C61089ACF9}" type="slidenum">
+              <a:rPr lang="de-DE" smtClean="0"/>
+              <a:t>10</a:t>
+            </a:fld>
+            <a:endParaRPr lang="de-DE"/>
+          </a:p>
+        </p:txBody>
+      </p:sp>
+    </p:spTree>
+    <p:extLst>
+      <p:ext uri="{BB962C8B-B14F-4D97-AF65-F5344CB8AC3E}">
+        <p14:creationId xmlns:p14="http://schemas.microsoft.com/office/powerpoint/2010/main" val="3229146710"/>
+      </p:ext>
+    </p:extLst>
+  </p:cSld>
+  <p:clrMapOvr>
+    <a:masterClrMapping/>
+  </p:clrMapOvr>
+</p:sld>
+</file>
+
+<file path=ppt/slides/slide11.xml><?xml version="1.0" encoding="utf-8"?>
+<p:sld xmlns:a="http://schemas.openxmlformats.org/drawingml/2006/main" xmlns:r="http://schemas.openxmlformats.org/officeDocument/2006/relationships" xmlns:p="http://schemas.openxmlformats.org/presentationml/2006/main">
+  <p:cSld>
+    <p:spTree>
+      <p:nvGrpSpPr>
+        <p:cNvPr id="1" name=""/>
+        <p:cNvGrpSpPr/>
+        <p:nvPr/>
+      </p:nvGrpSpPr>
+      <p:grpSpPr>
+        <a:xfrm>
+          <a:off x="0" y="0"/>
+          <a:ext cx="0" cy="0"/>
+          <a:chOff x="0" y="0"/>
+          <a:chExt cx="0" cy="0"/>
+        </a:xfrm>
+      </p:grpSpPr>
+      <p:sp>
+        <p:nvSpPr>
+          <p:cNvPr id="2" name="Titel 1"/>
+          <p:cNvSpPr>
+            <a:spLocks noGrp="1"/>
+          </p:cNvSpPr>
+          <p:nvPr>
+            <p:ph type="title"/>
+          </p:nvPr>
+        </p:nvSpPr>
+        <p:spPr/>
+        <p:txBody>
+          <a:bodyPr/>
+          <a:lstStyle/>
+          <a:p>
+            <a:r>
+              <a:rPr lang="de-DE" dirty="0"/>
               <a:t>Trägheitsmomente – Zylinder II</a:t>
             </a:r>
           </a:p>
@@ -3113,7 +3601,7 @@
                 <p:ph sz="half" idx="1"/>
                 <p:extLst>
                   <p:ext uri="{D42A27DB-BD31-4B8C-83A1-F6EECF244321}">
-                    <p14:modId xmlns:p14="http://schemas.microsoft.com/office/powerpoint/2010/main" val="1600299044"/>
+                    <p14:modId xmlns:p14="http://schemas.microsoft.com/office/powerpoint/2010/main" val="3368023550"/>
                   </p:ext>
                 </p:extLst>
               </p:nvPr>
@@ -3274,6 +3762,7 @@
                         <a:bodyPr/>
                         <a:lstStyle/>
                         <a:p>
+                          <a:pPr/>
                           <a14:m>
                             <m:oMathPara xmlns:m="http://schemas.openxmlformats.org/officeDocument/2006/math">
                               <m:oMathParaPr>
@@ -3345,7 +3834,9 @@
                           <a14:m>
                             <m:oMath xmlns:m="http://schemas.openxmlformats.org/officeDocument/2006/math">
                               <m:r>
-                                <a:rPr lang="de-DE" smtClean="0"/>
+                                <a:rPr lang="de-DE" smtClean="0">
+                                  <a:latin typeface="Cambria Math" panose="02040503050406030204" pitchFamily="18" charset="0"/>
+                                </a:rPr>
                                 <m:t>±</m:t>
                               </m:r>
                             </m:oMath>
@@ -3430,7 +3921,9 @@
                           <a14:m>
                             <m:oMath xmlns:m="http://schemas.openxmlformats.org/officeDocument/2006/math">
                               <m:r>
-                                <a:rPr lang="de-DE" smtClean="0"/>
+                                <a:rPr lang="de-DE" smtClean="0">
+                                  <a:latin typeface="Cambria Math" panose="02040503050406030204" pitchFamily="18" charset="0"/>
+                                </a:rPr>
                                 <m:t>±</m:t>
                               </m:r>
                             </m:oMath>
@@ -3552,19 +4045,21 @@
                         <a:p>
                           <a:r>
                             <a:rPr lang="de-DE" dirty="0"/>
-                            <a:t>1.253</a:t>
+                            <a:t>1.2530</a:t>
                           </a:r>
                           <a14:m>
                             <m:oMath xmlns:m="http://schemas.openxmlformats.org/officeDocument/2006/math">
                               <m:r>
-                                <a:rPr lang="de-DE" smtClean="0"/>
+                                <a:rPr lang="de-DE" smtClean="0">
+                                  <a:latin typeface="Cambria Math" panose="02040503050406030204" pitchFamily="18" charset="0"/>
+                                </a:rPr>
                                 <m:t>±</m:t>
                               </m:r>
                             </m:oMath>
                           </a14:m>
                           <a:r>
                             <a:rPr lang="de-DE" dirty="0"/>
-                            <a:t>0.001</a:t>
+                            <a:t>0.0010</a:t>
                           </a:r>
                         </a:p>
                       </a:txBody>
@@ -3674,7 +4169,7 @@
                 <p:ph sz="half" idx="1"/>
                 <p:extLst>
                   <p:ext uri="{D42A27DB-BD31-4B8C-83A1-F6EECF244321}">
-                    <p14:modId xmlns:p14="http://schemas.microsoft.com/office/powerpoint/2010/main" val="1600299044"/>
+                    <p14:modId xmlns:p14="http://schemas.microsoft.com/office/powerpoint/2010/main" val="3368023550"/>
                   </p:ext>
                 </p:extLst>
               </p:nvPr>
@@ -4001,8 +4496,8 @@
           </p:graphicFrame>
         </mc:Fallback>
       </mc:AlternateContent>
-      <mc:AlternateContent xmlns:mc="http://schemas.openxmlformats.org/markup-compatibility/2006">
-        <mc:Choice xmlns:a14="http://schemas.microsoft.com/office/drawing/2010/main" Requires="a14">
+      <mc:AlternateContent xmlns:mc="http://schemas.openxmlformats.org/markup-compatibility/2006" xmlns:a14="http://schemas.microsoft.com/office/drawing/2010/main">
+        <mc:Choice Requires="a14">
           <p:sp>
             <p:nvSpPr>
               <p:cNvPr id="5" name="Inhaltsplatzhalter 4"/>
@@ -4186,17 +4681,13 @@
                 </a14:m>
                 <a:r>
                   <a:rPr lang="de-DE" dirty="0"/>
-                  <a:t> </a:t>
-                </a:r>
-                <a:r>
-                  <a:rPr lang="de-DE" dirty="0"/>
-                  <a:t>	(Feder 3)</a:t>
+                  <a:t> 	(Feder 3)</a:t>
                 </a:r>
               </a:p>
             </p:txBody>
           </p:sp>
         </mc:Choice>
-        <mc:Fallback>
+        <mc:Fallback xmlns="">
           <p:sp>
             <p:nvSpPr>
               <p:cNvPr id="5" name="Inhaltsplatzhalter 4"/>
@@ -4234,6 +4725,29 @@
           </p:sp>
         </mc:Fallback>
       </mc:AlternateContent>
+      <p:sp>
+        <p:nvSpPr>
+          <p:cNvPr id="3" name="Foliennummernplatzhalter 2"/>
+          <p:cNvSpPr>
+            <a:spLocks noGrp="1"/>
+          </p:cNvSpPr>
+          <p:nvPr>
+            <p:ph type="sldNum" sz="quarter" idx="12"/>
+          </p:nvPr>
+        </p:nvSpPr>
+        <p:spPr/>
+        <p:txBody>
+          <a:bodyPr/>
+          <a:lstStyle/>
+          <a:p>
+            <a:fld id="{513DBB20-6107-4330-BB35-E3C61089ACF9}" type="slidenum">
+              <a:rPr lang="de-DE" smtClean="0"/>
+              <a:t>11</a:t>
+            </a:fld>
+            <a:endParaRPr lang="de-DE"/>
+          </a:p>
+        </p:txBody>
+      </p:sp>
     </p:spTree>
     <p:extLst>
       <p:ext uri="{BB962C8B-B14F-4D97-AF65-F5344CB8AC3E}">
@@ -4247,7 +4761,7 @@
 </p:sld>
 </file>
 
-<file path=ppt/slides/slide11.xml><?xml version="1.0" encoding="utf-8"?>
+<file path=ppt/slides/slide12.xml><?xml version="1.0" encoding="utf-8"?>
 <p:sld xmlns:a="http://schemas.openxmlformats.org/drawingml/2006/main" xmlns:r="http://schemas.openxmlformats.org/officeDocument/2006/relationships" xmlns:p="http://schemas.openxmlformats.org/presentationml/2006/main">
   <p:cSld>
     <p:spTree>
@@ -4384,6 +4898,29 @@
           </a:xfrm>
         </p:spPr>
       </p:pic>
+      <p:sp>
+        <p:nvSpPr>
+          <p:cNvPr id="3" name="Foliennummernplatzhalter 2"/>
+          <p:cNvSpPr>
+            <a:spLocks noGrp="1"/>
+          </p:cNvSpPr>
+          <p:nvPr>
+            <p:ph type="sldNum" sz="quarter" idx="12"/>
+          </p:nvPr>
+        </p:nvSpPr>
+        <p:spPr/>
+        <p:txBody>
+          <a:bodyPr/>
+          <a:lstStyle/>
+          <a:p>
+            <a:fld id="{513DBB20-6107-4330-BB35-E3C61089ACF9}" type="slidenum">
+              <a:rPr lang="de-DE" smtClean="0"/>
+              <a:t>12</a:t>
+            </a:fld>
+            <a:endParaRPr lang="de-DE"/>
+          </a:p>
+        </p:txBody>
+      </p:sp>
     </p:spTree>
     <p:extLst>
       <p:ext uri="{BB962C8B-B14F-4D97-AF65-F5344CB8AC3E}">
@@ -4397,7 +4934,7 @@
 </p:sld>
 </file>
 
-<file path=ppt/slides/slide12.xml><?xml version="1.0" encoding="utf-8"?>
+<file path=ppt/slides/slide13.xml><?xml version="1.0" encoding="utf-8"?>
 <p:sld xmlns:a="http://schemas.openxmlformats.org/drawingml/2006/main" xmlns:r="http://schemas.openxmlformats.org/officeDocument/2006/relationships" xmlns:p="http://schemas.openxmlformats.org/presentationml/2006/main">
   <p:cSld>
     <p:spTree>
@@ -4436,8 +4973,8 @@
           </a:p>
         </p:txBody>
       </p:sp>
-      <mc:AlternateContent xmlns:mc="http://schemas.openxmlformats.org/markup-compatibility/2006">
-        <mc:Choice xmlns:a14="http://schemas.microsoft.com/office/drawing/2010/main" Requires="a14">
+      <mc:AlternateContent xmlns:mc="http://schemas.openxmlformats.org/markup-compatibility/2006" xmlns:a14="http://schemas.microsoft.com/office/drawing/2010/main">
+        <mc:Choice Requires="a14">
           <p:graphicFrame>
             <p:nvGraphicFramePr>
               <p:cNvPr id="8" name="Inhaltsplatzhalter 7"/>
@@ -4530,18 +5067,24 @@
                               <m:sSub>
                                 <m:sSubPr>
                                   <m:ctrlPr>
-                                    <a:rPr lang="de-DE" smtClean="0"/>
+                                    <a:rPr lang="de-DE" i="1" smtClean="0">
+                                      <a:latin typeface="Cambria Math" panose="02040503050406030204" pitchFamily="18" charset="0"/>
+                                    </a:rPr>
                                   </m:ctrlPr>
                                 </m:sSubPr>
                                 <m:e>
                                   <m:r>
-                                    <a:rPr lang="de-DE" smtClean="0"/>
+                                    <a:rPr lang="de-DE" smtClean="0">
+                                      <a:latin typeface="Cambria Math" panose="02040503050406030204" pitchFamily="18" charset="0"/>
+                                    </a:rPr>
                                     <m:t>𝐽</m:t>
                                   </m:r>
                                 </m:e>
                                 <m:sub>
                                   <m:r>
-                                    <a:rPr lang="de-DE" smtClean="0"/>
+                                    <a:rPr lang="de-DE" smtClean="0">
+                                      <a:latin typeface="Cambria Math" panose="02040503050406030204" pitchFamily="18" charset="0"/>
+                                    </a:rPr>
                                     <m:t>𝑒𝑥𝑝</m:t>
                                   </m:r>
                                 </m:sub>
@@ -4555,24 +5098,32 @@
                           <a14:m>
                             <m:oMath xmlns:m="http://schemas.openxmlformats.org/officeDocument/2006/math">
                               <m:r>
-                                <a:rPr lang="de-DE" dirty="0" smtClean="0"/>
+                                <a:rPr lang="de-DE" dirty="0" smtClean="0">
+                                  <a:latin typeface="Cambria Math" panose="02040503050406030204" pitchFamily="18" charset="0"/>
+                                </a:rPr>
                                 <m:t>𝑔</m:t>
                               </m:r>
                               <m:sSup>
                                 <m:sSupPr>
                                   <m:ctrlPr>
-                                    <a:rPr lang="de-DE" dirty="0" smtClean="0"/>
+                                    <a:rPr lang="de-DE" i="1" dirty="0" smtClean="0">
+                                      <a:latin typeface="Cambria Math" panose="02040503050406030204" pitchFamily="18" charset="0"/>
+                                    </a:rPr>
                                   </m:ctrlPr>
                                 </m:sSupPr>
                                 <m:e>
                                   <m:r>
-                                    <a:rPr lang="de-DE" dirty="0" smtClean="0"/>
+                                    <a:rPr lang="de-DE" dirty="0" smtClean="0">
+                                      <a:latin typeface="Cambria Math" panose="02040503050406030204" pitchFamily="18" charset="0"/>
+                                    </a:rPr>
                                     <m:t>𝑚</m:t>
                                   </m:r>
                                 </m:e>
                                 <m:sup>
                                   <m:r>
-                                    <a:rPr lang="de-DE" dirty="0" smtClean="0"/>
+                                    <a:rPr lang="de-DE" dirty="0" smtClean="0">
+                                      <a:latin typeface="Cambria Math" panose="02040503050406030204" pitchFamily="18" charset="0"/>
+                                    </a:rPr>
                                     <m:t>2</m:t>
                                   </m:r>
                                 </m:sup>
@@ -4597,18 +5148,24 @@
                               <m:sSub>
                                 <m:sSubPr>
                                   <m:ctrlPr>
-                                    <a:rPr lang="de-DE" smtClean="0"/>
+                                    <a:rPr lang="de-DE" i="1" smtClean="0">
+                                      <a:latin typeface="Cambria Math" panose="02040503050406030204" pitchFamily="18" charset="0"/>
+                                    </a:rPr>
                                   </m:ctrlPr>
                                 </m:sSubPr>
                                 <m:e>
                                   <m:r>
-                                    <a:rPr lang="de-DE" smtClean="0"/>
+                                    <a:rPr lang="de-DE" smtClean="0">
+                                      <a:latin typeface="Cambria Math" panose="02040503050406030204" pitchFamily="18" charset="0"/>
+                                    </a:rPr>
                                     <m:t>𝐽</m:t>
                                   </m:r>
                                 </m:e>
                                 <m:sub>
                                   <m:r>
-                                    <a:rPr lang="de-DE" smtClean="0"/>
+                                    <a:rPr lang="de-DE" smtClean="0">
+                                      <a:latin typeface="Cambria Math" panose="02040503050406030204" pitchFamily="18" charset="0"/>
+                                    </a:rPr>
                                     <m:t>𝑡h𝑒𝑜</m:t>
                                   </m:r>
                                 </m:sub>
@@ -4622,24 +5179,32 @@
                           <a14:m>
                             <m:oMath xmlns:m="http://schemas.openxmlformats.org/officeDocument/2006/math">
                               <m:r>
-                                <a:rPr lang="de-DE" smtClean="0"/>
+                                <a:rPr lang="de-DE" smtClean="0">
+                                  <a:latin typeface="Cambria Math" panose="02040503050406030204" pitchFamily="18" charset="0"/>
+                                </a:rPr>
                                 <m:t>𝑔</m:t>
                               </m:r>
                               <m:sSup>
                                 <m:sSupPr>
                                   <m:ctrlPr>
-                                    <a:rPr lang="de-DE" smtClean="0"/>
+                                    <a:rPr lang="de-DE" i="1" smtClean="0">
+                                      <a:latin typeface="Cambria Math" panose="02040503050406030204" pitchFamily="18" charset="0"/>
+                                    </a:rPr>
                                   </m:ctrlPr>
                                 </m:sSupPr>
                                 <m:e>
                                   <m:r>
-                                    <a:rPr lang="de-DE" smtClean="0"/>
+                                    <a:rPr lang="de-DE" smtClean="0">
+                                      <a:latin typeface="Cambria Math" panose="02040503050406030204" pitchFamily="18" charset="0"/>
+                                    </a:rPr>
                                     <m:t>𝑚</m:t>
                                   </m:r>
                                 </m:e>
                                 <m:sup>
                                   <m:r>
-                                    <a:rPr lang="de-DE" smtClean="0"/>
+                                    <a:rPr lang="de-DE" smtClean="0">
+                                      <a:latin typeface="Cambria Math" panose="02040503050406030204" pitchFamily="18" charset="0"/>
+                                    </a:rPr>
                                     <m:t>2</m:t>
                                   </m:r>
                                 </m:sup>
@@ -4686,7 +5251,9 @@
                           <a14:m>
                             <m:oMath xmlns:m="http://schemas.openxmlformats.org/officeDocument/2006/math">
                               <m:r>
-                                <a:rPr lang="de-DE" smtClean="0"/>
+                                <a:rPr lang="de-DE" smtClean="0">
+                                  <a:latin typeface="Cambria Math" panose="02040503050406030204" pitchFamily="18" charset="0"/>
+                                </a:rPr>
                                 <m:t>±</m:t>
                               </m:r>
                             </m:oMath>
@@ -4711,7 +5278,9 @@
                           <a14:m>
                             <m:oMath xmlns:m="http://schemas.openxmlformats.org/officeDocument/2006/math">
                               <m:r>
-                                <a:rPr lang="de-DE" smtClean="0"/>
+                                <a:rPr lang="de-DE" smtClean="0">
+                                  <a:latin typeface="Cambria Math" panose="02040503050406030204" pitchFamily="18" charset="0"/>
+                                </a:rPr>
                                 <m:t>±</m:t>
                               </m:r>
                             </m:oMath>
@@ -4723,7 +5292,9 @@
                           <a14:m>
                             <m:oMath xmlns:m="http://schemas.openxmlformats.org/officeDocument/2006/math">
                               <m:r>
-                                <a:rPr lang="de-DE" smtClean="0"/>
+                                <a:rPr lang="de-DE" smtClean="0">
+                                  <a:latin typeface="Cambria Math" panose="02040503050406030204" pitchFamily="18" charset="0"/>
+                                </a:rPr>
                                 <m:t>±</m:t>
                               </m:r>
                             </m:oMath>
@@ -4748,7 +5319,9 @@
                           <a14:m>
                             <m:oMath xmlns:m="http://schemas.openxmlformats.org/officeDocument/2006/math">
                               <m:r>
-                                <a:rPr lang="de-DE" smtClean="0"/>
+                                <a:rPr lang="de-DE" smtClean="0">
+                                  <a:latin typeface="Cambria Math" panose="02040503050406030204" pitchFamily="18" charset="0"/>
+                                </a:rPr>
                                 <m:t>±</m:t>
                               </m:r>
                             </m:oMath>
@@ -4760,7 +5333,9 @@
                           <a14:m>
                             <m:oMath xmlns:m="http://schemas.openxmlformats.org/officeDocument/2006/math">
                               <m:r>
-                                <a:rPr lang="de-DE" smtClean="0"/>
+                                <a:rPr lang="de-DE" smtClean="0">
+                                  <a:latin typeface="Cambria Math" panose="02040503050406030204" pitchFamily="18" charset="0"/>
+                                </a:rPr>
                                 <m:t>±</m:t>
                               </m:r>
                             </m:oMath>
@@ -4805,7 +5380,9 @@
                           <a14:m>
                             <m:oMath xmlns:m="http://schemas.openxmlformats.org/officeDocument/2006/math">
                               <m:r>
-                                <a:rPr lang="de-DE" smtClean="0"/>
+                                <a:rPr lang="de-DE" smtClean="0">
+                                  <a:latin typeface="Cambria Math" panose="02040503050406030204" pitchFamily="18" charset="0"/>
+                                </a:rPr>
                                 <m:t>±</m:t>
                               </m:r>
                             </m:oMath>
@@ -4830,7 +5407,9 @@
                           <a14:m>
                             <m:oMath xmlns:m="http://schemas.openxmlformats.org/officeDocument/2006/math">
                               <m:r>
-                                <a:rPr lang="de-DE" smtClean="0"/>
+                                <a:rPr lang="de-DE" smtClean="0">
+                                  <a:latin typeface="Cambria Math" panose="02040503050406030204" pitchFamily="18" charset="0"/>
+                                </a:rPr>
                                 <m:t>±</m:t>
                               </m:r>
                             </m:oMath>
@@ -4842,7 +5421,9 @@
                           <a14:m>
                             <m:oMath xmlns:m="http://schemas.openxmlformats.org/officeDocument/2006/math">
                               <m:r>
-                                <a:rPr lang="de-DE" smtClean="0"/>
+                                <a:rPr lang="de-DE" smtClean="0">
+                                  <a:latin typeface="Cambria Math" panose="02040503050406030204" pitchFamily="18" charset="0"/>
+                                </a:rPr>
                                 <m:t>±</m:t>
                               </m:r>
                             </m:oMath>
@@ -4867,7 +5448,9 @@
                           <a14:m>
                             <m:oMath xmlns:m="http://schemas.openxmlformats.org/officeDocument/2006/math">
                               <m:r>
-                                <a:rPr lang="de-DE" smtClean="0"/>
+                                <a:rPr lang="de-DE" smtClean="0">
+                                  <a:latin typeface="Cambria Math" panose="02040503050406030204" pitchFamily="18" charset="0"/>
+                                </a:rPr>
                                 <m:t>±</m:t>
                               </m:r>
                             </m:oMath>
@@ -4879,7 +5462,9 @@
                           <a14:m>
                             <m:oMath xmlns:m="http://schemas.openxmlformats.org/officeDocument/2006/math">
                               <m:r>
-                                <a:rPr lang="de-DE" smtClean="0"/>
+                                <a:rPr lang="de-DE" smtClean="0">
+                                  <a:latin typeface="Cambria Math" panose="02040503050406030204" pitchFamily="18" charset="0"/>
+                                </a:rPr>
                                 <m:t>±</m:t>
                               </m:r>
                             </m:oMath>
@@ -4903,7 +5488,7 @@
             </a:graphic>
           </p:graphicFrame>
         </mc:Choice>
-        <mc:Fallback>
+        <mc:Fallback xmlns="">
           <p:graphicFrame>
             <p:nvGraphicFramePr>
               <p:cNvPr id="8" name="Inhaltsplatzhalter 7"/>
@@ -5174,8 +5759,8 @@
           </p:graphicFrame>
         </mc:Fallback>
       </mc:AlternateContent>
-      <mc:AlternateContent xmlns:mc="http://schemas.openxmlformats.org/markup-compatibility/2006">
-        <mc:Choice xmlns:a14="http://schemas.microsoft.com/office/drawing/2010/main" Requires="a14">
+      <mc:AlternateContent xmlns:mc="http://schemas.openxmlformats.org/markup-compatibility/2006" xmlns:a14="http://schemas.microsoft.com/office/drawing/2010/main">
+        <mc:Choice Requires="a14">
           <p:sp>
             <p:nvSpPr>
               <p:cNvPr id="9" name="Inhaltsplatzhalter 8"/>
@@ -5308,17 +5893,13 @@
                 </a14:m>
                 <a:r>
                   <a:rPr lang="de-DE" dirty="0"/>
-                  <a:t> </a:t>
-                </a:r>
-                <a:r>
-                  <a:rPr lang="de-DE" dirty="0"/>
-                  <a:t>	(Feder 2)</a:t>
+                  <a:t> 	(Feder 2)</a:t>
                 </a:r>
               </a:p>
             </p:txBody>
           </p:sp>
         </mc:Choice>
-        <mc:Fallback>
+        <mc:Fallback xmlns="">
           <p:sp>
             <p:nvSpPr>
               <p:cNvPr id="9" name="Inhaltsplatzhalter 8"/>
@@ -5356,6 +5937,29 @@
           </p:sp>
         </mc:Fallback>
       </mc:AlternateContent>
+      <p:sp>
+        <p:nvSpPr>
+          <p:cNvPr id="3" name="Foliennummernplatzhalter 2"/>
+          <p:cNvSpPr>
+            <a:spLocks noGrp="1"/>
+          </p:cNvSpPr>
+          <p:nvPr>
+            <p:ph type="sldNum" sz="quarter" idx="12"/>
+          </p:nvPr>
+        </p:nvSpPr>
+        <p:spPr/>
+        <p:txBody>
+          <a:bodyPr/>
+          <a:lstStyle/>
+          <a:p>
+            <a:fld id="{513DBB20-6107-4330-BB35-E3C61089ACF9}" type="slidenum">
+              <a:rPr lang="de-DE" smtClean="0"/>
+              <a:t>13</a:t>
+            </a:fld>
+            <a:endParaRPr lang="de-DE"/>
+          </a:p>
+        </p:txBody>
+      </p:sp>
     </p:spTree>
     <p:extLst>
       <p:ext uri="{BB962C8B-B14F-4D97-AF65-F5344CB8AC3E}">
@@ -5369,7 +5973,7 @@
 </p:sld>
 </file>
 
-<file path=ppt/slides/slide13.xml><?xml version="1.0" encoding="utf-8"?>
+<file path=ppt/slides/slide14.xml><?xml version="1.0" encoding="utf-8"?>
 <p:sld xmlns:a="http://schemas.openxmlformats.org/drawingml/2006/main" xmlns:r="http://schemas.openxmlformats.org/officeDocument/2006/relationships" xmlns:p="http://schemas.openxmlformats.org/presentationml/2006/main">
   <p:cSld>
     <p:spTree>
@@ -5427,6 +6031,29 @@
           </a:p>
         </p:txBody>
       </p:sp>
+      <p:sp>
+        <p:nvSpPr>
+          <p:cNvPr id="2" name="Foliennummernplatzhalter 1"/>
+          <p:cNvSpPr>
+            <a:spLocks noGrp="1"/>
+          </p:cNvSpPr>
+          <p:nvPr>
+            <p:ph type="sldNum" sz="quarter" idx="12"/>
+          </p:nvPr>
+        </p:nvSpPr>
+        <p:spPr/>
+        <p:txBody>
+          <a:bodyPr/>
+          <a:lstStyle/>
+          <a:p>
+            <a:fld id="{513DBB20-6107-4330-BB35-E3C61089ACF9}" type="slidenum">
+              <a:rPr lang="de-DE" smtClean="0"/>
+              <a:t>14</a:t>
+            </a:fld>
+            <a:endParaRPr lang="de-DE"/>
+          </a:p>
+        </p:txBody>
+      </p:sp>
     </p:spTree>
     <p:extLst>
       <p:ext uri="{BB962C8B-B14F-4D97-AF65-F5344CB8AC3E}">
@@ -5440,7 +6067,7 @@
 </p:sld>
 </file>
 
-<file path=ppt/slides/slide14.xml><?xml version="1.0" encoding="utf-8"?>
+<file path=ppt/slides/slide15.xml><?xml version="1.0" encoding="utf-8"?>
 <p:sld xmlns:a="http://schemas.openxmlformats.org/drawingml/2006/main" xmlns:r="http://schemas.openxmlformats.org/officeDocument/2006/relationships" xmlns:p="http://schemas.openxmlformats.org/presentationml/2006/main">
   <p:cSld>
     <p:spTree>
@@ -5491,7 +6118,7 @@
         </p:nvSpPr>
         <p:spPr>
           <a:xfrm>
-            <a:off x="666070" y="3064042"/>
+            <a:off x="666070" y="2143501"/>
             <a:ext cx="5157787" cy="467728"/>
           </a:xfrm>
         </p:spPr>
@@ -5518,13 +6145,13 @@
                 <p:ph sz="half" idx="2"/>
                 <p:extLst>
                   <p:ext uri="{D42A27DB-BD31-4B8C-83A1-F6EECF244321}">
-                    <p14:modId xmlns:p14="http://schemas.microsoft.com/office/powerpoint/2010/main" val="758031198"/>
+                    <p14:modId xmlns:p14="http://schemas.microsoft.com/office/powerpoint/2010/main" val="4211282225"/>
                   </p:ext>
                 </p:extLst>
               </p:nvPr>
             </p:nvGraphicFramePr>
             <p:xfrm>
-              <a:off x="666070" y="3821113"/>
+              <a:off x="666070" y="3055277"/>
               <a:ext cx="5431518" cy="2772228"/>
             </p:xfrm>
             <a:graphic>
@@ -6058,13 +6685,13 @@
                 <p:ph sz="half" idx="2"/>
                 <p:extLst>
                   <p:ext uri="{D42A27DB-BD31-4B8C-83A1-F6EECF244321}">
-                    <p14:modId xmlns:p14="http://schemas.microsoft.com/office/powerpoint/2010/main" val="758031198"/>
+                    <p14:modId xmlns:p14="http://schemas.microsoft.com/office/powerpoint/2010/main" val="4211282225"/>
                   </p:ext>
                 </p:extLst>
               </p:nvPr>
             </p:nvGraphicFramePr>
             <p:xfrm>
-              <a:off x="666070" y="3821113"/>
+              <a:off x="666070" y="3055277"/>
               <a:ext cx="5431518" cy="2772228"/>
             </p:xfrm>
             <a:graphic>
@@ -6276,7 +6903,7 @@
                         <a:blipFill>
                           <a:blip r:embed="rId2"/>
                           <a:stretch>
-                            <a:fillRect l="-41962" t="-306579" r="-101907" b="-202632"/>
+                            <a:fillRect l="-41962" t="-310667" r="-101907" b="-206667"/>
                           </a:stretch>
                         </a:blipFill>
                       </a:tcPr>
@@ -6293,7 +6920,7 @@
                         <a:blipFill>
                           <a:blip r:embed="rId2"/>
                           <a:stretch>
-                            <a:fillRect l="-140054" t="-306579" r="-538" b="-202632"/>
+                            <a:fillRect l="-140054" t="-310667" r="-538" b="-206667"/>
                           </a:stretch>
                         </a:blipFill>
                       </a:tcPr>
@@ -6330,7 +6957,7 @@
                         <a:blipFill>
                           <a:blip r:embed="rId2"/>
                           <a:stretch>
-                            <a:fillRect l="-41962" t="-406579" r="-101907" b="-102632"/>
+                            <a:fillRect l="-41962" t="-405263" r="-101907" b="-103947"/>
                           </a:stretch>
                         </a:blipFill>
                       </a:tcPr>
@@ -6347,7 +6974,7 @@
                         <a:blipFill>
                           <a:blip r:embed="rId2"/>
                           <a:stretch>
-                            <a:fillRect l="-140054" t="-406579" r="-538" b="-102632"/>
+                            <a:fillRect l="-140054" t="-405263" r="-538" b="-103947"/>
                           </a:stretch>
                         </a:blipFill>
                       </a:tcPr>
@@ -6384,7 +7011,7 @@
                         <a:blipFill>
                           <a:blip r:embed="rId2"/>
                           <a:stretch>
-                            <a:fillRect l="-41962" t="-506579" r="-101907" b="-2632"/>
+                            <a:fillRect l="-41962" t="-505263" r="-101907" b="-3947"/>
                           </a:stretch>
                         </a:blipFill>
                       </a:tcPr>
@@ -6401,7 +7028,7 @@
                         <a:blipFill>
                           <a:blip r:embed="rId2"/>
                           <a:stretch>
-                            <a:fillRect l="-140054" t="-506579" r="-538" b="-2632"/>
+                            <a:fillRect l="-140054" t="-505263" r="-538" b="-3947"/>
                           </a:stretch>
                         </a:blipFill>
                       </a:tcPr>
@@ -6430,7 +7057,7 @@
         </p:nvSpPr>
         <p:spPr>
           <a:xfrm>
-            <a:off x="6320589" y="3064042"/>
+            <a:off x="6170612" y="2143501"/>
             <a:ext cx="5183188" cy="467728"/>
           </a:xfrm>
         </p:spPr>
@@ -6457,14 +7084,14 @@
                 <p:ph sz="quarter" idx="4"/>
                 <p:extLst>
                   <p:ext uri="{D42A27DB-BD31-4B8C-83A1-F6EECF244321}">
-                    <p14:modId xmlns:p14="http://schemas.microsoft.com/office/powerpoint/2010/main" val="2686750176"/>
+                    <p14:modId xmlns:p14="http://schemas.microsoft.com/office/powerpoint/2010/main" val="1101466774"/>
                   </p:ext>
                 </p:extLst>
               </p:nvPr>
             </p:nvGraphicFramePr>
             <p:xfrm>
-              <a:off x="6320589" y="3821113"/>
-              <a:ext cx="5586412" cy="2772224"/>
+              <a:off x="6170612" y="3055277"/>
+              <a:ext cx="5586412" cy="3196337"/>
             </p:xfrm>
             <a:graphic>
               <a:graphicData uri="http://schemas.openxmlformats.org/drawingml/2006/table">
@@ -6495,7 +7122,7 @@
                       </a:extLst>
                     </a:gridCol>
                   </a:tblGrid>
-                  <a:tr h="396032">
+                  <a:tr h="468348">
                     <a:tc>
                       <a:txBody>
                         <a:bodyPr/>
@@ -6541,7 +7168,7 @@
                       </a:ext>
                     </a:extLst>
                   </a:tr>
-                  <a:tr h="396032">
+                  <a:tr h="465279">
                     <a:tc>
                       <a:txBody>
                         <a:bodyPr/>
@@ -6629,7 +7256,7 @@
                       </a:ext>
                     </a:extLst>
                   </a:tr>
-                  <a:tr h="396032">
+                  <a:tr h="445019">
                     <a:tc>
                       <a:txBody>
                         <a:bodyPr/>
@@ -6717,7 +7344,7 @@
                       </a:ext>
                     </a:extLst>
                   </a:tr>
-                  <a:tr h="396032">
+                  <a:tr h="482634">
                     <a:tc>
                       <a:txBody>
                         <a:bodyPr/>
@@ -6805,7 +7432,7 @@
                       </a:ext>
                     </a:extLst>
                   </a:tr>
-                  <a:tr h="396032">
+                  <a:tr h="445019">
                     <a:tc>
                       <a:txBody>
                         <a:bodyPr/>
@@ -6893,7 +7520,7 @@
                       </a:ext>
                     </a:extLst>
                   </a:tr>
-                  <a:tr h="396032">
+                  <a:tr h="445019">
                     <a:tc>
                       <a:txBody>
                         <a:bodyPr/>
@@ -6979,7 +7606,7 @@
                       </a:ext>
                     </a:extLst>
                   </a:tr>
-                  <a:tr h="396032">
+                  <a:tr h="445019">
                     <a:tc>
                       <a:txBody>
                         <a:bodyPr/>
@@ -7083,14 +7710,14 @@
                 <p:ph sz="quarter" idx="4"/>
                 <p:extLst>
                   <p:ext uri="{D42A27DB-BD31-4B8C-83A1-F6EECF244321}">
-                    <p14:modId xmlns:p14="http://schemas.microsoft.com/office/powerpoint/2010/main" val="2686750176"/>
+                    <p14:modId xmlns:p14="http://schemas.microsoft.com/office/powerpoint/2010/main" val="1101466774"/>
                   </p:ext>
                 </p:extLst>
               </p:nvPr>
             </p:nvGraphicFramePr>
             <p:xfrm>
-              <a:off x="6320589" y="3821113"/>
-              <a:ext cx="5586412" cy="2772224"/>
+              <a:off x="6170612" y="3055277"/>
+              <a:ext cx="5586412" cy="3196337"/>
             </p:xfrm>
             <a:graphic>
               <a:graphicData uri="http://schemas.openxmlformats.org/drawingml/2006/table">
@@ -7121,7 +7748,7 @@
                       </a:extLst>
                     </a:gridCol>
                   </a:tblGrid>
-                  <a:tr h="396032">
+                  <a:tr h="468348">
                     <a:tc>
                       <a:txBody>
                         <a:bodyPr/>
@@ -7167,7 +7794,7 @@
                       </a:ext>
                     </a:extLst>
                   </a:tr>
-                  <a:tr h="396032">
+                  <a:tr h="465279">
                     <a:tc>
                       <a:txBody>
                         <a:bodyPr/>
@@ -7193,7 +7820,7 @@
                         <a:blipFill>
                           <a:blip r:embed="rId3"/>
                           <a:stretch>
-                            <a:fillRect l="-52012" t="-107692" r="-133127" b="-518462"/>
+                            <a:fillRect l="-52012" t="-107895" r="-132817" b="-493421"/>
                           </a:stretch>
                         </a:blipFill>
                       </a:tcPr>
@@ -7210,7 +7837,7 @@
                         <a:blipFill>
                           <a:blip r:embed="rId3"/>
                           <a:stretch>
-                            <a:fillRect l="-114720" t="-107692" r="-467" b="-518462"/>
+                            <a:fillRect l="-114988" t="-107895" r="-468" b="-493421"/>
                           </a:stretch>
                         </a:blipFill>
                       </a:tcPr>
@@ -7221,7 +7848,7 @@
                       </a:ext>
                     </a:extLst>
                   </a:tr>
-                  <a:tr h="396032">
+                  <a:tr h="445019">
                     <a:tc>
                       <a:txBody>
                         <a:bodyPr/>
@@ -7247,7 +7874,7 @@
                         <a:blipFill>
                           <a:blip r:embed="rId3"/>
                           <a:stretch>
-                            <a:fillRect l="-52012" t="-207692" r="-133127" b="-418462"/>
+                            <a:fillRect l="-52012" t="-216438" r="-132817" b="-413699"/>
                           </a:stretch>
                         </a:blipFill>
                       </a:tcPr>
@@ -7264,7 +7891,7 @@
                         <a:blipFill>
                           <a:blip r:embed="rId3"/>
                           <a:stretch>
-                            <a:fillRect l="-114720" t="-207692" r="-467" b="-418462"/>
+                            <a:fillRect l="-114988" t="-216438" r="-468" b="-413699"/>
                           </a:stretch>
                         </a:blipFill>
                       </a:tcPr>
@@ -7275,7 +7902,7 @@
                       </a:ext>
                     </a:extLst>
                   </a:tr>
-                  <a:tr h="396032">
+                  <a:tr h="482634">
                     <a:tc>
                       <a:txBody>
                         <a:bodyPr/>
@@ -7301,7 +7928,7 @@
                         <a:blipFill>
                           <a:blip r:embed="rId3"/>
                           <a:stretch>
-                            <a:fillRect l="-52012" t="-303030" r="-133127" b="-312121"/>
+                            <a:fillRect l="-52012" t="-288750" r="-132817" b="-277500"/>
                           </a:stretch>
                         </a:blipFill>
                       </a:tcPr>
@@ -7318,7 +7945,7 @@
                         <a:blipFill>
                           <a:blip r:embed="rId3"/>
                           <a:stretch>
-                            <a:fillRect l="-114720" t="-303030" r="-467" b="-312121"/>
+                            <a:fillRect l="-114988" t="-288750" r="-468" b="-277500"/>
                           </a:stretch>
                         </a:blipFill>
                       </a:tcPr>
@@ -7329,7 +7956,7 @@
                       </a:ext>
                     </a:extLst>
                   </a:tr>
-                  <a:tr h="396032">
+                  <a:tr h="445019">
                     <a:tc>
                       <a:txBody>
                         <a:bodyPr/>
@@ -7355,7 +7982,7 @@
                         <a:blipFill>
                           <a:blip r:embed="rId3"/>
                           <a:stretch>
-                            <a:fillRect l="-52012" t="-409231" r="-133127" b="-216923"/>
+                            <a:fillRect l="-52012" t="-426027" r="-132817" b="-204110"/>
                           </a:stretch>
                         </a:blipFill>
                       </a:tcPr>
@@ -7372,7 +7999,7 @@
                         <a:blipFill>
                           <a:blip r:embed="rId3"/>
                           <a:stretch>
-                            <a:fillRect l="-114720" t="-409231" r="-467" b="-216923"/>
+                            <a:fillRect l="-114988" t="-426027" r="-468" b="-204110"/>
                           </a:stretch>
                         </a:blipFill>
                       </a:tcPr>
@@ -7383,7 +8010,7 @@
                       </a:ext>
                     </a:extLst>
                   </a:tr>
-                  <a:tr h="396032">
+                  <a:tr h="445019">
                     <a:tc>
                       <a:txBody>
                         <a:bodyPr/>
@@ -7409,7 +8036,7 @@
                         <a:blipFill>
                           <a:blip r:embed="rId3"/>
                           <a:stretch>
-                            <a:fillRect l="-52012" t="-509231" r="-133127" b="-116923"/>
+                            <a:fillRect l="-52012" t="-526027" r="-132817" b="-104110"/>
                           </a:stretch>
                         </a:blipFill>
                       </a:tcPr>
@@ -7426,7 +8053,7 @@
                         <a:blipFill>
                           <a:blip r:embed="rId3"/>
                           <a:stretch>
-                            <a:fillRect l="-114720" t="-509231" r="-467" b="-116923"/>
+                            <a:fillRect l="-114988" t="-526027" r="-468" b="-104110"/>
                           </a:stretch>
                         </a:blipFill>
                       </a:tcPr>
@@ -7437,7 +8064,7 @@
                       </a:ext>
                     </a:extLst>
                   </a:tr>
-                  <a:tr h="396032">
+                  <a:tr h="445019">
                     <a:tc>
                       <a:txBody>
                         <a:bodyPr/>
@@ -7463,7 +8090,7 @@
                         <a:blipFill>
                           <a:blip r:embed="rId3"/>
                           <a:stretch>
-                            <a:fillRect l="-52012" t="-609231" r="-133127" b="-16923"/>
+                            <a:fillRect l="-52012" t="-626027" r="-132817" b="-4110"/>
                           </a:stretch>
                         </a:blipFill>
                       </a:tcPr>
@@ -7480,7 +8107,7 @@
                         <a:blipFill>
                           <a:blip r:embed="rId3"/>
                           <a:stretch>
-                            <a:fillRect l="-114720" t="-609231" r="-467" b="-16923"/>
+                            <a:fillRect l="-114988" t="-626027" r="-468" b="-4110"/>
                           </a:stretch>
                         </a:blipFill>
                       </a:tcPr>
@@ -7497,6 +8124,29 @@
           </p:graphicFrame>
         </mc:Fallback>
       </mc:AlternateContent>
+      <p:sp>
+        <p:nvSpPr>
+          <p:cNvPr id="3" name="Foliennummernplatzhalter 2"/>
+          <p:cNvSpPr>
+            <a:spLocks noGrp="1"/>
+          </p:cNvSpPr>
+          <p:nvPr>
+            <p:ph type="sldNum" sz="quarter" idx="12"/>
+          </p:nvPr>
+        </p:nvSpPr>
+        <p:spPr/>
+        <p:txBody>
+          <a:bodyPr/>
+          <a:lstStyle/>
+          <a:p>
+            <a:fld id="{513DBB20-6107-4330-BB35-E3C61089ACF9}" type="slidenum">
+              <a:rPr lang="de-DE" smtClean="0"/>
+              <a:t>15</a:t>
+            </a:fld>
+            <a:endParaRPr lang="de-DE"/>
+          </a:p>
+        </p:txBody>
+      </p:sp>
     </p:spTree>
     <p:extLst>
       <p:ext uri="{BB962C8B-B14F-4D97-AF65-F5344CB8AC3E}">
@@ -7510,7 +8160,7 @@
 </p:sld>
 </file>
 
-<file path=ppt/slides/slide15.xml><?xml version="1.0" encoding="utf-8"?>
+<file path=ppt/slides/slide16.xml><?xml version="1.0" encoding="utf-8"?>
 <p:sld xmlns:a="http://schemas.openxmlformats.org/drawingml/2006/main" xmlns:r="http://schemas.openxmlformats.org/officeDocument/2006/relationships" xmlns:p="http://schemas.openxmlformats.org/presentationml/2006/main">
   <p:cSld>
     <p:spTree>
@@ -7637,6 +8287,29 @@
           </a:xfrm>
         </p:spPr>
       </p:pic>
+      <p:sp>
+        <p:nvSpPr>
+          <p:cNvPr id="2" name="Foliennummernplatzhalter 1"/>
+          <p:cNvSpPr>
+            <a:spLocks noGrp="1"/>
+          </p:cNvSpPr>
+          <p:nvPr>
+            <p:ph type="sldNum" sz="quarter" idx="12"/>
+          </p:nvPr>
+        </p:nvSpPr>
+        <p:spPr/>
+        <p:txBody>
+          <a:bodyPr/>
+          <a:lstStyle/>
+          <a:p>
+            <a:fld id="{513DBB20-6107-4330-BB35-E3C61089ACF9}" type="slidenum">
+              <a:rPr lang="de-DE" smtClean="0"/>
+              <a:t>16</a:t>
+            </a:fld>
+            <a:endParaRPr lang="de-DE"/>
+          </a:p>
+        </p:txBody>
+      </p:sp>
     </p:spTree>
     <p:extLst>
       <p:ext uri="{BB962C8B-B14F-4D97-AF65-F5344CB8AC3E}">
@@ -7650,7 +8323,7 @@
 </p:sld>
 </file>
 
-<file path=ppt/slides/slide16.xml><?xml version="1.0" encoding="utf-8"?>
+<file path=ppt/slides/slide17.xml><?xml version="1.0" encoding="utf-8"?>
 <p:sld xmlns:a="http://schemas.openxmlformats.org/drawingml/2006/main" xmlns:r="http://schemas.openxmlformats.org/officeDocument/2006/relationships" xmlns:p="http://schemas.openxmlformats.org/presentationml/2006/main">
   <p:cSld>
     <p:spTree>
@@ -7703,50 +8376,49 @@
             </p:nvSpPr>
             <p:spPr/>
             <p:txBody>
-              <a:bodyPr/>
+              <a:bodyPr>
+                <a:normAutofit/>
+              </a:bodyPr>
               <a:lstStyle/>
               <a:p>
                 <a:r>
-                  <a:rPr lang="de-DE" dirty="0"/>
+                  <a:rPr lang="de-DE" sz="3400" dirty="0"/>
                   <a:t>Direktionsmomente konnten mit Genauigkeit im Promillebereich bestimmt werden</a:t>
                 </a:r>
               </a:p>
               <a:p>
-                <a:endParaRPr lang="de-DE" dirty="0"/>
-              </a:p>
-              <a:p>
                 <a:r>
-                  <a:rPr lang="de-DE" dirty="0"/>
+                  <a:rPr lang="de-DE" sz="3400" dirty="0"/>
                   <a:t>Trägheitsmomente der Zylinder mit relativem Fehler </a:t>
                 </a:r>
                 <a14:m>
                   <m:oMath xmlns:m="http://schemas.openxmlformats.org/officeDocument/2006/math">
                     <m:r>
-                      <a:rPr lang="de-DE" b="0" i="1" smtClean="0">
+                      <a:rPr lang="de-DE" sz="3400" b="0" i="1" smtClean="0">
                         <a:latin typeface="Cambria Math" panose="02040503050406030204" pitchFamily="18" charset="0"/>
                       </a:rPr>
                       <m:t>~1.8%</m:t>
                     </m:r>
                   </m:oMath>
                 </a14:m>
-                <a:endParaRPr lang="de-DE" dirty="0"/>
-              </a:p>
-              <a:p>
-                <a:endParaRPr lang="de-DE" dirty="0"/>
+                <a:endParaRPr lang="de-DE" sz="3400" dirty="0"/>
               </a:p>
               <a:p>
                 <a:r>
-                  <a:rPr lang="de-DE" dirty="0"/>
+                  <a:rPr lang="de-DE" sz="3400" dirty="0"/>
                   <a:t>Trägheitsmomente von Kugel und Scheibe mit rel. Fehler von 0.3% und 0.9%</a:t>
                 </a:r>
               </a:p>
               <a:p>
-                <a:endParaRPr lang="de-DE" dirty="0"/>
+                <a:r>
+                  <a:rPr lang="de-DE" sz="3400" dirty="0"/>
+                  <a:t>Satz von Steiner bestätigt</a:t>
+                </a:r>
               </a:p>
               <a:p>
                 <a:r>
-                  <a:rPr lang="de-DE" dirty="0"/>
-                  <a:t>Satz von Steiner bestätigt</a:t>
+                  <a:rPr lang="de-DE" sz="3400" dirty="0"/>
+                  <a:t>Möglicherweise unerkannte Systematik</a:t>
                 </a:r>
               </a:p>
             </p:txBody>
@@ -7767,7 +8439,7 @@
               <a:blipFill>
                 <a:blip r:embed="rId2"/>
                 <a:stretch>
-                  <a:fillRect l="-1043" t="-2241" b="-3081"/>
+                  <a:fillRect l="-1449" t="-3081" r="-290" b="-4622"/>
                 </a:stretch>
               </a:blipFill>
             </p:spPr>
@@ -7786,6 +8458,29 @@
           </p:sp>
         </mc:Fallback>
       </mc:AlternateContent>
+      <p:sp>
+        <p:nvSpPr>
+          <p:cNvPr id="3" name="Foliennummernplatzhalter 2"/>
+          <p:cNvSpPr>
+            <a:spLocks noGrp="1"/>
+          </p:cNvSpPr>
+          <p:nvPr>
+            <p:ph type="sldNum" sz="quarter" idx="12"/>
+          </p:nvPr>
+        </p:nvSpPr>
+        <p:spPr/>
+        <p:txBody>
+          <a:bodyPr/>
+          <a:lstStyle/>
+          <a:p>
+            <a:fld id="{513DBB20-6107-4330-BB35-E3C61089ACF9}" type="slidenum">
+              <a:rPr lang="de-DE" smtClean="0"/>
+              <a:t>17</a:t>
+            </a:fld>
+            <a:endParaRPr lang="de-DE"/>
+          </a:p>
+        </p:txBody>
+      </p:sp>
     </p:spTree>
     <p:extLst>
       <p:ext uri="{BB962C8B-B14F-4D97-AF65-F5344CB8AC3E}">
@@ -7881,6 +8576,29 @@
               <a:rPr lang="de-DE" dirty="0"/>
               <a:t>Steinerscher Satz</a:t>
             </a:r>
+          </a:p>
+        </p:txBody>
+      </p:sp>
+      <p:sp>
+        <p:nvSpPr>
+          <p:cNvPr id="4" name="Foliennummernplatzhalter 3"/>
+          <p:cNvSpPr>
+            <a:spLocks noGrp="1"/>
+          </p:cNvSpPr>
+          <p:nvPr>
+            <p:ph type="sldNum" sz="quarter" idx="12"/>
+          </p:nvPr>
+        </p:nvSpPr>
+        <p:spPr/>
+        <p:txBody>
+          <a:bodyPr/>
+          <a:lstStyle/>
+          <a:p>
+            <a:fld id="{513DBB20-6107-4330-BB35-E3C61089ACF9}" type="slidenum">
+              <a:rPr lang="de-DE" smtClean="0"/>
+              <a:t>2</a:t>
+            </a:fld>
+            <a:endParaRPr lang="de-DE"/>
           </a:p>
         </p:txBody>
       </p:sp>
@@ -8386,6 +9104,29 @@
           </p:sp>
         </mc:Fallback>
       </mc:AlternateContent>
+      <p:sp>
+        <p:nvSpPr>
+          <p:cNvPr id="4" name="Foliennummernplatzhalter 3"/>
+          <p:cNvSpPr>
+            <a:spLocks noGrp="1"/>
+          </p:cNvSpPr>
+          <p:nvPr>
+            <p:ph type="sldNum" sz="quarter" idx="12"/>
+          </p:nvPr>
+        </p:nvSpPr>
+        <p:spPr/>
+        <p:txBody>
+          <a:bodyPr/>
+          <a:lstStyle/>
+          <a:p>
+            <a:fld id="{513DBB20-6107-4330-BB35-E3C61089ACF9}" type="slidenum">
+              <a:rPr lang="de-DE" smtClean="0"/>
+              <a:t>3</a:t>
+            </a:fld>
+            <a:endParaRPr lang="de-DE"/>
+          </a:p>
+        </p:txBody>
+      </p:sp>
     </p:spTree>
     <p:extLst>
       <p:ext uri="{BB962C8B-B14F-4D97-AF65-F5344CB8AC3E}">
@@ -8475,6 +9216,29 @@
           </a:p>
         </p:txBody>
       </p:sp>
+      <p:sp>
+        <p:nvSpPr>
+          <p:cNvPr id="4" name="Foliennummernplatzhalter 3"/>
+          <p:cNvSpPr>
+            <a:spLocks noGrp="1"/>
+          </p:cNvSpPr>
+          <p:nvPr>
+            <p:ph type="sldNum" sz="quarter" idx="12"/>
+          </p:nvPr>
+        </p:nvSpPr>
+        <p:spPr/>
+        <p:txBody>
+          <a:bodyPr/>
+          <a:lstStyle/>
+          <a:p>
+            <a:fld id="{513DBB20-6107-4330-BB35-E3C61089ACF9}" type="slidenum">
+              <a:rPr lang="de-DE" smtClean="0"/>
+              <a:t>4</a:t>
+            </a:fld>
+            <a:endParaRPr lang="de-DE"/>
+          </a:p>
+        </p:txBody>
+      </p:sp>
     </p:spTree>
     <p:extLst>
       <p:ext uri="{BB962C8B-B14F-4D97-AF65-F5344CB8AC3E}">
@@ -8507,6 +9271,100 @@
       </p:grpSpPr>
       <p:sp>
         <p:nvSpPr>
+          <p:cNvPr id="5" name="Titel 4"/>
+          <p:cNvSpPr>
+            <a:spLocks noGrp="1"/>
+          </p:cNvSpPr>
+          <p:nvPr>
+            <p:ph type="title"/>
+          </p:nvPr>
+        </p:nvSpPr>
+        <p:spPr/>
+        <p:txBody>
+          <a:bodyPr/>
+          <a:lstStyle/>
+          <a:p>
+            <a:r>
+              <a:rPr lang="de-DE" dirty="0"/>
+              <a:t>Direktionsmoment</a:t>
+            </a:r>
+          </a:p>
+        </p:txBody>
+      </p:sp>
+      <p:sp>
+        <p:nvSpPr>
+          <p:cNvPr id="6" name="Textplatzhalter 5"/>
+          <p:cNvSpPr>
+            <a:spLocks noGrp="1"/>
+          </p:cNvSpPr>
+          <p:nvPr>
+            <p:ph type="body" idx="1"/>
+          </p:nvPr>
+        </p:nvSpPr>
+        <p:spPr/>
+        <p:txBody>
+          <a:bodyPr/>
+          <a:lstStyle/>
+          <a:p>
+            <a:endParaRPr lang="de-DE"/>
+          </a:p>
+        </p:txBody>
+      </p:sp>
+      <p:sp>
+        <p:nvSpPr>
+          <p:cNvPr id="4" name="Foliennummernplatzhalter 3"/>
+          <p:cNvSpPr>
+            <a:spLocks noGrp="1"/>
+          </p:cNvSpPr>
+          <p:nvPr>
+            <p:ph type="sldNum" sz="quarter" idx="12"/>
+          </p:nvPr>
+        </p:nvSpPr>
+        <p:spPr/>
+        <p:txBody>
+          <a:bodyPr/>
+          <a:lstStyle/>
+          <a:p>
+            <a:fld id="{513DBB20-6107-4330-BB35-E3C61089ACF9}" type="slidenum">
+              <a:rPr lang="de-DE" smtClean="0"/>
+              <a:t>5</a:t>
+            </a:fld>
+            <a:endParaRPr lang="de-DE"/>
+          </a:p>
+        </p:txBody>
+      </p:sp>
+    </p:spTree>
+    <p:extLst>
+      <p:ext uri="{BB962C8B-B14F-4D97-AF65-F5344CB8AC3E}">
+        <p14:creationId xmlns:p14="http://schemas.microsoft.com/office/powerpoint/2010/main" val="340709485"/>
+      </p:ext>
+    </p:extLst>
+  </p:cSld>
+  <p:clrMapOvr>
+    <a:masterClrMapping/>
+  </p:clrMapOvr>
+</p:sld>
+</file>
+
+<file path=ppt/slides/slide6.xml><?xml version="1.0" encoding="utf-8"?>
+<p:sld xmlns:a="http://schemas.openxmlformats.org/drawingml/2006/main" xmlns:r="http://schemas.openxmlformats.org/officeDocument/2006/relationships" xmlns:p="http://schemas.openxmlformats.org/presentationml/2006/main">
+  <p:cSld>
+    <p:spTree>
+      <p:nvGrpSpPr>
+        <p:cNvPr id="1" name=""/>
+        <p:cNvGrpSpPr/>
+        <p:nvPr/>
+      </p:nvGrpSpPr>
+      <p:grpSpPr>
+        <a:xfrm>
+          <a:off x="0" y="0"/>
+          <a:ext cx="0" cy="0"/>
+          <a:chOff x="0" y="0"/>
+          <a:chExt cx="0" cy="0"/>
+        </a:xfrm>
+      </p:grpSpPr>
+      <p:sp>
+        <p:nvSpPr>
           <p:cNvPr id="2" name="Titel 1"/>
           <p:cNvSpPr>
             <a:spLocks noGrp="1"/>
@@ -8539,13 +9397,13 @@
                 <p:ph sz="half" idx="1"/>
                 <p:extLst>
                   <p:ext uri="{D42A27DB-BD31-4B8C-83A1-F6EECF244321}">
-                    <p14:modId xmlns:p14="http://schemas.microsoft.com/office/powerpoint/2010/main" val="1232537915"/>
+                    <p14:modId xmlns:p14="http://schemas.microsoft.com/office/powerpoint/2010/main" val="943018493"/>
                   </p:ext>
                 </p:extLst>
               </p:nvPr>
             </p:nvGraphicFramePr>
             <p:xfrm>
-              <a:off x="838198" y="1825625"/>
+              <a:off x="838198" y="1514696"/>
               <a:ext cx="10515600" cy="1112520"/>
             </p:xfrm>
             <a:graphic>
@@ -8603,6 +9461,7 @@
                         <a:bodyPr/>
                         <a:lstStyle/>
                         <a:p>
+                          <a:pPr/>
                           <a14:m>
                             <m:oMathPara xmlns:m="http://schemas.openxmlformats.org/officeDocument/2006/math">
                               <m:oMathParaPr>
@@ -8665,6 +9524,7 @@
                         <a:bodyPr/>
                         <a:lstStyle/>
                         <a:p>
+                          <a:pPr/>
                           <a14:m>
                             <m:oMathPara xmlns:m="http://schemas.openxmlformats.org/officeDocument/2006/math">
                               <m:oMathParaPr>
@@ -8767,7 +9627,27 @@
                         <a:p>
                           <a:r>
                             <a:rPr lang="de-DE" dirty="0"/>
-                            <a:t>273.8</a:t>
+                            <a:t>237.8</a:t>
+                          </a:r>
+                          <a14:m>
+                            <m:oMath xmlns:m="http://schemas.openxmlformats.org/officeDocument/2006/math">
+                              <m:r>
+                                <a:rPr lang="de-DE" b="0" i="0" smtClean="0">
+                                  <a:latin typeface="Cambria Math" panose="02040503050406030204" pitchFamily="18" charset="0"/>
+                                </a:rPr>
+                                <m:t>0</m:t>
+                              </m:r>
+                              <m:r>
+                                <a:rPr lang="de-DE" b="0" i="1" smtClean="0">
+                                  <a:latin typeface="Cambria Math" panose="02040503050406030204" pitchFamily="18" charset="0"/>
+                                </a:rPr>
+                                <m:t>±</m:t>
+                              </m:r>
+                            </m:oMath>
+                          </a14:m>
+                          <a:r>
+                            <a:rPr lang="de-DE" dirty="0"/>
+                            <a:t>0.03</a:t>
                           </a:r>
                           <a14:m>
                             <m:oMath xmlns:m="http://schemas.openxmlformats.org/officeDocument/2006/math">
@@ -8781,6 +9661,39 @@
                           </a14:m>
                           <a:r>
                             <a:rPr lang="de-DE" dirty="0"/>
+                            <a:t>0.10</a:t>
+                          </a:r>
+                        </a:p>
+                      </a:txBody>
+                      <a:tcPr/>
+                    </a:tc>
+                    <a:tc>
+                      <a:txBody>
+                        <a:bodyPr/>
+                        <a:lstStyle/>
+                        <a:p>
+                          <a:r>
+                            <a:rPr lang="de-DE" dirty="0"/>
+                            <a:t>238.2</a:t>
+                          </a:r>
+                          <a14:m>
+                            <m:oMath xmlns:m="http://schemas.openxmlformats.org/officeDocument/2006/math">
+                              <m:r>
+                                <a:rPr lang="de-DE" b="0" i="0" smtClean="0">
+                                  <a:latin typeface="Cambria Math" panose="02040503050406030204" pitchFamily="18" charset="0"/>
+                                </a:rPr>
+                                <m:t>0</m:t>
+                              </m:r>
+                              <m:r>
+                                <a:rPr lang="de-DE" b="0" i="1" smtClean="0">
+                                  <a:latin typeface="Cambria Math" panose="02040503050406030204" pitchFamily="18" charset="0"/>
+                                </a:rPr>
+                                <m:t>±</m:t>
+                              </m:r>
+                            </m:oMath>
+                          </a14:m>
+                          <a:r>
+                            <a:rPr lang="de-DE" dirty="0"/>
                             <a:t>0.03</a:t>
                           </a:r>
                           <a14:m>
@@ -8808,7 +9721,7 @@
                         <a:p>
                           <a:r>
                             <a:rPr lang="de-DE" dirty="0"/>
-                            <a:t>238.2</a:t>
+                            <a:t>5.00</a:t>
                           </a:r>
                           <a14:m>
                             <m:oMath xmlns:m="http://schemas.openxmlformats.org/officeDocument/2006/math">
@@ -8836,47 +9749,6 @@
                           </a14:m>
                           <a:r>
                             <a:rPr lang="de-DE" dirty="0"/>
-                            <a:t>0.1</a:t>
-                          </a:r>
-                        </a:p>
-                      </a:txBody>
-                      <a:tcPr/>
-                    </a:tc>
-                    <a:tc>
-                      <a:txBody>
-                        <a:bodyPr/>
-                        <a:lstStyle/>
-                        <a:p>
-                          <a:r>
-                            <a:rPr lang="de-DE" dirty="0"/>
-                            <a:t>5.00</a:t>
-                          </a:r>
-                          <a14:m>
-                            <m:oMath xmlns:m="http://schemas.openxmlformats.org/officeDocument/2006/math">
-                              <m:r>
-                                <a:rPr lang="de-DE" b="0" i="1" smtClean="0">
-                                  <a:latin typeface="Cambria Math" panose="02040503050406030204" pitchFamily="18" charset="0"/>
-                                </a:rPr>
-                                <m:t>±</m:t>
-                              </m:r>
-                            </m:oMath>
-                          </a14:m>
-                          <a:r>
-                            <a:rPr lang="de-DE" dirty="0"/>
-                            <a:t>0.03</a:t>
-                          </a:r>
-                          <a14:m>
-                            <m:oMath xmlns:m="http://schemas.openxmlformats.org/officeDocument/2006/math">
-                              <m:r>
-                                <a:rPr lang="de-DE" b="0" i="1" smtClean="0">
-                                  <a:latin typeface="Cambria Math" panose="02040503050406030204" pitchFamily="18" charset="0"/>
-                                </a:rPr>
-                                <m:t>±</m:t>
-                              </m:r>
-                            </m:oMath>
-                          </a14:m>
-                          <a:r>
-                            <a:rPr lang="de-DE" dirty="0"/>
                             <a:t>0.07</a:t>
                           </a:r>
                         </a:p>
@@ -8910,7 +9782,7 @@
                         <a:p>
                           <a:r>
                             <a:rPr lang="de-DE" dirty="0"/>
-                            <a:t>238.5</a:t>
+                            <a:t>238.50</a:t>
                           </a:r>
                           <a14:m>
                             <m:oMath xmlns:m="http://schemas.openxmlformats.org/officeDocument/2006/math">
@@ -8936,7 +9808,7 @@
                           </a14:m>
                           <a:r>
                             <a:rPr lang="de-DE" dirty="0"/>
-                            <a:t>0.1 </a:t>
+                            <a:t>0.10</a:t>
                           </a:r>
                         </a:p>
                       </a:txBody>
@@ -9046,13 +9918,13 @@
                 <p:ph sz="half" idx="1"/>
                 <p:extLst>
                   <p:ext uri="{D42A27DB-BD31-4B8C-83A1-F6EECF244321}">
-                    <p14:modId xmlns:p14="http://schemas.microsoft.com/office/powerpoint/2010/main" val="1232537915"/>
+                    <p14:modId xmlns:p14="http://schemas.microsoft.com/office/powerpoint/2010/main" val="943018493"/>
                   </p:ext>
                 </p:extLst>
               </p:nvPr>
             </p:nvGraphicFramePr>
             <p:xfrm>
-              <a:off x="838198" y="1825625"/>
+              <a:off x="838198" y="1514696"/>
               <a:ext cx="10515600" cy="1112520"/>
             </p:xfrm>
             <a:graphic>
@@ -9310,208 +10182,46 @@
           </p:graphicFrame>
         </mc:Fallback>
       </mc:AlternateContent>
-      <mc:AlternateContent xmlns:mc="http://schemas.openxmlformats.org/markup-compatibility/2006">
-        <mc:Choice xmlns:a14="http://schemas.microsoft.com/office/drawing/2010/main" Requires="a14">
-          <p:sp>
-            <p:nvSpPr>
-              <p:cNvPr id="9" name="Inhaltsplatzhalter 8"/>
-              <p:cNvSpPr>
-                <a:spLocks noGrp="1"/>
-              </p:cNvSpPr>
-              <p:nvPr>
-                <p:ph sz="half" idx="2"/>
-              </p:nvPr>
-            </p:nvSpPr>
-            <p:spPr>
-              <a:xfrm>
-                <a:off x="838198" y="3073082"/>
-                <a:ext cx="10515600" cy="3103881"/>
-              </a:xfrm>
-            </p:spPr>
-            <p:txBody>
-              <a:bodyPr>
-                <a:normAutofit/>
-              </a:bodyPr>
-              <a:lstStyle/>
-              <a:p>
-                <a:pPr marL="0" indent="0">
-                  <a:buNone/>
-                </a:pPr>
-                <a:endParaRPr lang="de-DE" dirty="0"/>
-              </a:p>
-              <a:p>
-                <a14:m>
-                  <m:oMath xmlns:m="http://schemas.openxmlformats.org/officeDocument/2006/math">
-                    <m:sSub>
-                      <m:sSubPr>
-                        <m:ctrlPr>
-                          <a:rPr lang="de-DE" b="0" i="1" smtClean="0">
-                            <a:latin typeface="Cambria Math" panose="02040503050406030204" pitchFamily="18" charset="0"/>
-                          </a:rPr>
-                        </m:ctrlPr>
-                      </m:sSubPr>
-                      <m:e>
-                        <m:r>
-                          <a:rPr lang="de-DE" b="0" i="1" smtClean="0">
-                            <a:latin typeface="Cambria Math" panose="02040503050406030204" pitchFamily="18" charset="0"/>
-                          </a:rPr>
-                          <m:t>𝑚</m:t>
-                        </m:r>
-                      </m:e>
-                      <m:sub>
-                        <m:r>
-                          <a:rPr lang="de-DE" b="0" i="1" smtClean="0">
-                            <a:latin typeface="Cambria Math" panose="02040503050406030204" pitchFamily="18" charset="0"/>
-                          </a:rPr>
-                          <m:t>𝑤</m:t>
-                        </m:r>
-                      </m:sub>
-                    </m:sSub>
-                    <m:r>
-                      <a:rPr lang="de-DE" b="0" i="1" smtClean="0">
-                        <a:latin typeface="Cambria Math" panose="02040503050406030204" pitchFamily="18" charset="0"/>
-                      </a:rPr>
-                      <m:t>=</m:t>
-                    </m:r>
-                    <m:sSub>
-                      <m:sSubPr>
-                        <m:ctrlPr>
-                          <a:rPr lang="de-DE" b="0" i="1" smtClean="0">
-                            <a:latin typeface="Cambria Math" panose="02040503050406030204" pitchFamily="18" charset="0"/>
-                          </a:rPr>
-                        </m:ctrlPr>
-                      </m:sSubPr>
-                      <m:e>
-                        <m:r>
-                          <a:rPr lang="de-DE" b="0" i="1" smtClean="0">
-                            <a:latin typeface="Cambria Math" panose="02040503050406030204" pitchFamily="18" charset="0"/>
-                          </a:rPr>
-                          <m:t>𝑚</m:t>
-                        </m:r>
-                      </m:e>
-                      <m:sub>
-                        <m:r>
-                          <a:rPr lang="de-DE" b="0" i="1" smtClean="0">
-                            <a:latin typeface="Cambria Math" panose="02040503050406030204" pitchFamily="18" charset="0"/>
-                          </a:rPr>
-                          <m:t>1</m:t>
-                        </m:r>
-                      </m:sub>
-                    </m:sSub>
-                    <m:r>
-                      <a:rPr lang="de-DE" b="0" i="1" smtClean="0">
-                        <a:latin typeface="Cambria Math" panose="02040503050406030204" pitchFamily="18" charset="0"/>
-                      </a:rPr>
-                      <m:t>+</m:t>
-                    </m:r>
-                    <m:sSub>
-                      <m:sSubPr>
-                        <m:ctrlPr>
-                          <a:rPr lang="de-DE" b="0" i="1" smtClean="0">
-                            <a:latin typeface="Cambria Math" panose="02040503050406030204" pitchFamily="18" charset="0"/>
-                          </a:rPr>
-                        </m:ctrlPr>
-                      </m:sSubPr>
-                      <m:e>
-                        <m:r>
-                          <a:rPr lang="de-DE" b="0" i="1" smtClean="0">
-                            <a:latin typeface="Cambria Math" panose="02040503050406030204" pitchFamily="18" charset="0"/>
-                          </a:rPr>
-                          <m:t>𝑚</m:t>
-                        </m:r>
-                      </m:e>
-                      <m:sub>
-                        <m:r>
-                          <a:rPr lang="de-DE" b="0" i="1" smtClean="0">
-                            <a:latin typeface="Cambria Math" panose="02040503050406030204" pitchFamily="18" charset="0"/>
-                          </a:rPr>
-                          <m:t>2</m:t>
-                        </m:r>
-                      </m:sub>
-                    </m:sSub>
-                  </m:oMath>
-                </a14:m>
-                <a:endParaRPr lang="de-DE" dirty="0"/>
-              </a:p>
-            </p:txBody>
-          </p:sp>
-        </mc:Choice>
-        <mc:Fallback>
-          <p:sp>
-            <p:nvSpPr>
-              <p:cNvPr id="9" name="Inhaltsplatzhalter 8"/>
-              <p:cNvSpPr>
-                <a:spLocks noGrp="1" noRot="1" noChangeAspect="1" noMove="1" noResize="1" noEditPoints="1" noAdjustHandles="1" noChangeArrowheads="1" noChangeShapeType="1" noTextEdit="1"/>
-              </p:cNvSpPr>
-              <p:nvPr>
-                <p:ph sz="half" idx="2"/>
-              </p:nvPr>
-            </p:nvSpPr>
-            <p:spPr>
-              <a:xfrm>
-                <a:off x="838198" y="3073082"/>
-                <a:ext cx="10515600" cy="3103881"/>
-              </a:xfrm>
-              <a:blipFill>
-                <a:blip r:embed="rId3"/>
-                <a:stretch>
-                  <a:fillRect/>
-                </a:stretch>
-              </a:blipFill>
-            </p:spPr>
-            <p:txBody>
-              <a:bodyPr/>
-              <a:lstStyle/>
-              <a:p>
-                <a:r>
-                  <a:rPr lang="de-DE">
-                    <a:noFill/>
-                  </a:rPr>
-                  <a:t> </a:t>
-                </a:r>
-              </a:p>
-            </p:txBody>
-          </p:sp>
-        </mc:Fallback>
-      </mc:AlternateContent>
-    </p:spTree>
-    <p:extLst>
-      <p:ext uri="{BB962C8B-B14F-4D97-AF65-F5344CB8AC3E}">
-        <p14:creationId xmlns:p14="http://schemas.microsoft.com/office/powerpoint/2010/main" val="1283325195"/>
-      </p:ext>
-    </p:extLst>
-  </p:cSld>
-  <p:clrMapOvr>
-    <a:masterClrMapping/>
-  </p:clrMapOvr>
-</p:sld>
-</file>
-
-<file path=ppt/slides/slide6.xml><?xml version="1.0" encoding="utf-8"?>
-<p:sld xmlns:a="http://schemas.openxmlformats.org/drawingml/2006/main" xmlns:r="http://schemas.openxmlformats.org/officeDocument/2006/relationships" xmlns:p="http://schemas.openxmlformats.org/presentationml/2006/main">
-  <p:cSld>
-    <p:spTree>
-      <p:nvGrpSpPr>
-        <p:cNvPr id="1" name=""/>
-        <p:cNvGrpSpPr/>
-        <p:nvPr/>
-      </p:nvGrpSpPr>
-      <p:grpSpPr>
-        <a:xfrm>
-          <a:off x="0" y="0"/>
-          <a:ext cx="0" cy="0"/>
-          <a:chOff x="0" y="0"/>
-          <a:chExt cx="0" cy="0"/>
-        </a:xfrm>
-      </p:grpSpPr>
       <p:sp>
         <p:nvSpPr>
-          <p:cNvPr id="2" name="Titel 1"/>
+          <p:cNvPr id="9" name="Inhaltsplatzhalter 8"/>
           <p:cNvSpPr>
             <a:spLocks noGrp="1"/>
           </p:cNvSpPr>
           <p:nvPr>
-            <p:ph type="title"/>
+            <p:ph sz="half" idx="2"/>
+          </p:nvPr>
+        </p:nvSpPr>
+        <p:spPr>
+          <a:xfrm>
+            <a:off x="838198" y="3073082"/>
+            <a:ext cx="10515600" cy="3103881"/>
+          </a:xfrm>
+        </p:spPr>
+        <p:txBody>
+          <a:bodyPr>
+            <a:normAutofit/>
+          </a:bodyPr>
+          <a:lstStyle/>
+          <a:p>
+            <a:pPr marL="0" indent="0">
+              <a:buNone/>
+            </a:pPr>
+            <a:endParaRPr lang="de-DE" dirty="0"/>
+          </a:p>
+          <a:p>
+            <a:endParaRPr lang="de-DE" dirty="0"/>
+          </a:p>
+        </p:txBody>
+      </p:sp>
+      <p:sp>
+        <p:nvSpPr>
+          <p:cNvPr id="3" name="Foliennummernplatzhalter 2"/>
+          <p:cNvSpPr>
+            <a:spLocks noGrp="1"/>
+          </p:cNvSpPr>
+          <p:nvPr>
+            <p:ph type="sldNum" sz="quarter" idx="12"/>
           </p:nvPr>
         </p:nvSpPr>
         <p:spPr/>
@@ -9519,51 +10229,21 @@
           <a:bodyPr/>
           <a:lstStyle/>
           <a:p>
-            <a:r>
-              <a:rPr lang="de-DE" dirty="0"/>
-              <a:t>Direktionsmoment II</a:t>
-            </a:r>
+            <a:fld id="{513DBB20-6107-4330-BB35-E3C61089ACF9}" type="slidenum">
+              <a:rPr lang="de-DE" smtClean="0"/>
+              <a:t>6</a:t>
+            </a:fld>
+            <a:endParaRPr lang="de-DE"/>
           </a:p>
         </p:txBody>
       </p:sp>
       <p:pic>
         <p:nvPicPr>
-          <p:cNvPr id="6" name="Inhaltsplatzhalter 5"/>
+          <p:cNvPr id="5" name="Grafik 4"/>
           <p:cNvPicPr>
-            <a:picLocks noGrp="1" noChangeAspect="1"/>
+            <a:picLocks noChangeAspect="1"/>
           </p:cNvPicPr>
-          <p:nvPr>
-            <p:ph sz="half" idx="1"/>
-          </p:nvPr>
-        </p:nvPicPr>
-        <p:blipFill>
-          <a:blip r:embed="rId2">
-            <a:extLst>
-              <a:ext uri="{28A0092B-C50C-407E-A947-70E740481C1C}">
-                <a14:useLocalDpi xmlns:a14="http://schemas.microsoft.com/office/drawing/2010/main" val="0"/>
-              </a:ext>
-            </a:extLst>
-          </a:blip>
-          <a:stretch>
-            <a:fillRect/>
-          </a:stretch>
-        </p:blipFill>
-        <p:spPr>
-          <a:xfrm>
-            <a:off x="162667" y="1379621"/>
-            <a:ext cx="6105832" cy="4876800"/>
-          </a:xfrm>
-        </p:spPr>
-      </p:pic>
-      <p:pic>
-        <p:nvPicPr>
-          <p:cNvPr id="8" name="Inhaltsplatzhalter 7"/>
-          <p:cNvPicPr>
-            <a:picLocks noGrp="1" noChangeAspect="1"/>
-          </p:cNvPicPr>
-          <p:nvPr>
-            <p:ph sz="half" idx="2"/>
-          </p:nvPr>
+          <p:nvPr/>
         </p:nvPicPr>
         <p:blipFill>
           <a:blip r:embed="rId3">
@@ -9579,15 +10259,108 @@
         </p:blipFill>
         <p:spPr>
           <a:xfrm>
-            <a:off x="6172200" y="1379621"/>
-            <a:ext cx="5857134" cy="4880945"/>
+            <a:off x="838198" y="2748970"/>
+            <a:ext cx="5414184" cy="4043719"/>
           </a:xfrm>
+          <a:prstGeom prst="rect">
+            <a:avLst/>
+          </a:prstGeom>
         </p:spPr>
       </p:pic>
+      <p:pic>
+        <p:nvPicPr>
+          <p:cNvPr id="7" name="Grafik 6"/>
+          <p:cNvPicPr>
+            <a:picLocks noChangeAspect="1"/>
+          </p:cNvPicPr>
+          <p:nvPr/>
+        </p:nvPicPr>
+        <p:blipFill>
+          <a:blip r:embed="rId4">
+            <a:extLst>
+              <a:ext uri="{28A0092B-C50C-407E-A947-70E740481C1C}">
+                <a14:useLocalDpi xmlns:a14="http://schemas.microsoft.com/office/drawing/2010/main" val="0"/>
+              </a:ext>
+            </a:extLst>
+          </a:blip>
+          <a:stretch>
+            <a:fillRect/>
+          </a:stretch>
+        </p:blipFill>
+        <p:spPr>
+          <a:xfrm>
+            <a:off x="6557848" y="2748970"/>
+            <a:ext cx="5501630" cy="4109030"/>
+          </a:xfrm>
+          <a:prstGeom prst="rect">
+            <a:avLst/>
+          </a:prstGeom>
+        </p:spPr>
+      </p:pic>
+      <p:sp>
+        <p:nvSpPr>
+          <p:cNvPr id="8" name="Textfeld 7"/>
+          <p:cNvSpPr txBox="1"/>
+          <p:nvPr/>
+        </p:nvSpPr>
+        <p:spPr>
+          <a:xfrm>
+            <a:off x="1484243" y="2840259"/>
+            <a:ext cx="4240696" cy="369332"/>
+          </a:xfrm>
+          <a:prstGeom prst="rect">
+            <a:avLst/>
+          </a:prstGeom>
+          <a:noFill/>
+        </p:spPr>
+        <p:txBody>
+          <a:bodyPr wrap="square" rtlCol="0">
+            <a:spAutoFit/>
+          </a:bodyPr>
+          <a:lstStyle/>
+          <a:p>
+            <a:r>
+              <a:rPr lang="de-DE" dirty="0"/>
+              <a:t>Spannungsverlauf dritte Kerbe für Feder 2</a:t>
+            </a:r>
+          </a:p>
+        </p:txBody>
+      </p:sp>
+      <p:sp>
+        <p:nvSpPr>
+          <p:cNvPr id="11" name="Textfeld 10"/>
+          <p:cNvSpPr txBox="1"/>
+          <p:nvPr/>
+        </p:nvSpPr>
+        <p:spPr>
+          <a:xfrm>
+            <a:off x="7212827" y="2840259"/>
+            <a:ext cx="4293704" cy="369332"/>
+          </a:xfrm>
+          <a:prstGeom prst="rect">
+            <a:avLst/>
+          </a:prstGeom>
+          <a:solidFill>
+            <a:schemeClr val="bg1"/>
+          </a:solidFill>
+        </p:spPr>
+        <p:txBody>
+          <a:bodyPr wrap="square" rtlCol="0">
+            <a:spAutoFit/>
+          </a:bodyPr>
+          <a:lstStyle/>
+          <a:p>
+            <a:r>
+              <a:rPr lang="de-DE" dirty="0"/>
+              <a:t>Spannungsverlauf dritte Kerbe für Feder 3</a:t>
+            </a:r>
+          </a:p>
+        </p:txBody>
+      </p:sp>
     </p:spTree>
     <p:extLst>
       <p:ext uri="{BB962C8B-B14F-4D97-AF65-F5344CB8AC3E}">
-        <p14:creationId xmlns:p14="http://schemas.microsoft.com/office/powerpoint/2010/main" val="3199518202"/>
+        <p14:creationId xmlns:p14="http://schemas.microsoft.com/office/powerpoint/2010/main" val="1283325195"/>
       </p:ext>
     </p:extLst>
   </p:cSld>
@@ -9631,13 +10404,202 @@
           <a:p>
             <a:r>
               <a:rPr lang="de-DE" dirty="0"/>
+              <a:t>Direktionsmoment II</a:t>
+            </a:r>
+          </a:p>
+        </p:txBody>
+      </p:sp>
+      <p:sp>
+        <p:nvSpPr>
+          <p:cNvPr id="4" name="Textplatzhalter 3"/>
+          <p:cNvSpPr>
+            <a:spLocks noGrp="1"/>
+          </p:cNvSpPr>
+          <p:nvPr>
+            <p:ph type="body" idx="1"/>
+          </p:nvPr>
+        </p:nvSpPr>
+        <p:spPr>
+          <a:xfrm>
+            <a:off x="839788" y="1681163"/>
+            <a:ext cx="5157787" cy="425933"/>
+          </a:xfrm>
+        </p:spPr>
+        <p:txBody>
+          <a:bodyPr/>
+          <a:lstStyle/>
+          <a:p>
+            <a:pPr algn="ctr"/>
+            <a:r>
+              <a:rPr lang="de-DE" dirty="0"/>
+              <a:t>Feder 2</a:t>
+            </a:r>
+          </a:p>
+        </p:txBody>
+      </p:sp>
+      <p:pic>
+        <p:nvPicPr>
+          <p:cNvPr id="6" name="Inhaltsplatzhalter 5"/>
+          <p:cNvPicPr>
+            <a:picLocks noGrp="1" noChangeAspect="1"/>
+          </p:cNvPicPr>
+          <p:nvPr>
+            <p:ph sz="half" idx="2"/>
+          </p:nvPr>
+        </p:nvPicPr>
+        <p:blipFill>
+          <a:blip r:embed="rId2">
+            <a:extLst>
+              <a:ext uri="{28A0092B-C50C-407E-A947-70E740481C1C}">
+                <a14:useLocalDpi xmlns:a14="http://schemas.microsoft.com/office/drawing/2010/main" val="0"/>
+              </a:ext>
+            </a:extLst>
+          </a:blip>
+          <a:stretch>
+            <a:fillRect/>
+          </a:stretch>
+        </p:blipFill>
+        <p:spPr>
+          <a:xfrm>
+            <a:off x="481303" y="2107095"/>
+            <a:ext cx="5383751" cy="4300066"/>
+          </a:xfrm>
+        </p:spPr>
+      </p:pic>
+      <p:sp>
+        <p:nvSpPr>
+          <p:cNvPr id="5" name="Textplatzhalter 4"/>
+          <p:cNvSpPr>
+            <a:spLocks noGrp="1"/>
+          </p:cNvSpPr>
+          <p:nvPr>
+            <p:ph type="body" sz="quarter" idx="3"/>
+          </p:nvPr>
+        </p:nvSpPr>
+        <p:spPr>
+          <a:xfrm>
+            <a:off x="5997575" y="1690688"/>
+            <a:ext cx="5183188" cy="425933"/>
+          </a:xfrm>
+        </p:spPr>
+        <p:txBody>
+          <a:bodyPr/>
+          <a:lstStyle/>
+          <a:p>
+            <a:pPr algn="ctr"/>
+            <a:r>
+              <a:rPr lang="de-DE" dirty="0"/>
+              <a:t>Feder 3</a:t>
+            </a:r>
+          </a:p>
+        </p:txBody>
+      </p:sp>
+      <p:pic>
+        <p:nvPicPr>
+          <p:cNvPr id="8" name="Inhaltsplatzhalter 7"/>
+          <p:cNvPicPr>
+            <a:picLocks noGrp="1" noChangeAspect="1"/>
+          </p:cNvPicPr>
+          <p:nvPr>
+            <p:ph sz="quarter" idx="4"/>
+          </p:nvPr>
+        </p:nvPicPr>
+        <p:blipFill>
+          <a:blip r:embed="rId3">
+            <a:extLst>
+              <a:ext uri="{28A0092B-C50C-407E-A947-70E740481C1C}">
+                <a14:useLocalDpi xmlns:a14="http://schemas.microsoft.com/office/drawing/2010/main" val="0"/>
+              </a:ext>
+            </a:extLst>
+          </a:blip>
+          <a:stretch>
+            <a:fillRect/>
+          </a:stretch>
+        </p:blipFill>
+        <p:spPr>
+          <a:xfrm>
+            <a:off x="6219551" y="2107095"/>
+            <a:ext cx="5972449" cy="4300066"/>
+          </a:xfrm>
+        </p:spPr>
+      </p:pic>
+      <p:sp>
+        <p:nvSpPr>
+          <p:cNvPr id="3" name="Foliennummernplatzhalter 2"/>
+          <p:cNvSpPr>
+            <a:spLocks noGrp="1"/>
+          </p:cNvSpPr>
+          <p:nvPr>
+            <p:ph type="sldNum" sz="quarter" idx="12"/>
+          </p:nvPr>
+        </p:nvSpPr>
+        <p:spPr/>
+        <p:txBody>
+          <a:bodyPr/>
+          <a:lstStyle/>
+          <a:p>
+            <a:fld id="{513DBB20-6107-4330-BB35-E3C61089ACF9}" type="slidenum">
+              <a:rPr lang="de-DE" smtClean="0"/>
+              <a:t>7</a:t>
+            </a:fld>
+            <a:endParaRPr lang="de-DE"/>
+          </a:p>
+        </p:txBody>
+      </p:sp>
+    </p:spTree>
+    <p:extLst>
+      <p:ext uri="{BB962C8B-B14F-4D97-AF65-F5344CB8AC3E}">
+        <p14:creationId xmlns:p14="http://schemas.microsoft.com/office/powerpoint/2010/main" val="3199518202"/>
+      </p:ext>
+    </p:extLst>
+  </p:cSld>
+  <p:clrMapOvr>
+    <a:masterClrMapping/>
+  </p:clrMapOvr>
+</p:sld>
+</file>
+
+<file path=ppt/slides/slide8.xml><?xml version="1.0" encoding="utf-8"?>
+<p:sld xmlns:a="http://schemas.openxmlformats.org/drawingml/2006/main" xmlns:r="http://schemas.openxmlformats.org/officeDocument/2006/relationships" xmlns:p="http://schemas.openxmlformats.org/presentationml/2006/main">
+  <p:cSld>
+    <p:spTree>
+      <p:nvGrpSpPr>
+        <p:cNvPr id="1" name=""/>
+        <p:cNvGrpSpPr/>
+        <p:nvPr/>
+      </p:nvGrpSpPr>
+      <p:grpSpPr>
+        <a:xfrm>
+          <a:off x="0" y="0"/>
+          <a:ext cx="0" cy="0"/>
+          <a:chOff x="0" y="0"/>
+          <a:chExt cx="0" cy="0"/>
+        </a:xfrm>
+      </p:grpSpPr>
+      <p:sp>
+        <p:nvSpPr>
+          <p:cNvPr id="2" name="Titel 1"/>
+          <p:cNvSpPr>
+            <a:spLocks noGrp="1"/>
+          </p:cNvSpPr>
+          <p:nvPr>
+            <p:ph type="title"/>
+          </p:nvPr>
+        </p:nvSpPr>
+        <p:spPr/>
+        <p:txBody>
+          <a:bodyPr/>
+          <a:lstStyle/>
+          <a:p>
+            <a:r>
+              <a:rPr lang="de-DE" dirty="0"/>
               <a:t>Direktionsmoment III</a:t>
             </a:r>
           </a:p>
         </p:txBody>
       </p:sp>
-      <mc:AlternateContent xmlns:mc="http://schemas.openxmlformats.org/markup-compatibility/2006">
-        <mc:Choice xmlns:a14="http://schemas.microsoft.com/office/drawing/2010/main" Requires="a14">
+      <mc:AlternateContent xmlns:mc="http://schemas.openxmlformats.org/markup-compatibility/2006" xmlns:a14="http://schemas.microsoft.com/office/drawing/2010/main">
+        <mc:Choice Requires="a14">
           <p:sp>
             <p:nvSpPr>
               <p:cNvPr id="5" name="Inhaltsplatzhalter 4"/>
@@ -9789,7 +10751,7 @@
             </p:txBody>
           </p:sp>
         </mc:Choice>
-        <mc:Fallback>
+        <mc:Fallback xmlns="">
           <p:sp>
             <p:nvSpPr>
               <p:cNvPr id="5" name="Inhaltsplatzhalter 4"/>
@@ -9834,7 +10796,7 @@
               <p:nvPr>
                 <p:extLst>
                   <p:ext uri="{D42A27DB-BD31-4B8C-83A1-F6EECF244321}">
-                    <p14:modId xmlns:p14="http://schemas.microsoft.com/office/powerpoint/2010/main" val="2085452349"/>
+                    <p14:modId xmlns:p14="http://schemas.microsoft.com/office/powerpoint/2010/main" val="3173099900"/>
                   </p:ext>
                 </p:extLst>
               </p:nvPr>
@@ -9898,41 +10860,40 @@
                         <a:bodyPr/>
                         <a:lstStyle/>
                         <a:p>
+                          <a:pPr/>
                           <a14:m>
-                            <m:oMathPara xmlns:m="http://schemas.openxmlformats.org/officeDocument/2006/math">
-                              <m:oMathParaPr>
-                                <m:jc m:val="centerGroup"/>
-                              </m:oMathParaPr>
-                              <m:oMath xmlns:m="http://schemas.openxmlformats.org/officeDocument/2006/math">
-                                <m:sSub>
-                                  <m:sSubPr>
-                                    <m:ctrlPr>
-                                      <a:rPr lang="de-DE" b="0" i="1" smtClean="0">
-                                        <a:latin typeface="Cambria Math" panose="02040503050406030204" pitchFamily="18" charset="0"/>
-                                      </a:rPr>
-                                    </m:ctrlPr>
-                                  </m:sSubPr>
-                                  <m:e>
-                                    <m:r>
-                                      <a:rPr lang="de-DE" b="0" i="1" smtClean="0">
-                                        <a:latin typeface="Cambria Math" panose="02040503050406030204" pitchFamily="18" charset="0"/>
-                                      </a:rPr>
-                                      <m:t>𝑚</m:t>
-                                    </m:r>
-                                  </m:e>
-                                  <m:sub>
-                                    <m:r>
-                                      <a:rPr lang="de-DE" b="0" i="1" smtClean="0">
-                                        <a:latin typeface="Cambria Math" panose="02040503050406030204" pitchFamily="18" charset="0"/>
-                                      </a:rPr>
-                                      <m:t>𝑤</m:t>
-                                    </m:r>
-                                  </m:sub>
-                                </m:sSub>
-                              </m:oMath>
-                            </m:oMathPara>
+                            <m:oMath xmlns:m="http://schemas.openxmlformats.org/officeDocument/2006/math">
+                              <m:sSub>
+                                <m:sSubPr>
+                                  <m:ctrlPr>
+                                    <a:rPr lang="de-DE" b="0" i="1" smtClean="0">
+                                      <a:latin typeface="Cambria Math" panose="02040503050406030204" pitchFamily="18" charset="0"/>
+                                    </a:rPr>
+                                  </m:ctrlPr>
+                                </m:sSubPr>
+                                <m:e>
+                                  <m:r>
+                                    <a:rPr lang="de-DE" b="0" i="1" smtClean="0">
+                                      <a:latin typeface="Cambria Math" panose="02040503050406030204" pitchFamily="18" charset="0"/>
+                                    </a:rPr>
+                                    <m:t>𝑚</m:t>
+                                  </m:r>
+                                </m:e>
+                                <m:sub>
+                                  <m:r>
+                                    <a:rPr lang="de-DE" b="0" i="1" smtClean="0">
+                                      <a:latin typeface="Cambria Math" panose="02040503050406030204" pitchFamily="18" charset="0"/>
+                                    </a:rPr>
+                                    <m:t>𝑤</m:t>
+                                  </m:r>
+                                </m:sub>
+                              </m:sSub>
+                            </m:oMath>
                           </a14:m>
-                          <a:endParaRPr lang="de-DE" dirty="0"/>
+                          <a:r>
+                            <a:rPr lang="de-DE" dirty="0"/>
+                            <a:t>[g]</a:t>
+                          </a:r>
                         </a:p>
                       </a:txBody>
                       <a:tcPr/>
@@ -9942,6 +10903,7 @@
                         <a:bodyPr/>
                         <a:lstStyle/>
                         <a:p>
+                          <a:pPr/>
                           <a14:m>
                             <m:oMathPara xmlns:m="http://schemas.openxmlformats.org/officeDocument/2006/math">
                               <m:oMathParaPr>
@@ -10043,6 +11005,7 @@
                         <a:bodyPr/>
                         <a:lstStyle/>
                         <a:p>
+                          <a:pPr/>
                           <a14:m>
                             <m:oMathPara xmlns:m="http://schemas.openxmlformats.org/officeDocument/2006/math">
                               <m:oMathParaPr>
@@ -10136,7 +11099,7 @@
                           </a14:m>
                           <a:r>
                             <a:rPr lang="de-DE" dirty="0"/>
-                            <a:t>0.2</a:t>
+                            <a:t>0.20</a:t>
                           </a:r>
                         </a:p>
                       </a:txBody>
@@ -10285,7 +11248,7 @@
                           </a14:m>
                           <a:r>
                             <a:rPr lang="de-DE" dirty="0"/>
-                            <a:t>0.2</a:t>
+                            <a:t>0.20</a:t>
                           </a:r>
                         </a:p>
                       </a:txBody>
@@ -10326,7 +11289,7 @@
                           </a14:m>
                           <a:r>
                             <a:rPr lang="de-DE" dirty="0"/>
-                            <a:t>11.6</a:t>
+                            <a:t>11.60</a:t>
                           </a:r>
                         </a:p>
                       </a:txBody>
@@ -10394,7 +11357,7 @@
               <p:nvPr>
                 <p:extLst>
                   <p:ext uri="{D42A27DB-BD31-4B8C-83A1-F6EECF244321}">
-                    <p14:modId xmlns:p14="http://schemas.microsoft.com/office/powerpoint/2010/main" val="2085452349"/>
+                    <p14:modId xmlns:p14="http://schemas.microsoft.com/office/powerpoint/2010/main" val="3173099900"/>
                   </p:ext>
                 </p:extLst>
               </p:nvPr>
@@ -10658,6 +11621,29 @@
           </p:graphicFrame>
         </mc:Fallback>
       </mc:AlternateContent>
+      <p:sp>
+        <p:nvSpPr>
+          <p:cNvPr id="3" name="Foliennummernplatzhalter 2"/>
+          <p:cNvSpPr>
+            <a:spLocks noGrp="1"/>
+          </p:cNvSpPr>
+          <p:nvPr>
+            <p:ph type="sldNum" sz="quarter" idx="12"/>
+          </p:nvPr>
+        </p:nvSpPr>
+        <p:spPr/>
+        <p:txBody>
+          <a:bodyPr/>
+          <a:lstStyle/>
+          <a:p>
+            <a:fld id="{513DBB20-6107-4330-BB35-E3C61089ACF9}" type="slidenum">
+              <a:rPr lang="de-DE" smtClean="0"/>
+              <a:t>8</a:t>
+            </a:fld>
+            <a:endParaRPr lang="de-DE"/>
+          </a:p>
+        </p:txBody>
+      </p:sp>
     </p:spTree>
     <p:extLst>
       <p:ext uri="{BB962C8B-B14F-4D97-AF65-F5344CB8AC3E}">
@@ -10671,7 +11657,7 @@
 </p:sld>
 </file>
 
-<file path=ppt/slides/slide8.xml><?xml version="1.0" encoding="utf-8"?>
+<file path=ppt/slides/slide9.xml><?xml version="1.0" encoding="utf-8"?>
 <p:sld xmlns:a="http://schemas.openxmlformats.org/drawingml/2006/main" xmlns:r="http://schemas.openxmlformats.org/officeDocument/2006/relationships" xmlns:p="http://schemas.openxmlformats.org/presentationml/2006/main">
   <p:cSld>
     <p:spTree>
@@ -10729,44 +11715,14 @@
           </a:p>
         </p:txBody>
       </p:sp>
-    </p:spTree>
-    <p:extLst>
-      <p:ext uri="{BB962C8B-B14F-4D97-AF65-F5344CB8AC3E}">
-        <p14:creationId xmlns:p14="http://schemas.microsoft.com/office/powerpoint/2010/main" val="3761231098"/>
-      </p:ext>
-    </p:extLst>
-  </p:cSld>
-  <p:clrMapOvr>
-    <a:masterClrMapping/>
-  </p:clrMapOvr>
-</p:sld>
-</file>
-
-<file path=ppt/slides/slide9.xml><?xml version="1.0" encoding="utf-8"?>
-<p:sld xmlns:a="http://schemas.openxmlformats.org/drawingml/2006/main" xmlns:r="http://schemas.openxmlformats.org/officeDocument/2006/relationships" xmlns:p="http://schemas.openxmlformats.org/presentationml/2006/main">
-  <p:cSld>
-    <p:spTree>
-      <p:nvGrpSpPr>
-        <p:cNvPr id="1" name=""/>
-        <p:cNvGrpSpPr/>
-        <p:nvPr/>
-      </p:nvGrpSpPr>
-      <p:grpSpPr>
-        <a:xfrm>
-          <a:off x="0" y="0"/>
-          <a:ext cx="0" cy="0"/>
-          <a:chOff x="0" y="0"/>
-          <a:chExt cx="0" cy="0"/>
-        </a:xfrm>
-      </p:grpSpPr>
       <p:sp>
         <p:nvSpPr>
-          <p:cNvPr id="2" name="Titel 1"/>
+          <p:cNvPr id="2" name="Foliennummernplatzhalter 1"/>
           <p:cNvSpPr>
             <a:spLocks noGrp="1"/>
           </p:cNvSpPr>
           <p:nvPr>
-            <p:ph type="title"/>
+            <p:ph type="sldNum" sz="quarter" idx="12"/>
           </p:nvPr>
         </p:nvSpPr>
         <p:spPr/>
@@ -10774,75 +11730,18 @@
           <a:bodyPr/>
           <a:lstStyle/>
           <a:p>
-            <a:r>
-              <a:rPr lang="de-DE" dirty="0"/>
-              <a:t>Trägheitsmomente – Zylinder I</a:t>
-            </a:r>
+            <a:fld id="{513DBB20-6107-4330-BB35-E3C61089ACF9}" type="slidenum">
+              <a:rPr lang="de-DE" smtClean="0"/>
+              <a:t>9</a:t>
+            </a:fld>
+            <a:endParaRPr lang="de-DE"/>
           </a:p>
         </p:txBody>
       </p:sp>
-      <p:pic>
-        <p:nvPicPr>
-          <p:cNvPr id="7" name="Inhaltsplatzhalter 6"/>
-          <p:cNvPicPr>
-            <a:picLocks noGrp="1" noChangeAspect="1"/>
-          </p:cNvPicPr>
-          <p:nvPr>
-            <p:ph sz="half" idx="1"/>
-          </p:nvPr>
-        </p:nvPicPr>
-        <p:blipFill>
-          <a:blip r:embed="rId2">
-            <a:extLst>
-              <a:ext uri="{28A0092B-C50C-407E-A947-70E740481C1C}">
-                <a14:useLocalDpi xmlns:a14="http://schemas.microsoft.com/office/drawing/2010/main" val="0"/>
-              </a:ext>
-            </a:extLst>
-          </a:blip>
-          <a:stretch>
-            <a:fillRect/>
-          </a:stretch>
-        </p:blipFill>
-        <p:spPr>
-          <a:xfrm>
-            <a:off x="265849" y="1469835"/>
-            <a:ext cx="5830151" cy="4519079"/>
-          </a:xfrm>
-        </p:spPr>
-      </p:pic>
-      <p:pic>
-        <p:nvPicPr>
-          <p:cNvPr id="12" name="Inhaltsplatzhalter 11"/>
-          <p:cNvPicPr>
-            <a:picLocks noGrp="1" noChangeAspect="1"/>
-          </p:cNvPicPr>
-          <p:nvPr>
-            <p:ph sz="half" idx="2"/>
-          </p:nvPr>
-        </p:nvPicPr>
-        <p:blipFill>
-          <a:blip r:embed="rId3">
-            <a:extLst>
-              <a:ext uri="{28A0092B-C50C-407E-A947-70E740481C1C}">
-                <a14:useLocalDpi xmlns:a14="http://schemas.microsoft.com/office/drawing/2010/main" val="0"/>
-              </a:ext>
-            </a:extLst>
-          </a:blip>
-          <a:stretch>
-            <a:fillRect/>
-          </a:stretch>
-        </p:blipFill>
-        <p:spPr>
-          <a:xfrm>
-            <a:off x="5894553" y="1469835"/>
-            <a:ext cx="6050650" cy="4519079"/>
-          </a:xfrm>
-        </p:spPr>
-      </p:pic>
     </p:spTree>
     <p:extLst>
       <p:ext uri="{BB962C8B-B14F-4D97-AF65-F5344CB8AC3E}">
-        <p14:creationId xmlns:p14="http://schemas.microsoft.com/office/powerpoint/2010/main" val="3229146710"/>
+        <p14:creationId xmlns:p14="http://schemas.microsoft.com/office/powerpoint/2010/main" val="3761231098"/>
       </p:ext>
     </p:extLst>
   </p:cSld>
@@ -11145,4 +12044,299 @@
     </a:ext>
   </a:extLst>
 </a:theme>
+</file>
+
+<file path=ppt/theme/theme2.xml><?xml version="1.0" encoding="utf-8"?>
+<a:theme xmlns:a="http://schemas.openxmlformats.org/drawingml/2006/main" name="Office">
+  <a:themeElements>
+    <a:clrScheme name="Office">
+      <a:dk1>
+        <a:sysClr val="windowText" lastClr="000000"/>
+      </a:dk1>
+      <a:lt1>
+        <a:sysClr val="window" lastClr="FFFFFF"/>
+      </a:lt1>
+      <a:dk2>
+        <a:srgbClr val="44546A"/>
+      </a:dk2>
+      <a:lt2>
+        <a:srgbClr val="E7E6E6"/>
+      </a:lt2>
+      <a:accent1>
+        <a:srgbClr val="4472C4"/>
+      </a:accent1>
+      <a:accent2>
+        <a:srgbClr val="ED7D31"/>
+      </a:accent2>
+      <a:accent3>
+        <a:srgbClr val="A5A5A5"/>
+      </a:accent3>
+      <a:accent4>
+        <a:srgbClr val="FFC000"/>
+      </a:accent4>
+      <a:accent5>
+        <a:srgbClr val="5B9BD5"/>
+      </a:accent5>
+      <a:accent6>
+        <a:srgbClr val="70AD47"/>
+      </a:accent6>
+      <a:hlink>
+        <a:srgbClr val="0563C1"/>
+      </a:hlink>
+      <a:folHlink>
+        <a:srgbClr val="954F72"/>
+      </a:folHlink>
+    </a:clrScheme>
+    <a:fontScheme name="Office">
+      <a:majorFont>
+        <a:latin typeface="Calibri Light" panose="020F0302020204030204"/>
+        <a:ea typeface=""/>
+        <a:cs typeface=""/>
+        <a:font script="Jpan" typeface="游ゴシック Light"/>
+        <a:font script="Hang" typeface="맑은 고딕"/>
+        <a:font script="Hans" typeface="等线 Light"/>
+        <a:font script="Hant" typeface="新細明體"/>
+        <a:font script="Arab" typeface="Times New Roman"/>
+        <a:font script="Hebr" typeface="Times New Roman"/>
+        <a:font script="Thai" typeface="Angsana New"/>
+        <a:font script="Ethi" typeface="Nyala"/>
+        <a:font script="Beng" typeface="Vrinda"/>
+        <a:font script="Gujr" typeface="Shruti"/>
+        <a:font script="Khmr" typeface="MoolBoran"/>
+        <a:font script="Knda" typeface="Tunga"/>
+        <a:font script="Guru" typeface="Raavi"/>
+        <a:font script="Cans" typeface="Euphemia"/>
+        <a:font script="Cher" typeface="Plantagenet Cherokee"/>
+        <a:font script="Yiii" typeface="Microsoft Yi Baiti"/>
+        <a:font script="Tibt" typeface="Microsoft Himalaya"/>
+        <a:font script="Thaa" typeface="MV Boli"/>
+        <a:font script="Deva" typeface="Mangal"/>
+        <a:font script="Telu" typeface="Gautami"/>
+        <a:font script="Taml" typeface="Latha"/>
+        <a:font script="Syrc" typeface="Estrangelo Edessa"/>
+        <a:font script="Orya" typeface="Kalinga"/>
+        <a:font script="Mlym" typeface="Kartika"/>
+        <a:font script="Laoo" typeface="DokChampa"/>
+        <a:font script="Sinh" typeface="Iskoola Pota"/>
+        <a:font script="Mong" typeface="Mongolian Baiti"/>
+        <a:font script="Viet" typeface="Times New Roman"/>
+        <a:font script="Uigh" typeface="Microsoft Uighur"/>
+        <a:font script="Geor" typeface="Sylfaen"/>
+        <a:font script="Armn" typeface="Arial"/>
+        <a:font script="Bugi" typeface="Leelawadee UI"/>
+        <a:font script="Bopo" typeface="Microsoft JhengHei"/>
+        <a:font script="Java" typeface="Javanese Text"/>
+        <a:font script="Lisu" typeface="Segoe UI"/>
+        <a:font script="Mymr" typeface="Myanmar Text"/>
+        <a:font script="Nkoo" typeface="Ebrima"/>
+        <a:font script="Olck" typeface="Nirmala UI"/>
+        <a:font script="Osma" typeface="Ebrima"/>
+        <a:font script="Phag" typeface="Phagspa"/>
+        <a:font script="Syrn" typeface="Estrangelo Edessa"/>
+        <a:font script="Syrj" typeface="Estrangelo Edessa"/>
+        <a:font script="Syre" typeface="Estrangelo Edessa"/>
+        <a:font script="Sora" typeface="Nirmala UI"/>
+        <a:font script="Tale" typeface="Microsoft Tai Le"/>
+        <a:font script="Talu" typeface="Microsoft New Tai Lue"/>
+        <a:font script="Tfng" typeface="Ebrima"/>
+      </a:majorFont>
+      <a:minorFont>
+        <a:latin typeface="Calibri" panose="020F0502020204030204"/>
+        <a:ea typeface=""/>
+        <a:cs typeface=""/>
+        <a:font script="Jpan" typeface="游ゴシック"/>
+        <a:font script="Hang" typeface="맑은 고딕"/>
+        <a:font script="Hans" typeface="等线"/>
+        <a:font script="Hant" typeface="新細明體"/>
+        <a:font script="Arab" typeface="Arial"/>
+        <a:font script="Hebr" typeface="Arial"/>
+        <a:font script="Thai" typeface="Cordia New"/>
+        <a:font script="Ethi" typeface="Nyala"/>
+        <a:font script="Beng" typeface="Vrinda"/>
+        <a:font script="Gujr" typeface="Shruti"/>
+        <a:font script="Khmr" typeface="DaunPenh"/>
+        <a:font script="Knda" typeface="Tunga"/>
+        <a:font script="Guru" typeface="Raavi"/>
+        <a:font script="Cans" typeface="Euphemia"/>
+        <a:font script="Cher" typeface="Plantagenet Cherokee"/>
+        <a:font script="Yiii" typeface="Microsoft Yi Baiti"/>
+        <a:font script="Tibt" typeface="Microsoft Himalaya"/>
+        <a:font script="Thaa" typeface="MV Boli"/>
+        <a:font script="Deva" typeface="Mangal"/>
+        <a:font script="Telu" typeface="Gautami"/>
+        <a:font script="Taml" typeface="Latha"/>
+        <a:font script="Syrc" typeface="Estrangelo Edessa"/>
+        <a:font script="Orya" typeface="Kalinga"/>
+        <a:font script="Mlym" typeface="Kartika"/>
+        <a:font script="Laoo" typeface="DokChampa"/>
+        <a:font script="Sinh" typeface="Iskoola Pota"/>
+        <a:font script="Mong" typeface="Mongolian Baiti"/>
+        <a:font script="Viet" typeface="Arial"/>
+        <a:font script="Uigh" typeface="Microsoft Uighur"/>
+        <a:font script="Geor" typeface="Sylfaen"/>
+        <a:font script="Armn" typeface="Arial"/>
+        <a:font script="Bugi" typeface="Leelawadee UI"/>
+        <a:font script="Bopo" typeface="Microsoft JhengHei"/>
+        <a:font script="Java" typeface="Javanese Text"/>
+        <a:font script="Lisu" typeface="Segoe UI"/>
+        <a:font script="Mymr" typeface="Myanmar Text"/>
+        <a:font script="Nkoo" typeface="Ebrima"/>
+        <a:font script="Olck" typeface="Nirmala UI"/>
+        <a:font script="Osma" typeface="Ebrima"/>
+        <a:font script="Phag" typeface="Phagspa"/>
+        <a:font script="Syrn" typeface="Estrangelo Edessa"/>
+        <a:font script="Syrj" typeface="Estrangelo Edessa"/>
+        <a:font script="Syre" typeface="Estrangelo Edessa"/>
+        <a:font script="Sora" typeface="Nirmala UI"/>
+        <a:font script="Tale" typeface="Microsoft Tai Le"/>
+        <a:font script="Talu" typeface="Microsoft New Tai Lue"/>
+        <a:font script="Tfng" typeface="Ebrima"/>
+      </a:minorFont>
+    </a:fontScheme>
+    <a:fmtScheme name="Office">
+      <a:fillStyleLst>
+        <a:solidFill>
+          <a:schemeClr val="phClr"/>
+        </a:solidFill>
+        <a:gradFill rotWithShape="1">
+          <a:gsLst>
+            <a:gs pos="0">
+              <a:schemeClr val="phClr">
+                <a:lumMod val="110000"/>
+                <a:satMod val="105000"/>
+                <a:tint val="67000"/>
+              </a:schemeClr>
+            </a:gs>
+            <a:gs pos="50000">
+              <a:schemeClr val="phClr">
+                <a:lumMod val="105000"/>
+                <a:satMod val="103000"/>
+                <a:tint val="73000"/>
+              </a:schemeClr>
+            </a:gs>
+            <a:gs pos="100000">
+              <a:schemeClr val="phClr">
+                <a:lumMod val="105000"/>
+                <a:satMod val="109000"/>
+                <a:tint val="81000"/>
+              </a:schemeClr>
+            </a:gs>
+          </a:gsLst>
+          <a:lin ang="5400000" scaled="0"/>
+        </a:gradFill>
+        <a:gradFill rotWithShape="1">
+          <a:gsLst>
+            <a:gs pos="0">
+              <a:schemeClr val="phClr">
+                <a:satMod val="103000"/>
+                <a:lumMod val="102000"/>
+                <a:tint val="94000"/>
+              </a:schemeClr>
+            </a:gs>
+            <a:gs pos="50000">
+              <a:schemeClr val="phClr">
+                <a:satMod val="110000"/>
+                <a:lumMod val="100000"/>
+                <a:shade val="100000"/>
+              </a:schemeClr>
+            </a:gs>
+            <a:gs pos="100000">
+              <a:schemeClr val="phClr">
+                <a:lumMod val="99000"/>
+                <a:satMod val="120000"/>
+                <a:shade val="78000"/>
+              </a:schemeClr>
+            </a:gs>
+          </a:gsLst>
+          <a:lin ang="5400000" scaled="0"/>
+        </a:gradFill>
+      </a:fillStyleLst>
+      <a:lnStyleLst>
+        <a:ln w="6350" cap="flat" cmpd="sng" algn="ctr">
+          <a:solidFill>
+            <a:schemeClr val="phClr"/>
+          </a:solidFill>
+          <a:prstDash val="solid"/>
+          <a:miter lim="800000"/>
+        </a:ln>
+        <a:ln w="12700" cap="flat" cmpd="sng" algn="ctr">
+          <a:solidFill>
+            <a:schemeClr val="phClr"/>
+          </a:solidFill>
+          <a:prstDash val="solid"/>
+          <a:miter lim="800000"/>
+        </a:ln>
+        <a:ln w="19050" cap="flat" cmpd="sng" algn="ctr">
+          <a:solidFill>
+            <a:schemeClr val="phClr"/>
+          </a:solidFill>
+          <a:prstDash val="solid"/>
+          <a:miter lim="800000"/>
+        </a:ln>
+      </a:lnStyleLst>
+      <a:effectStyleLst>
+        <a:effectStyle>
+          <a:effectLst/>
+        </a:effectStyle>
+        <a:effectStyle>
+          <a:effectLst/>
+        </a:effectStyle>
+        <a:effectStyle>
+          <a:effectLst>
+            <a:outerShdw blurRad="57150" dist="19050" dir="5400000" algn="ctr" rotWithShape="0">
+              <a:srgbClr val="000000">
+                <a:alpha val="63000"/>
+              </a:srgbClr>
+            </a:outerShdw>
+          </a:effectLst>
+        </a:effectStyle>
+      </a:effectStyleLst>
+      <a:bgFillStyleLst>
+        <a:solidFill>
+          <a:schemeClr val="phClr"/>
+        </a:solidFill>
+        <a:solidFill>
+          <a:schemeClr val="phClr">
+            <a:tint val="95000"/>
+            <a:satMod val="170000"/>
+          </a:schemeClr>
+        </a:solidFill>
+        <a:gradFill rotWithShape="1">
+          <a:gsLst>
+            <a:gs pos="0">
+              <a:schemeClr val="phClr">
+                <a:tint val="93000"/>
+                <a:satMod val="150000"/>
+                <a:shade val="98000"/>
+                <a:lumMod val="102000"/>
+              </a:schemeClr>
+            </a:gs>
+            <a:gs pos="50000">
+              <a:schemeClr val="phClr">
+                <a:tint val="98000"/>
+                <a:satMod val="130000"/>
+                <a:shade val="90000"/>
+                <a:lumMod val="103000"/>
+              </a:schemeClr>
+            </a:gs>
+            <a:gs pos="100000">
+              <a:schemeClr val="phClr">
+                <a:shade val="63000"/>
+                <a:satMod val="120000"/>
+              </a:schemeClr>
+            </a:gs>
+          </a:gsLst>
+          <a:lin ang="5400000" scaled="0"/>
+        </a:gradFill>
+      </a:bgFillStyleLst>
+    </a:fmtScheme>
+  </a:themeElements>
+  <a:objectDefaults/>
+  <a:extraClrSchemeLst/>
+  <a:extLst>
+    <a:ext uri="{05A4C25C-085E-4340-85A3-A5531E510DB2}">
+      <thm15:themeFamily xmlns:thm15="http://schemas.microsoft.com/office/thememl/2012/main" name="Office Theme" id="{62F939B6-93AF-4DB8-9C6B-D6C7DFDC589F}" vid="{4A3C46E8-61CC-4603-A589-7422A47A8E4A}"/>
+    </a:ext>
+  </a:extLst>
+</a:theme>
 </file>
--- a/Mechanik/Mechanik.pptx
+++ b/Mechanik/Mechanik.pptx
@@ -5,7 +5,7 @@
     <p:sldMasterId id="2147483648" r:id="rId1"/>
   </p:sldMasterIdLst>
   <p:notesMasterIdLst>
-    <p:notesMasterId r:id="rId19"/>
+    <p:notesMasterId r:id="rId20"/>
   </p:notesMasterIdLst>
   <p:sldIdLst>
     <p:sldId id="256" r:id="rId2"/>
@@ -24,7 +24,8 @@
     <p:sldId id="272" r:id="rId15"/>
     <p:sldId id="262" r:id="rId16"/>
     <p:sldId id="264" r:id="rId17"/>
-    <p:sldId id="266" r:id="rId18"/>
+    <p:sldId id="274" r:id="rId18"/>
+    <p:sldId id="266" r:id="rId19"/>
   </p:sldIdLst>
   <p:sldSz cx="12192000" cy="6858000"/>
   <p:notesSz cx="6858000" cy="9144000"/>
@@ -308,7 +309,6 @@
               <a:rPr lang="de-DE"/>
               <a:t>Fünfte Ebene</a:t>
             </a:r>
-            <a:endParaRPr lang="de-DE"/>
           </a:p>
         </p:txBody>
       </p:sp>
@@ -3601,7 +3601,7 @@
                 <p:ph sz="half" idx="1"/>
                 <p:extLst>
                   <p:ext uri="{D42A27DB-BD31-4B8C-83A1-F6EECF244321}">
-                    <p14:modId xmlns:p14="http://schemas.microsoft.com/office/powerpoint/2010/main" val="3368023550"/>
+                    <p14:modId xmlns:p14="http://schemas.microsoft.com/office/powerpoint/2010/main" val="252565485"/>
                   </p:ext>
                 </p:extLst>
               </p:nvPr>
@@ -3764,38 +3764,78 @@
                         <a:p>
                           <a:pPr/>
                           <a14:m>
-                            <m:oMathPara xmlns:m="http://schemas.openxmlformats.org/officeDocument/2006/math">
-                              <m:oMathParaPr>
-                                <m:jc m:val="centerGroup"/>
-                              </m:oMathParaPr>
-                              <m:oMath xmlns:m="http://schemas.openxmlformats.org/officeDocument/2006/math">
-                                <m:sSub>
-                                  <m:sSubPr>
-                                    <m:ctrlPr>
-                                      <a:rPr lang="de-DE" b="0" i="1" smtClean="0">
-                                        <a:latin typeface="Cambria Math" panose="02040503050406030204" pitchFamily="18" charset="0"/>
-                                      </a:rPr>
-                                    </m:ctrlPr>
-                                  </m:sSubPr>
-                                  <m:e>
-                                    <m:r>
-                                      <a:rPr lang="de-DE" b="0" i="1" smtClean="0">
-                                        <a:latin typeface="Cambria Math" panose="02040503050406030204" pitchFamily="18" charset="0"/>
-                                      </a:rPr>
-                                      <m:t>𝐽</m:t>
-                                    </m:r>
-                                  </m:e>
-                                  <m:sub>
-                                    <m:r>
-                                      <a:rPr lang="de-DE" b="0" i="1" smtClean="0">
-                                        <a:latin typeface="Cambria Math" panose="02040503050406030204" pitchFamily="18" charset="0"/>
-                                      </a:rPr>
-                                      <m:t>𝑡h𝑒𝑜</m:t>
-                                    </m:r>
-                                  </m:sub>
-                                </m:sSub>
-                              </m:oMath>
-                            </m:oMathPara>
+                            <m:oMath xmlns:m="http://schemas.openxmlformats.org/officeDocument/2006/math">
+                              <m:sSub>
+                                <m:sSubPr>
+                                  <m:ctrlPr>
+                                    <a:rPr lang="de-DE" b="0" i="1" smtClean="0">
+                                      <a:latin typeface="Cambria Math" panose="02040503050406030204" pitchFamily="18" charset="0"/>
+                                    </a:rPr>
+                                  </m:ctrlPr>
+                                </m:sSubPr>
+                                <m:e>
+                                  <m:r>
+                                    <a:rPr lang="de-DE" b="0" i="1" smtClean="0">
+                                      <a:latin typeface="Cambria Math" panose="02040503050406030204" pitchFamily="18" charset="0"/>
+                                    </a:rPr>
+                                    <m:t>𝐽</m:t>
+                                  </m:r>
+                                </m:e>
+                                <m:sub>
+                                  <m:r>
+                                    <a:rPr lang="de-DE" b="0" i="1" smtClean="0">
+                                      <a:latin typeface="Cambria Math" panose="02040503050406030204" pitchFamily="18" charset="0"/>
+                                    </a:rPr>
+                                    <m:t>𝑡h𝑒𝑜</m:t>
+                                  </m:r>
+                                </m:sub>
+                              </m:sSub>
+                            </m:oMath>
+                          </a14:m>
+                          <a:r>
+                            <a:rPr lang="de-DE" dirty="0"/>
+                            <a:t>[</a:t>
+                          </a:r>
+                          <a14:m>
+                            <m:oMath xmlns:m="http://schemas.openxmlformats.org/officeDocument/2006/math">
+                              <m:r>
+                                <a:rPr lang="de-DE" b="0" i="1" dirty="0" smtClean="0">
+                                  <a:latin typeface="Cambria Math" panose="02040503050406030204" pitchFamily="18" charset="0"/>
+                                </a:rPr>
+                                <m:t>𝑔</m:t>
+                              </m:r>
+                              <m:sSup>
+                                <m:sSupPr>
+                                  <m:ctrlPr>
+                                    <a:rPr lang="de-DE" b="0" i="1" dirty="0" smtClean="0">
+                                      <a:latin typeface="Cambria Math" panose="02040503050406030204" pitchFamily="18" charset="0"/>
+                                    </a:rPr>
+                                  </m:ctrlPr>
+                                </m:sSupPr>
+                                <m:e>
+                                  <m:r>
+                                    <a:rPr lang="de-DE" b="0" i="1" dirty="0" smtClean="0">
+                                      <a:latin typeface="Cambria Math" panose="02040503050406030204" pitchFamily="18" charset="0"/>
+                                    </a:rPr>
+                                    <m:t>𝑚</m:t>
+                                  </m:r>
+                                </m:e>
+                                <m:sup>
+                                  <m:r>
+                                    <a:rPr lang="de-DE" b="0" i="1" dirty="0" smtClean="0">
+                                      <a:latin typeface="Cambria Math" panose="02040503050406030204" pitchFamily="18" charset="0"/>
+                                    </a:rPr>
+                                    <m:t>2</m:t>
+                                  </m:r>
+                                </m:sup>
+                              </m:sSup>
+                              <m:r>
+                                <a:rPr lang="de-DE" b="0" i="1" dirty="0" smtClean="0">
+                                  <a:latin typeface="Cambria Math" panose="02040503050406030204" pitchFamily="18" charset="0"/>
+                                </a:rPr>
+                                <m:t>]</m:t>
+                              </m:r>
+                            </m:oMath>
                           </a14:m>
                           <a:endParaRPr lang="de-DE" dirty="0"/>
                         </a:p>
@@ -4169,7 +4209,7 @@
                 <p:ph sz="half" idx="1"/>
                 <p:extLst>
                   <p:ext uri="{D42A27DB-BD31-4B8C-83A1-F6EECF244321}">
-                    <p14:modId xmlns:p14="http://schemas.microsoft.com/office/powerpoint/2010/main" val="3368023550"/>
+                    <p14:modId xmlns:p14="http://schemas.microsoft.com/office/powerpoint/2010/main" val="252565485"/>
                   </p:ext>
                 </p:extLst>
               </p:nvPr>
@@ -6118,7 +6158,7 @@
         </p:nvSpPr>
         <p:spPr>
           <a:xfrm>
-            <a:off x="666070" y="2143501"/>
+            <a:off x="666070" y="2554778"/>
             <a:ext cx="5157787" cy="467728"/>
           </a:xfrm>
         </p:spPr>
@@ -6133,8 +6173,8 @@
           </a:p>
         </p:txBody>
       </p:sp>
-      <mc:AlternateContent xmlns:mc="http://schemas.openxmlformats.org/markup-compatibility/2006">
-        <mc:Choice xmlns:a14="http://schemas.microsoft.com/office/drawing/2010/main" Requires="a14">
+      <mc:AlternateContent xmlns:mc="http://schemas.openxmlformats.org/markup-compatibility/2006" xmlns:a14="http://schemas.microsoft.com/office/drawing/2010/main">
+        <mc:Choice Requires="a14">
           <p:graphicFrame>
             <p:nvGraphicFramePr>
               <p:cNvPr id="8" name="Inhaltsplatzhalter 7"/>
@@ -6674,7 +6714,7 @@
             </a:graphic>
           </p:graphicFrame>
         </mc:Choice>
-        <mc:Fallback>
+        <mc:Fallback xmlns="">
           <p:graphicFrame>
             <p:nvGraphicFramePr>
               <p:cNvPr id="8" name="Inhaltsplatzhalter 7"/>
@@ -7057,7 +7097,7 @@
         </p:nvSpPr>
         <p:spPr>
           <a:xfrm>
-            <a:off x="6170612" y="2143501"/>
+            <a:off x="6170612" y="2586971"/>
             <a:ext cx="5183188" cy="467728"/>
           </a:xfrm>
         </p:spPr>
@@ -7072,8 +7112,8 @@
           </a:p>
         </p:txBody>
       </p:sp>
-      <mc:AlternateContent xmlns:mc="http://schemas.openxmlformats.org/markup-compatibility/2006">
-        <mc:Choice xmlns:a14="http://schemas.microsoft.com/office/drawing/2010/main" Requires="a14">
+      <mc:AlternateContent xmlns:mc="http://schemas.openxmlformats.org/markup-compatibility/2006" xmlns:a14="http://schemas.microsoft.com/office/drawing/2010/main">
+        <mc:Choice Requires="a14">
           <p:graphicFrame>
             <p:nvGraphicFramePr>
               <p:cNvPr id="9" name="Inhaltsplatzhalter 8"/>
@@ -7699,7 +7739,7 @@
             </a:graphic>
           </p:graphicFrame>
         </mc:Choice>
-        <mc:Fallback>
+        <mc:Fallback xmlns="">
           <p:graphicFrame>
             <p:nvGraphicFramePr>
               <p:cNvPr id="9" name="Inhaltsplatzhalter 8"/>
@@ -8147,6 +8187,238 @@
           </a:p>
         </p:txBody>
       </p:sp>
+      <mc:AlternateContent xmlns:mc="http://schemas.openxmlformats.org/markup-compatibility/2006">
+        <mc:Choice xmlns:a14="http://schemas.microsoft.com/office/drawing/2010/main" Requires="a14">
+          <p:sp>
+            <p:nvSpPr>
+              <p:cNvPr id="5" name="Textfeld 4"/>
+              <p:cNvSpPr txBox="1"/>
+              <p:nvPr/>
+            </p:nvSpPr>
+            <p:spPr>
+              <a:xfrm>
+                <a:off x="142062" y="1480613"/>
+                <a:ext cx="5808163" cy="783741"/>
+              </a:xfrm>
+              <a:prstGeom prst="rect">
+                <a:avLst/>
+              </a:prstGeom>
+              <a:noFill/>
+            </p:spPr>
+            <p:txBody>
+              <a:bodyPr wrap="square" rtlCol="0">
+                <a:spAutoFit/>
+              </a:bodyPr>
+              <a:lstStyle/>
+              <a:p>
+                <a14:m>
+                  <m:oMathPara xmlns:m="http://schemas.openxmlformats.org/officeDocument/2006/math">
+                    <m:oMathParaPr>
+                      <m:jc m:val="centerGroup"/>
+                    </m:oMathParaPr>
+                    <m:oMath xmlns:m="http://schemas.openxmlformats.org/officeDocument/2006/math">
+                      <m:r>
+                        <a:rPr lang="de-DE" sz="2400" b="0" i="1" smtClean="0">
+                          <a:latin typeface="Cambria Math" panose="02040503050406030204" pitchFamily="18" charset="0"/>
+                        </a:rPr>
+                        <m:t>𝐽</m:t>
+                      </m:r>
+                      <m:r>
+                        <a:rPr lang="de-DE" sz="2400" b="0" i="1" smtClean="0">
+                          <a:latin typeface="Cambria Math" panose="02040503050406030204" pitchFamily="18" charset="0"/>
+                        </a:rPr>
+                        <m:t>=</m:t>
+                      </m:r>
+                      <m:f>
+                        <m:fPr>
+                          <m:ctrlPr>
+                            <a:rPr lang="de-DE" sz="2400" i="1" smtClean="0">
+                              <a:latin typeface="Cambria Math" panose="02040503050406030204" pitchFamily="18" charset="0"/>
+                            </a:rPr>
+                          </m:ctrlPr>
+                        </m:fPr>
+                        <m:num>
+                          <m:r>
+                            <a:rPr lang="de-DE" sz="2400" b="0" i="1" smtClean="0">
+                              <a:latin typeface="Cambria Math" panose="02040503050406030204" pitchFamily="18" charset="0"/>
+                            </a:rPr>
+                            <m:t>𝐷</m:t>
+                          </m:r>
+                        </m:num>
+                        <m:den>
+                          <m:r>
+                            <a:rPr lang="de-DE" sz="2400" b="0" i="1" smtClean="0">
+                              <a:latin typeface="Cambria Math" panose="02040503050406030204" pitchFamily="18" charset="0"/>
+                            </a:rPr>
+                            <m:t>4</m:t>
+                          </m:r>
+                          <m:sSup>
+                            <m:sSupPr>
+                              <m:ctrlPr>
+                                <a:rPr lang="de-DE" sz="2400" b="0" i="1" smtClean="0">
+                                  <a:latin typeface="Cambria Math" panose="02040503050406030204" pitchFamily="18" charset="0"/>
+                                </a:rPr>
+                              </m:ctrlPr>
+                            </m:sSupPr>
+                            <m:e>
+                              <m:r>
+                                <a:rPr lang="de-DE" sz="2400" b="0" i="1" smtClean="0">
+                                  <a:latin typeface="Cambria Math" panose="02040503050406030204" pitchFamily="18" charset="0"/>
+                                </a:rPr>
+                                <m:t>𝜋</m:t>
+                              </m:r>
+                            </m:e>
+                            <m:sup>
+                              <m:r>
+                                <a:rPr lang="de-DE" sz="2400" b="0" i="1" smtClean="0">
+                                  <a:latin typeface="Cambria Math" panose="02040503050406030204" pitchFamily="18" charset="0"/>
+                                </a:rPr>
+                                <m:t>2</m:t>
+                              </m:r>
+                            </m:sup>
+                          </m:sSup>
+                        </m:den>
+                      </m:f>
+                      <m:sSup>
+                        <m:sSupPr>
+                          <m:ctrlPr>
+                            <a:rPr lang="de-DE" sz="2400" b="0" i="1" smtClean="0">
+                              <a:latin typeface="Cambria Math" panose="02040503050406030204" pitchFamily="18" charset="0"/>
+                            </a:rPr>
+                          </m:ctrlPr>
+                        </m:sSupPr>
+                        <m:e>
+                          <m:r>
+                            <a:rPr lang="de-DE" sz="2400" b="0" i="1" smtClean="0">
+                              <a:latin typeface="Cambria Math" panose="02040503050406030204" pitchFamily="18" charset="0"/>
+                            </a:rPr>
+                            <m:t>𝑇</m:t>
+                          </m:r>
+                        </m:e>
+                        <m:sup>
+                          <m:r>
+                            <a:rPr lang="de-DE" sz="2400" b="0" i="1" smtClean="0">
+                              <a:latin typeface="Cambria Math" panose="02040503050406030204" pitchFamily="18" charset="0"/>
+                            </a:rPr>
+                            <m:t>2</m:t>
+                          </m:r>
+                        </m:sup>
+                      </m:sSup>
+                      <m:r>
+                        <a:rPr lang="de-DE" sz="2400" b="0" i="1" smtClean="0">
+                          <a:latin typeface="Cambria Math" panose="02040503050406030204" pitchFamily="18" charset="0"/>
+                        </a:rPr>
+                        <m:t>=</m:t>
+                      </m:r>
+                      <m:sSub>
+                        <m:sSubPr>
+                          <m:ctrlPr>
+                            <a:rPr lang="de-DE" sz="2400" b="0" i="1" smtClean="0">
+                              <a:latin typeface="Cambria Math" panose="02040503050406030204" pitchFamily="18" charset="0"/>
+                            </a:rPr>
+                          </m:ctrlPr>
+                        </m:sSubPr>
+                        <m:e>
+                          <m:r>
+                            <a:rPr lang="de-DE" sz="2400" b="0" i="1" smtClean="0">
+                              <a:latin typeface="Cambria Math" panose="02040503050406030204" pitchFamily="18" charset="0"/>
+                            </a:rPr>
+                            <m:t>𝐽</m:t>
+                          </m:r>
+                        </m:e>
+                        <m:sub>
+                          <m:r>
+                            <a:rPr lang="de-DE" sz="2400" b="0" i="1" smtClean="0">
+                              <a:latin typeface="Cambria Math" panose="02040503050406030204" pitchFamily="18" charset="0"/>
+                            </a:rPr>
+                            <m:t>0</m:t>
+                          </m:r>
+                        </m:sub>
+                      </m:sSub>
+                      <m:r>
+                        <a:rPr lang="de-DE" sz="2400" b="0" i="1" smtClean="0">
+                          <a:latin typeface="Cambria Math" panose="02040503050406030204" pitchFamily="18" charset="0"/>
+                        </a:rPr>
+                        <m:t>+</m:t>
+                      </m:r>
+                      <m:r>
+                        <a:rPr lang="de-DE" sz="2400" b="0" i="1" smtClean="0">
+                          <a:latin typeface="Cambria Math" panose="02040503050406030204" pitchFamily="18" charset="0"/>
+                        </a:rPr>
+                        <m:t>𝑚</m:t>
+                      </m:r>
+                      <m:sSup>
+                        <m:sSupPr>
+                          <m:ctrlPr>
+                            <a:rPr lang="de-DE" sz="2400" b="0" i="1" smtClean="0">
+                              <a:latin typeface="Cambria Math" panose="02040503050406030204" pitchFamily="18" charset="0"/>
+                            </a:rPr>
+                          </m:ctrlPr>
+                        </m:sSupPr>
+                        <m:e>
+                          <m:r>
+                            <a:rPr lang="de-DE" sz="2400" b="0" i="1" smtClean="0">
+                              <a:latin typeface="Cambria Math" panose="02040503050406030204" pitchFamily="18" charset="0"/>
+                            </a:rPr>
+                            <m:t>𝑅</m:t>
+                          </m:r>
+                        </m:e>
+                        <m:sup>
+                          <m:r>
+                            <a:rPr lang="de-DE" sz="2400" b="0" i="1" smtClean="0">
+                              <a:latin typeface="Cambria Math" panose="02040503050406030204" pitchFamily="18" charset="0"/>
+                            </a:rPr>
+                            <m:t>2</m:t>
+                          </m:r>
+                        </m:sup>
+                      </m:sSup>
+                    </m:oMath>
+                  </m:oMathPara>
+                </a14:m>
+                <a:endParaRPr lang="de-DE" sz="2400" dirty="0"/>
+              </a:p>
+            </p:txBody>
+          </p:sp>
+        </mc:Choice>
+        <mc:Fallback>
+          <p:sp>
+            <p:nvSpPr>
+              <p:cNvPr id="5" name="Textfeld 4"/>
+              <p:cNvSpPr txBox="1">
+                <a:spLocks noRot="1" noChangeAspect="1" noMove="1" noResize="1" noEditPoints="1" noAdjustHandles="1" noChangeArrowheads="1" noChangeShapeType="1" noTextEdit="1"/>
+              </p:cNvSpPr>
+              <p:nvPr/>
+            </p:nvSpPr>
+            <p:spPr>
+              <a:xfrm>
+                <a:off x="142062" y="1480613"/>
+                <a:ext cx="5808163" cy="783741"/>
+              </a:xfrm>
+              <a:prstGeom prst="rect">
+                <a:avLst/>
+              </a:prstGeom>
+              <a:blipFill>
+                <a:blip r:embed="rId4"/>
+                <a:stretch>
+                  <a:fillRect/>
+                </a:stretch>
+              </a:blipFill>
+            </p:spPr>
+            <p:txBody>
+              <a:bodyPr/>
+              <a:lstStyle/>
+              <a:p>
+                <a:r>
+                  <a:rPr lang="de-DE">
+                    <a:noFill/>
+                  </a:rPr>
+                  <a:t> </a:t>
+                </a:r>
+              </a:p>
+            </p:txBody>
+          </p:sp>
+        </mc:Fallback>
+      </mc:AlternateContent>
     </p:spTree>
     <p:extLst>
       <p:ext uri="{BB962C8B-B14F-4D97-AF65-F5344CB8AC3E}">
@@ -8357,6 +8629,802 @@
           <a:p>
             <a:r>
               <a:rPr lang="de-DE" dirty="0"/>
+              <a:t>Steinerscher Satz III</a:t>
+            </a:r>
+          </a:p>
+        </p:txBody>
+      </p:sp>
+      <mc:AlternateContent xmlns:mc="http://schemas.openxmlformats.org/markup-compatibility/2006">
+        <mc:Choice xmlns:a14="http://schemas.microsoft.com/office/drawing/2010/main" Requires="a14">
+          <p:graphicFrame>
+            <p:nvGraphicFramePr>
+              <p:cNvPr id="6" name="Inhaltsplatzhalter 5"/>
+              <p:cNvGraphicFramePr>
+                <a:graphicFrameLocks noGrp="1"/>
+              </p:cNvGraphicFramePr>
+              <p:nvPr>
+                <p:ph sz="half" idx="1"/>
+                <p:extLst>
+                  <p:ext uri="{D42A27DB-BD31-4B8C-83A1-F6EECF244321}">
+                    <p14:modId xmlns:p14="http://schemas.microsoft.com/office/powerpoint/2010/main" val="3153587314"/>
+                  </p:ext>
+                </p:extLst>
+              </p:nvPr>
+            </p:nvGraphicFramePr>
+            <p:xfrm>
+              <a:off x="676656" y="3474720"/>
+              <a:ext cx="10677144" cy="2157984"/>
+            </p:xfrm>
+            <a:graphic>
+              <a:graphicData uri="http://schemas.openxmlformats.org/drawingml/2006/table">
+                <a:tbl>
+                  <a:tblPr firstRow="1" bandRow="1">
+                    <a:tableStyleId>{5940675A-B579-460E-94D1-54222C63F5DA}</a:tableStyleId>
+                  </a:tblPr>
+                  <a:tblGrid>
+                    <a:gridCol w="3559048">
+                      <a:extLst>
+                        <a:ext uri="{9D8B030D-6E8A-4147-A177-3AD203B41FA5}">
+                          <a16:colId xmlns:a16="http://schemas.microsoft.com/office/drawing/2014/main" val="1170097362"/>
+                        </a:ext>
+                      </a:extLst>
+                    </a:gridCol>
+                    <a:gridCol w="3559048">
+                      <a:extLst>
+                        <a:ext uri="{9D8B030D-6E8A-4147-A177-3AD203B41FA5}">
+                          <a16:colId xmlns:a16="http://schemas.microsoft.com/office/drawing/2014/main" val="1483166678"/>
+                        </a:ext>
+                      </a:extLst>
+                    </a:gridCol>
+                    <a:gridCol w="3559048">
+                      <a:extLst>
+                        <a:ext uri="{9D8B030D-6E8A-4147-A177-3AD203B41FA5}">
+                          <a16:colId xmlns:a16="http://schemas.microsoft.com/office/drawing/2014/main" val="720839533"/>
+                        </a:ext>
+                      </a:extLst>
+                    </a:gridCol>
+                  </a:tblGrid>
+                  <a:tr h="708202">
+                    <a:tc>
+                      <a:txBody>
+                        <a:bodyPr/>
+                        <a:lstStyle/>
+                        <a:p>
+                          <a:r>
+                            <a:rPr lang="de-DE" sz="2400" dirty="0"/>
+                            <a:t>Feder</a:t>
+                          </a:r>
+                        </a:p>
+                      </a:txBody>
+                      <a:tcPr/>
+                    </a:tc>
+                    <a:tc>
+                      <a:txBody>
+                        <a:bodyPr/>
+                        <a:lstStyle/>
+                        <a:p>
+                          <a14:m>
+                            <m:oMath xmlns:m="http://schemas.openxmlformats.org/officeDocument/2006/math">
+                              <m:sSub>
+                                <m:sSubPr>
+                                  <m:ctrlPr>
+                                    <a:rPr lang="de-DE" sz="2400" b="0" i="1" smtClean="0">
+                                      <a:latin typeface="Cambria Math" panose="02040503050406030204" pitchFamily="18" charset="0"/>
+                                    </a:rPr>
+                                  </m:ctrlPr>
+                                </m:sSubPr>
+                                <m:e>
+                                  <m:r>
+                                    <a:rPr lang="de-DE" sz="2400" b="0" i="1" smtClean="0">
+                                      <a:latin typeface="Cambria Math" panose="02040503050406030204" pitchFamily="18" charset="0"/>
+                                    </a:rPr>
+                                    <m:t>𝑚</m:t>
+                                  </m:r>
+                                </m:e>
+                                <m:sub>
+                                  <m:r>
+                                    <a:rPr lang="de-DE" sz="2400" b="0" i="1" smtClean="0">
+                                      <a:latin typeface="Cambria Math" panose="02040503050406030204" pitchFamily="18" charset="0"/>
+                                    </a:rPr>
+                                    <m:t>𝑆𝑡𝑒𝑖𝑔𝑢𝑛𝑔</m:t>
+                                  </m:r>
+                                </m:sub>
+                              </m:sSub>
+                            </m:oMath>
+                          </a14:m>
+                          <a:r>
+                            <a:rPr lang="de-DE" sz="2400" dirty="0"/>
+                            <a:t>[g]</a:t>
+                          </a:r>
+                        </a:p>
+                      </a:txBody>
+                      <a:tcPr/>
+                    </a:tc>
+                    <a:tc>
+                      <a:txBody>
+                        <a:bodyPr/>
+                        <a:lstStyle/>
+                        <a:p>
+                          <a14:m>
+                            <m:oMath xmlns:m="http://schemas.openxmlformats.org/officeDocument/2006/math">
+                              <m:sSub>
+                                <m:sSubPr>
+                                  <m:ctrlPr>
+                                    <a:rPr lang="de-DE" sz="2400" b="0" i="1" smtClean="0">
+                                      <a:latin typeface="Cambria Math" panose="02040503050406030204" pitchFamily="18" charset="0"/>
+                                    </a:rPr>
+                                  </m:ctrlPr>
+                                </m:sSubPr>
+                                <m:e>
+                                  <m:r>
+                                    <a:rPr lang="de-DE" sz="2400" b="0" i="1" smtClean="0">
+                                      <a:latin typeface="Cambria Math" panose="02040503050406030204" pitchFamily="18" charset="0"/>
+                                    </a:rPr>
+                                    <m:t>𝑚</m:t>
+                                  </m:r>
+                                </m:e>
+                                <m:sub>
+                                  <m:r>
+                                    <a:rPr lang="de-DE" sz="2400" b="0" i="1" smtClean="0">
+                                      <a:latin typeface="Cambria Math" panose="02040503050406030204" pitchFamily="18" charset="0"/>
+                                    </a:rPr>
+                                    <m:t>𝑔𝑒𝑤𝑜𝑔𝑒𝑛</m:t>
+                                  </m:r>
+                                </m:sub>
+                              </m:sSub>
+                            </m:oMath>
+                          </a14:m>
+                          <a:r>
+                            <a:rPr lang="de-DE" sz="2400" dirty="0"/>
+                            <a:t>[g]</a:t>
+                          </a:r>
+                        </a:p>
+                      </a:txBody>
+                      <a:tcPr/>
+                    </a:tc>
+                    <a:extLst>
+                      <a:ext uri="{0D108BD9-81ED-4DB2-BD59-A6C34878D82A}">
+                        <a16:rowId xmlns:a16="http://schemas.microsoft.com/office/drawing/2014/main" val="69780716"/>
+                      </a:ext>
+                    </a:extLst>
+                  </a:tr>
+                  <a:tr h="724891">
+                    <a:tc>
+                      <a:txBody>
+                        <a:bodyPr/>
+                        <a:lstStyle/>
+                        <a:p>
+                          <a:r>
+                            <a:rPr lang="de-DE" sz="2400" dirty="0"/>
+                            <a:t>2</a:t>
+                          </a:r>
+                        </a:p>
+                      </a:txBody>
+                      <a:tcPr/>
+                    </a:tc>
+                    <a:tc>
+                      <a:txBody>
+                        <a:bodyPr/>
+                        <a:lstStyle/>
+                        <a:p>
+                          <a:r>
+                            <a:rPr lang="de-DE" sz="2400" dirty="0"/>
+                            <a:t>113.1</a:t>
+                          </a:r>
+                          <a14:m>
+                            <m:oMath xmlns:m="http://schemas.openxmlformats.org/officeDocument/2006/math">
+                              <m:r>
+                                <a:rPr lang="de-DE" sz="2400" b="0" i="1" smtClean="0">
+                                  <a:latin typeface="Cambria Math" panose="02040503050406030204" pitchFamily="18" charset="0"/>
+                                </a:rPr>
+                                <m:t>±</m:t>
+                              </m:r>
+                            </m:oMath>
+                          </a14:m>
+                          <a:r>
+                            <a:rPr lang="de-DE" sz="2400" dirty="0"/>
+                            <a:t>2.3</a:t>
+                          </a:r>
+                          <a14:m>
+                            <m:oMath xmlns:m="http://schemas.openxmlformats.org/officeDocument/2006/math">
+                              <m:r>
+                                <a:rPr lang="de-DE" sz="2400" b="0" i="1" smtClean="0">
+                                  <a:latin typeface="Cambria Math" panose="02040503050406030204" pitchFamily="18" charset="0"/>
+                                </a:rPr>
+                                <m:t>±</m:t>
+                              </m:r>
+                            </m:oMath>
+                          </a14:m>
+                          <a:r>
+                            <a:rPr lang="de-DE" sz="2400" dirty="0"/>
+                            <a:t>3.3</a:t>
+                          </a:r>
+                        </a:p>
+                      </a:txBody>
+                      <a:tcPr/>
+                    </a:tc>
+                    <a:tc>
+                      <a:txBody>
+                        <a:bodyPr/>
+                        <a:lstStyle/>
+                        <a:p>
+                          <a:r>
+                            <a:rPr lang="de-DE" sz="2400" dirty="0"/>
+                            <a:t>131.6</a:t>
+                          </a:r>
+                          <a14:m>
+                            <m:oMath xmlns:m="http://schemas.openxmlformats.org/officeDocument/2006/math">
+                              <m:r>
+                                <a:rPr lang="de-DE" sz="2400" b="0" i="1" smtClean="0">
+                                  <a:latin typeface="Cambria Math" panose="02040503050406030204" pitchFamily="18" charset="0"/>
+                                </a:rPr>
+                                <m:t>±</m:t>
+                              </m:r>
+                            </m:oMath>
+                          </a14:m>
+                          <a:r>
+                            <a:rPr lang="de-DE" sz="2400" dirty="0"/>
+                            <a:t>0.03</a:t>
+                          </a:r>
+                          <a14:m>
+                            <m:oMath xmlns:m="http://schemas.openxmlformats.org/officeDocument/2006/math">
+                              <m:r>
+                                <a:rPr lang="de-DE" sz="2400" b="0" i="1" smtClean="0">
+                                  <a:latin typeface="Cambria Math" panose="02040503050406030204" pitchFamily="18" charset="0"/>
+                                </a:rPr>
+                                <m:t>±</m:t>
+                              </m:r>
+                            </m:oMath>
+                          </a14:m>
+                          <a:r>
+                            <a:rPr lang="de-DE" sz="2400" dirty="0"/>
+                            <a:t>0.1</a:t>
+                          </a:r>
+                        </a:p>
+                      </a:txBody>
+                      <a:tcPr/>
+                    </a:tc>
+                    <a:extLst>
+                      <a:ext uri="{0D108BD9-81ED-4DB2-BD59-A6C34878D82A}">
+                        <a16:rowId xmlns:a16="http://schemas.microsoft.com/office/drawing/2014/main" val="2530154475"/>
+                      </a:ext>
+                    </a:extLst>
+                  </a:tr>
+                  <a:tr h="724891">
+                    <a:tc>
+                      <a:txBody>
+                        <a:bodyPr/>
+                        <a:lstStyle/>
+                        <a:p>
+                          <a:r>
+                            <a:rPr lang="de-DE" sz="2400" dirty="0"/>
+                            <a:t>3</a:t>
+                          </a:r>
+                        </a:p>
+                      </a:txBody>
+                      <a:tcPr/>
+                    </a:tc>
+                    <a:tc>
+                      <a:txBody>
+                        <a:bodyPr/>
+                        <a:lstStyle/>
+                        <a:p>
+                          <a:r>
+                            <a:rPr lang="de-DE" sz="2400" dirty="0"/>
+                            <a:t>139.1</a:t>
+                          </a:r>
+                          <a14:m>
+                            <m:oMath xmlns:m="http://schemas.openxmlformats.org/officeDocument/2006/math">
+                              <m:r>
+                                <a:rPr lang="de-DE" sz="2400" b="0" i="1" smtClean="0">
+                                  <a:latin typeface="Cambria Math" panose="02040503050406030204" pitchFamily="18" charset="0"/>
+                                </a:rPr>
+                                <m:t>±</m:t>
+                              </m:r>
+                            </m:oMath>
+                          </a14:m>
+                          <a:r>
+                            <a:rPr lang="de-DE" sz="2400" dirty="0"/>
+                            <a:t>0.1</a:t>
+                          </a:r>
+                          <a14:m>
+                            <m:oMath xmlns:m="http://schemas.openxmlformats.org/officeDocument/2006/math">
+                              <m:r>
+                                <a:rPr lang="de-DE" sz="2400" b="0" i="1" smtClean="0">
+                                  <a:latin typeface="Cambria Math" panose="02040503050406030204" pitchFamily="18" charset="0"/>
+                                </a:rPr>
+                                <m:t>±</m:t>
+                              </m:r>
+                              <m:r>
+                                <a:rPr lang="de-DE" sz="2400" b="0" i="0" smtClean="0">
+                                  <a:latin typeface="Cambria Math" panose="02040503050406030204" pitchFamily="18" charset="0"/>
+                                </a:rPr>
+                                <m:t>4.6</m:t>
+                              </m:r>
+                            </m:oMath>
+                          </a14:m>
+                          <a:endParaRPr lang="de-DE" sz="2400" dirty="0"/>
+                        </a:p>
+                      </a:txBody>
+                      <a:tcPr/>
+                    </a:tc>
+                    <a:tc>
+                      <a:txBody>
+                        <a:bodyPr/>
+                        <a:lstStyle/>
+                        <a:p>
+                          <a:r>
+                            <a:rPr lang="de-DE" sz="2400" dirty="0"/>
+                            <a:t>130.5</a:t>
+                          </a:r>
+                          <a14:m>
+                            <m:oMath xmlns:m="http://schemas.openxmlformats.org/officeDocument/2006/math">
+                              <m:r>
+                                <a:rPr lang="de-DE" sz="2400" b="0" i="1" smtClean="0">
+                                  <a:latin typeface="Cambria Math" panose="02040503050406030204" pitchFamily="18" charset="0"/>
+                                </a:rPr>
+                                <m:t>±</m:t>
+                              </m:r>
+                            </m:oMath>
+                          </a14:m>
+                          <a:r>
+                            <a:rPr lang="de-DE" sz="2400" dirty="0"/>
+                            <a:t>0.03</a:t>
+                          </a:r>
+                          <a14:m>
+                            <m:oMath xmlns:m="http://schemas.openxmlformats.org/officeDocument/2006/math">
+                              <m:r>
+                                <a:rPr lang="de-DE" sz="2400" b="0" i="1" smtClean="0">
+                                  <a:latin typeface="Cambria Math" panose="02040503050406030204" pitchFamily="18" charset="0"/>
+                                </a:rPr>
+                                <m:t>±</m:t>
+                              </m:r>
+                            </m:oMath>
+                          </a14:m>
+                          <a:r>
+                            <a:rPr lang="de-DE" sz="2400" dirty="0"/>
+                            <a:t>0.1</a:t>
+                          </a:r>
+                        </a:p>
+                      </a:txBody>
+                      <a:tcPr/>
+                    </a:tc>
+                    <a:extLst>
+                      <a:ext uri="{0D108BD9-81ED-4DB2-BD59-A6C34878D82A}">
+                        <a16:rowId xmlns:a16="http://schemas.microsoft.com/office/drawing/2014/main" val="2369132135"/>
+                      </a:ext>
+                    </a:extLst>
+                  </a:tr>
+                </a:tbl>
+              </a:graphicData>
+            </a:graphic>
+          </p:graphicFrame>
+        </mc:Choice>
+        <mc:Fallback>
+          <p:graphicFrame>
+            <p:nvGraphicFramePr>
+              <p:cNvPr id="6" name="Inhaltsplatzhalter 5"/>
+              <p:cNvGraphicFramePr>
+                <a:graphicFrameLocks noGrp="1"/>
+              </p:cNvGraphicFramePr>
+              <p:nvPr>
+                <p:ph sz="half" idx="1"/>
+                <p:extLst>
+                  <p:ext uri="{D42A27DB-BD31-4B8C-83A1-F6EECF244321}">
+                    <p14:modId xmlns:p14="http://schemas.microsoft.com/office/powerpoint/2010/main" val="3153587314"/>
+                  </p:ext>
+                </p:extLst>
+              </p:nvPr>
+            </p:nvGraphicFramePr>
+            <p:xfrm>
+              <a:off x="676656" y="3474720"/>
+              <a:ext cx="10677144" cy="2157984"/>
+            </p:xfrm>
+            <a:graphic>
+              <a:graphicData uri="http://schemas.openxmlformats.org/drawingml/2006/table">
+                <a:tbl>
+                  <a:tblPr firstRow="1" bandRow="1">
+                    <a:tableStyleId>{5940675A-B579-460E-94D1-54222C63F5DA}</a:tableStyleId>
+                  </a:tblPr>
+                  <a:tblGrid>
+                    <a:gridCol w="3559048">
+                      <a:extLst>
+                        <a:ext uri="{9D8B030D-6E8A-4147-A177-3AD203B41FA5}">
+                          <a16:colId xmlns:a16="http://schemas.microsoft.com/office/drawing/2014/main" val="1170097362"/>
+                        </a:ext>
+                      </a:extLst>
+                    </a:gridCol>
+                    <a:gridCol w="3559048">
+                      <a:extLst>
+                        <a:ext uri="{9D8B030D-6E8A-4147-A177-3AD203B41FA5}">
+                          <a16:colId xmlns:a16="http://schemas.microsoft.com/office/drawing/2014/main" val="1483166678"/>
+                        </a:ext>
+                      </a:extLst>
+                    </a:gridCol>
+                    <a:gridCol w="3559048">
+                      <a:extLst>
+                        <a:ext uri="{9D8B030D-6E8A-4147-A177-3AD203B41FA5}">
+                          <a16:colId xmlns:a16="http://schemas.microsoft.com/office/drawing/2014/main" val="720839533"/>
+                        </a:ext>
+                      </a:extLst>
+                    </a:gridCol>
+                  </a:tblGrid>
+                  <a:tr h="708202">
+                    <a:tc>
+                      <a:txBody>
+                        <a:bodyPr/>
+                        <a:lstStyle/>
+                        <a:p>
+                          <a:r>
+                            <a:rPr lang="de-DE" sz="2400" dirty="0"/>
+                            <a:t>Feder</a:t>
+                          </a:r>
+                        </a:p>
+                      </a:txBody>
+                      <a:tcPr/>
+                    </a:tc>
+                    <a:tc>
+                      <a:txBody>
+                        <a:bodyPr/>
+                        <a:lstStyle/>
+                        <a:p>
+                          <a:endParaRPr lang="de-DE"/>
+                        </a:p>
+                      </a:txBody>
+                      <a:tcPr>
+                        <a:blipFill>
+                          <a:blip r:embed="rId2"/>
+                          <a:stretch>
+                            <a:fillRect l="-100342" t="-6897" r="-100342" b="-207759"/>
+                          </a:stretch>
+                        </a:blipFill>
+                      </a:tcPr>
+                    </a:tc>
+                    <a:tc>
+                      <a:txBody>
+                        <a:bodyPr/>
+                        <a:lstStyle/>
+                        <a:p>
+                          <a:endParaRPr lang="de-DE"/>
+                        </a:p>
+                      </a:txBody>
+                      <a:tcPr>
+                        <a:blipFill>
+                          <a:blip r:embed="rId2"/>
+                          <a:stretch>
+                            <a:fillRect l="-200342" t="-6897" r="-342" b="-207759"/>
+                          </a:stretch>
+                        </a:blipFill>
+                      </a:tcPr>
+                    </a:tc>
+                    <a:extLst>
+                      <a:ext uri="{0D108BD9-81ED-4DB2-BD59-A6C34878D82A}">
+                        <a16:rowId xmlns:a16="http://schemas.microsoft.com/office/drawing/2014/main" val="69780716"/>
+                      </a:ext>
+                    </a:extLst>
+                  </a:tr>
+                  <a:tr h="724891">
+                    <a:tc>
+                      <a:txBody>
+                        <a:bodyPr/>
+                        <a:lstStyle/>
+                        <a:p>
+                          <a:r>
+                            <a:rPr lang="de-DE" sz="2400" dirty="0"/>
+                            <a:t>2</a:t>
+                          </a:r>
+                        </a:p>
+                      </a:txBody>
+                      <a:tcPr/>
+                    </a:tc>
+                    <a:tc>
+                      <a:txBody>
+                        <a:bodyPr/>
+                        <a:lstStyle/>
+                        <a:p>
+                          <a:endParaRPr lang="de-DE"/>
+                        </a:p>
+                      </a:txBody>
+                      <a:tcPr>
+                        <a:blipFill>
+                          <a:blip r:embed="rId2"/>
+                          <a:stretch>
+                            <a:fillRect l="-100342" t="-104202" r="-100342" b="-102521"/>
+                          </a:stretch>
+                        </a:blipFill>
+                      </a:tcPr>
+                    </a:tc>
+                    <a:tc>
+                      <a:txBody>
+                        <a:bodyPr/>
+                        <a:lstStyle/>
+                        <a:p>
+                          <a:endParaRPr lang="de-DE"/>
+                        </a:p>
+                      </a:txBody>
+                      <a:tcPr>
+                        <a:blipFill>
+                          <a:blip r:embed="rId2"/>
+                          <a:stretch>
+                            <a:fillRect l="-200342" t="-104202" r="-342" b="-102521"/>
+                          </a:stretch>
+                        </a:blipFill>
+                      </a:tcPr>
+                    </a:tc>
+                    <a:extLst>
+                      <a:ext uri="{0D108BD9-81ED-4DB2-BD59-A6C34878D82A}">
+                        <a16:rowId xmlns:a16="http://schemas.microsoft.com/office/drawing/2014/main" val="2530154475"/>
+                      </a:ext>
+                    </a:extLst>
+                  </a:tr>
+                  <a:tr h="724891">
+                    <a:tc>
+                      <a:txBody>
+                        <a:bodyPr/>
+                        <a:lstStyle/>
+                        <a:p>
+                          <a:r>
+                            <a:rPr lang="de-DE" sz="2400" dirty="0"/>
+                            <a:t>3</a:t>
+                          </a:r>
+                        </a:p>
+                      </a:txBody>
+                      <a:tcPr/>
+                    </a:tc>
+                    <a:tc>
+                      <a:txBody>
+                        <a:bodyPr/>
+                        <a:lstStyle/>
+                        <a:p>
+                          <a:endParaRPr lang="de-DE"/>
+                        </a:p>
+                      </a:txBody>
+                      <a:tcPr>
+                        <a:blipFill>
+                          <a:blip r:embed="rId2"/>
+                          <a:stretch>
+                            <a:fillRect l="-100342" t="-204202" r="-100342" b="-2521"/>
+                          </a:stretch>
+                        </a:blipFill>
+                      </a:tcPr>
+                    </a:tc>
+                    <a:tc>
+                      <a:txBody>
+                        <a:bodyPr/>
+                        <a:lstStyle/>
+                        <a:p>
+                          <a:endParaRPr lang="de-DE"/>
+                        </a:p>
+                      </a:txBody>
+                      <a:tcPr>
+                        <a:blipFill>
+                          <a:blip r:embed="rId2"/>
+                          <a:stretch>
+                            <a:fillRect l="-200342" t="-204202" r="-342" b="-2521"/>
+                          </a:stretch>
+                        </a:blipFill>
+                      </a:tcPr>
+                    </a:tc>
+                    <a:extLst>
+                      <a:ext uri="{0D108BD9-81ED-4DB2-BD59-A6C34878D82A}">
+                        <a16:rowId xmlns:a16="http://schemas.microsoft.com/office/drawing/2014/main" val="2369132135"/>
+                      </a:ext>
+                    </a:extLst>
+                  </a:tr>
+                </a:tbl>
+              </a:graphicData>
+            </a:graphic>
+          </p:graphicFrame>
+        </mc:Fallback>
+      </mc:AlternateContent>
+      <mc:AlternateContent xmlns:mc="http://schemas.openxmlformats.org/markup-compatibility/2006">
+        <mc:Choice xmlns:a14="http://schemas.microsoft.com/office/drawing/2010/main" Requires="a14">
+          <p:sp>
+            <p:nvSpPr>
+              <p:cNvPr id="4" name="Inhaltsplatzhalter 3"/>
+              <p:cNvSpPr>
+                <a:spLocks noGrp="1"/>
+              </p:cNvSpPr>
+              <p:nvPr>
+                <p:ph sz="half" idx="2"/>
+              </p:nvPr>
+            </p:nvSpPr>
+            <p:spPr>
+              <a:xfrm>
+                <a:off x="676656" y="1443214"/>
+                <a:ext cx="10677144" cy="2031506"/>
+              </a:xfrm>
+            </p:spPr>
+            <p:txBody>
+              <a:bodyPr>
+                <a:normAutofit/>
+              </a:bodyPr>
+              <a:lstStyle/>
+              <a:p>
+                <a:endParaRPr lang="de-DE" sz="3600" b="0" i="1" dirty="0">
+                  <a:latin typeface="Cambria Math" panose="02040503050406030204" pitchFamily="18" charset="0"/>
+                </a:endParaRPr>
+              </a:p>
+              <a:p>
+                <a14:m>
+                  <m:oMath xmlns:m="http://schemas.openxmlformats.org/officeDocument/2006/math">
+                    <m:r>
+                      <a:rPr lang="de-DE" sz="3600" b="0" i="1" smtClean="0">
+                        <a:latin typeface="Cambria Math" panose="02040503050406030204" pitchFamily="18" charset="0"/>
+                      </a:rPr>
+                      <m:t>𝑚</m:t>
+                    </m:r>
+                    <m:r>
+                      <a:rPr lang="de-DE" sz="3600" b="0" i="1" smtClean="0">
+                        <a:latin typeface="Cambria Math" panose="02040503050406030204" pitchFamily="18" charset="0"/>
+                      </a:rPr>
+                      <m:t>=</m:t>
+                    </m:r>
+                    <m:f>
+                      <m:fPr>
+                        <m:ctrlPr>
+                          <a:rPr lang="de-DE" sz="3600" b="0" i="1" smtClean="0">
+                            <a:latin typeface="Cambria Math" panose="02040503050406030204" pitchFamily="18" charset="0"/>
+                          </a:rPr>
+                        </m:ctrlPr>
+                      </m:fPr>
+                      <m:num>
+                        <m:r>
+                          <a:rPr lang="de-DE" sz="3600" i="1">
+                            <a:latin typeface="Cambria Math" panose="02040503050406030204" pitchFamily="18" charset="0"/>
+                          </a:rPr>
+                          <m:t>𝑎𝐷</m:t>
+                        </m:r>
+                      </m:num>
+                      <m:den>
+                        <m:r>
+                          <a:rPr lang="de-DE" sz="3600" b="0" i="1" smtClean="0">
+                            <a:latin typeface="Cambria Math" panose="02040503050406030204" pitchFamily="18" charset="0"/>
+                          </a:rPr>
+                          <m:t>4</m:t>
+                        </m:r>
+                        <m:sSup>
+                          <m:sSupPr>
+                            <m:ctrlPr>
+                              <a:rPr lang="de-DE" sz="3600" b="0" i="1" smtClean="0">
+                                <a:latin typeface="Cambria Math" panose="02040503050406030204" pitchFamily="18" charset="0"/>
+                              </a:rPr>
+                            </m:ctrlPr>
+                          </m:sSupPr>
+                          <m:e>
+                            <m:r>
+                              <a:rPr lang="de-DE" sz="3600" b="0" i="1" smtClean="0">
+                                <a:latin typeface="Cambria Math" panose="02040503050406030204" pitchFamily="18" charset="0"/>
+                              </a:rPr>
+                              <m:t>𝜋</m:t>
+                            </m:r>
+                          </m:e>
+                          <m:sup>
+                            <m:r>
+                              <a:rPr lang="de-DE" sz="3600" b="0" i="1" smtClean="0">
+                                <a:latin typeface="Cambria Math" panose="02040503050406030204" pitchFamily="18" charset="0"/>
+                              </a:rPr>
+                              <m:t>2</m:t>
+                            </m:r>
+                          </m:sup>
+                        </m:sSup>
+                      </m:den>
+                    </m:f>
+                  </m:oMath>
+                </a14:m>
+                <a:endParaRPr lang="de-DE" sz="3600" dirty="0"/>
+              </a:p>
+            </p:txBody>
+          </p:sp>
+        </mc:Choice>
+        <mc:Fallback>
+          <p:sp>
+            <p:nvSpPr>
+              <p:cNvPr id="4" name="Inhaltsplatzhalter 3"/>
+              <p:cNvSpPr>
+                <a:spLocks noGrp="1" noRot="1" noChangeAspect="1" noMove="1" noResize="1" noEditPoints="1" noAdjustHandles="1" noChangeArrowheads="1" noChangeShapeType="1" noTextEdit="1"/>
+              </p:cNvSpPr>
+              <p:nvPr>
+                <p:ph sz="half" idx="2"/>
+              </p:nvPr>
+            </p:nvSpPr>
+            <p:spPr>
+              <a:xfrm>
+                <a:off x="676656" y="1443214"/>
+                <a:ext cx="10677144" cy="2031506"/>
+              </a:xfrm>
+              <a:blipFill>
+                <a:blip r:embed="rId3"/>
+                <a:stretch>
+                  <a:fillRect/>
+                </a:stretch>
+              </a:blipFill>
+            </p:spPr>
+            <p:txBody>
+              <a:bodyPr/>
+              <a:lstStyle/>
+              <a:p>
+                <a:r>
+                  <a:rPr lang="de-DE">
+                    <a:noFill/>
+                  </a:rPr>
+                  <a:t> </a:t>
+                </a:r>
+              </a:p>
+            </p:txBody>
+          </p:sp>
+        </mc:Fallback>
+      </mc:AlternateContent>
+      <p:sp>
+        <p:nvSpPr>
+          <p:cNvPr id="5" name="Foliennummernplatzhalter 4"/>
+          <p:cNvSpPr>
+            <a:spLocks noGrp="1"/>
+          </p:cNvSpPr>
+          <p:nvPr>
+            <p:ph type="sldNum" sz="quarter" idx="12"/>
+          </p:nvPr>
+        </p:nvSpPr>
+        <p:spPr/>
+        <p:txBody>
+          <a:bodyPr/>
+          <a:lstStyle/>
+          <a:p>
+            <a:fld id="{513DBB20-6107-4330-BB35-E3C61089ACF9}" type="slidenum">
+              <a:rPr lang="de-DE" smtClean="0"/>
+              <a:t>17</a:t>
+            </a:fld>
+            <a:endParaRPr lang="de-DE"/>
+          </a:p>
+        </p:txBody>
+      </p:sp>
+    </p:spTree>
+    <p:extLst>
+      <p:ext uri="{BB962C8B-B14F-4D97-AF65-F5344CB8AC3E}">
+        <p14:creationId xmlns:p14="http://schemas.microsoft.com/office/powerpoint/2010/main" val="4279502500"/>
+      </p:ext>
+    </p:extLst>
+  </p:cSld>
+  <p:clrMapOvr>
+    <a:masterClrMapping/>
+  </p:clrMapOvr>
+</p:sld>
+</file>
+
+<file path=ppt/slides/slide18.xml><?xml version="1.0" encoding="utf-8"?>
+<p:sld xmlns:a="http://schemas.openxmlformats.org/drawingml/2006/main" xmlns:r="http://schemas.openxmlformats.org/officeDocument/2006/relationships" xmlns:p="http://schemas.openxmlformats.org/presentationml/2006/main">
+  <p:cSld>
+    <p:spTree>
+      <p:nvGrpSpPr>
+        <p:cNvPr id="1" name=""/>
+        <p:cNvGrpSpPr/>
+        <p:nvPr/>
+      </p:nvGrpSpPr>
+      <p:grpSpPr>
+        <a:xfrm>
+          <a:off x="0" y="0"/>
+          <a:ext cx="0" cy="0"/>
+          <a:chOff x="0" y="0"/>
+          <a:chExt cx="0" cy="0"/>
+        </a:xfrm>
+      </p:grpSpPr>
+      <p:sp>
+        <p:nvSpPr>
+          <p:cNvPr id="2" name="Titel 1"/>
+          <p:cNvSpPr>
+            <a:spLocks noGrp="1"/>
+          </p:cNvSpPr>
+          <p:nvPr>
+            <p:ph type="title"/>
+          </p:nvPr>
+        </p:nvSpPr>
+        <p:spPr/>
+        <p:txBody>
+          <a:bodyPr/>
+          <a:lstStyle/>
+          <a:p>
+            <a:r>
+              <a:rPr lang="de-DE" dirty="0"/>
               <a:t>Fazit</a:t>
             </a:r>
           </a:p>
@@ -8383,21 +9451,27 @@
               <a:p>
                 <a:r>
                   <a:rPr lang="de-DE" sz="3400" dirty="0"/>
-                  <a:t>Direktionsmomente konnten mit Genauigkeit im Promillebereich bestimmt werden</a:t>
+                  <a:t>Direktionsmomente mit Genauigkeit im Promillebereich bestimmt </a:t>
                 </a:r>
               </a:p>
               <a:p>
                 <a:r>
                   <a:rPr lang="de-DE" sz="3400" dirty="0"/>
-                  <a:t>Trägheitsmomente der Zylinder mit relativem Fehler </a:t>
+                  <a:t>Trägheitsmomente der Zylinder mit rel. Fehler </a:t>
                 </a:r>
                 <a14:m>
                   <m:oMath xmlns:m="http://schemas.openxmlformats.org/officeDocument/2006/math">
                     <m:r>
+                      <a:rPr lang="de-DE" sz="3400" i="1" smtClean="0">
+                        <a:latin typeface="Cambria Math" panose="02040503050406030204" pitchFamily="18" charset="0"/>
+                      </a:rPr>
+                      <m:t>≈</m:t>
+                    </m:r>
+                    <m:r>
                       <a:rPr lang="de-DE" sz="3400" b="0" i="1" smtClean="0">
                         <a:latin typeface="Cambria Math" panose="02040503050406030204" pitchFamily="18" charset="0"/>
                       </a:rPr>
-                      <m:t>~1.8%</m:t>
+                      <m:t>1.8%</m:t>
                     </m:r>
                   </m:oMath>
                 </a14:m>
@@ -8439,7 +9513,7 @@
               <a:blipFill>
                 <a:blip r:embed="rId2"/>
                 <a:stretch>
-                  <a:fillRect l="-1449" t="-3081" r="-290" b="-4622"/>
+                  <a:fillRect l="-1449" t="-3081" r="-290"/>
                 </a:stretch>
               </a:blipFill>
             </p:spPr>
@@ -8475,7 +9549,7 @@
           <a:p>
             <a:fld id="{513DBB20-6107-4330-BB35-E3C61089ACF9}" type="slidenum">
               <a:rPr lang="de-DE" smtClean="0"/>
-              <a:t>17</a:t>
+              <a:t>18</a:t>
             </a:fld>
             <a:endParaRPr lang="de-DE"/>
           </a:p>
@@ -9385,8 +10459,8 @@
           </a:p>
         </p:txBody>
       </p:sp>
-      <mc:AlternateContent xmlns:mc="http://schemas.openxmlformats.org/markup-compatibility/2006">
-        <mc:Choice xmlns:a14="http://schemas.microsoft.com/office/drawing/2010/main" Requires="a14">
+      <mc:AlternateContent xmlns:mc="http://schemas.openxmlformats.org/markup-compatibility/2006" xmlns:a14="http://schemas.microsoft.com/office/drawing/2010/main">
+        <mc:Choice Requires="a14">
           <p:graphicFrame>
             <p:nvGraphicFramePr>
               <p:cNvPr id="10" name="Inhaltsplatzhalter 9"/>
@@ -9907,7 +10981,7 @@
             </a:graphic>
           </p:graphicFrame>
         </mc:Choice>
-        <mc:Fallback>
+        <mc:Fallback xmlns="">
           <p:graphicFrame>
             <p:nvGraphicFramePr>
               <p:cNvPr id="10" name="Inhaltsplatzhalter 9"/>
@@ -10785,8 +11859,8 @@
           </p:sp>
         </mc:Fallback>
       </mc:AlternateContent>
-      <mc:AlternateContent xmlns:mc="http://schemas.openxmlformats.org/markup-compatibility/2006">
-        <mc:Choice xmlns:a14="http://schemas.microsoft.com/office/drawing/2010/main" Requires="a14">
+      <mc:AlternateContent xmlns:mc="http://schemas.openxmlformats.org/markup-compatibility/2006" xmlns:a14="http://schemas.microsoft.com/office/drawing/2010/main">
+        <mc:Choice Requires="a14">
           <p:graphicFrame>
             <p:nvGraphicFramePr>
               <p:cNvPr id="6" name="Tabelle 5"/>
@@ -10860,7 +11934,6 @@
                         <a:bodyPr/>
                         <a:lstStyle/>
                         <a:p>
-                          <a:pPr/>
                           <a14:m>
                             <m:oMath xmlns:m="http://schemas.openxmlformats.org/officeDocument/2006/math">
                               <m:sSub>
@@ -11347,7 +12420,7 @@
             </a:graphic>
           </p:graphicFrame>
         </mc:Choice>
-        <mc:Fallback>
+        <mc:Fallback xmlns="">
           <p:graphicFrame>
             <p:nvGraphicFramePr>
               <p:cNvPr id="6" name="Tabelle 5"/>

--- a/Mechanik/Mechanik.pptx
+++ b/Mechanik/Mechanik.pptx
@@ -3306,34 +3306,26 @@
   <p:cSld>
     <p:bg>
       <p:bgPr>
-        <a:gradFill>
+        <a:gradFill flip="none" rotWithShape="1">
           <a:gsLst>
-            <a:gs pos="0">
-              <a:schemeClr val="accent1">
-                <a:lumMod val="5000"/>
-                <a:lumOff val="95000"/>
-              </a:schemeClr>
-            </a:gs>
-            <a:gs pos="74000">
-              <a:schemeClr val="accent1">
-                <a:lumMod val="45000"/>
-                <a:lumOff val="55000"/>
-              </a:schemeClr>
-            </a:gs>
-            <a:gs pos="83000">
-              <a:schemeClr val="accent1">
-                <a:lumMod val="45000"/>
-                <a:lumOff val="55000"/>
+            <a:gs pos="39000">
+              <a:schemeClr val="accent2">
+                <a:lumMod val="0"/>
+                <a:lumOff val="100000"/>
               </a:schemeClr>
             </a:gs>
             <a:gs pos="100000">
-              <a:schemeClr val="accent1">
-                <a:lumMod val="30000"/>
-                <a:lumOff val="70000"/>
+              <a:schemeClr val="accent2">
+                <a:alpha val="52000"/>
+                <a:lumMod val="73000"/>
+                <a:lumOff val="27000"/>
               </a:schemeClr>
             </a:gs>
           </a:gsLst>
-          <a:lin ang="5400000" scaled="1"/>
+          <a:path path="circle">
+            <a:fillToRect l="50000" t="-80000" r="50000" b="180000"/>
+          </a:path>
+          <a:tileRect/>
         </a:gradFill>
         <a:effectLst/>
       </p:bgPr>
@@ -3589,8 +3581,8 @@
           </a:p>
         </p:txBody>
       </p:sp>
-      <mc:AlternateContent xmlns:mc="http://schemas.openxmlformats.org/markup-compatibility/2006">
-        <mc:Choice xmlns:a14="http://schemas.microsoft.com/office/drawing/2010/main" Requires="a14">
+      <mc:AlternateContent xmlns:mc="http://schemas.openxmlformats.org/markup-compatibility/2006" xmlns:a14="http://schemas.microsoft.com/office/drawing/2010/main">
+        <mc:Choice Requires="a14">
           <p:graphicFrame>
             <p:nvGraphicFramePr>
               <p:cNvPr id="4" name="Inhaltsplatzhalter 3"/>
@@ -3762,7 +3754,6 @@
                         <a:bodyPr/>
                         <a:lstStyle/>
                         <a:p>
-                          <a:pPr/>
                           <a14:m>
                             <m:oMath xmlns:m="http://schemas.openxmlformats.org/officeDocument/2006/math">
                               <m:sSub>
@@ -4198,7 +4189,7 @@
             </a:graphic>
           </p:graphicFrame>
         </mc:Choice>
-        <mc:Fallback>
+        <mc:Fallback xmlns="">
           <p:graphicFrame>
             <p:nvGraphicFramePr>
               <p:cNvPr id="4" name="Inhaltsplatzhalter 3"/>
@@ -4934,7 +4925,7 @@
         <p:spPr>
           <a:xfrm>
             <a:off x="6114582" y="1690688"/>
-            <a:ext cx="6077418" cy="4539071"/>
+            <a:ext cx="6077417" cy="4539071"/>
           </a:xfrm>
         </p:spPr>
       </p:pic>
@@ -4958,6 +4949,37 @@
               <a:t>12</a:t>
             </a:fld>
             <a:endParaRPr lang="de-DE"/>
+          </a:p>
+        </p:txBody>
+      </p:sp>
+      <p:sp>
+        <p:nvSpPr>
+          <p:cNvPr id="4" name="Textfeld 3"/>
+          <p:cNvSpPr txBox="1"/>
+          <p:nvPr/>
+        </p:nvSpPr>
+        <p:spPr>
+          <a:xfrm>
+            <a:off x="8498059" y="1886536"/>
+            <a:ext cx="2139287" cy="338554"/>
+          </a:xfrm>
+          <a:prstGeom prst="rect">
+            <a:avLst/>
+          </a:prstGeom>
+          <a:solidFill>
+            <a:schemeClr val="bg1"/>
+          </a:solidFill>
+        </p:spPr>
+        <p:txBody>
+          <a:bodyPr wrap="square" rtlCol="0">
+            <a:spAutoFit/>
+          </a:bodyPr>
+          <a:lstStyle/>
+          <a:p>
+            <a:r>
+              <a:rPr lang="de-DE" sz="1600" dirty="0"/>
+              <a:t>Rohdaten Scheibe</a:t>
+            </a:r>
           </a:p>
         </p:txBody>
       </p:sp>
@@ -8187,8 +8209,8 @@
           </a:p>
         </p:txBody>
       </p:sp>
-      <mc:AlternateContent xmlns:mc="http://schemas.openxmlformats.org/markup-compatibility/2006">
-        <mc:Choice xmlns:a14="http://schemas.microsoft.com/office/drawing/2010/main" Requires="a14">
+      <mc:AlternateContent xmlns:mc="http://schemas.openxmlformats.org/markup-compatibility/2006" xmlns:a14="http://schemas.microsoft.com/office/drawing/2010/main">
+        <mc:Choice Requires="a14">
           <p:sp>
             <p:nvSpPr>
               <p:cNvPr id="5" name="Textfeld 4"/>
@@ -8211,6 +8233,7 @@
               </a:bodyPr>
               <a:lstStyle/>
               <a:p>
+                <a:pPr/>
                 <a14:m>
                   <m:oMathPara xmlns:m="http://schemas.openxmlformats.org/officeDocument/2006/math">
                     <m:oMathParaPr>
@@ -8380,7 +8403,7 @@
             </p:txBody>
           </p:sp>
         </mc:Choice>
-        <mc:Fallback>
+        <mc:Fallback xmlns="">
           <p:sp>
             <p:nvSpPr>
               <p:cNvPr id="5" name="Textfeld 4"/>
@@ -8634,8 +8657,8 @@
           </a:p>
         </p:txBody>
       </p:sp>
-      <mc:AlternateContent xmlns:mc="http://schemas.openxmlformats.org/markup-compatibility/2006">
-        <mc:Choice xmlns:a14="http://schemas.microsoft.com/office/drawing/2010/main" Requires="a14">
+      <mc:AlternateContent xmlns:mc="http://schemas.openxmlformats.org/markup-compatibility/2006" xmlns:a14="http://schemas.microsoft.com/office/drawing/2010/main">
+        <mc:Choice Requires="a14">
           <p:graphicFrame>
             <p:nvGraphicFramePr>
               <p:cNvPr id="6" name="Inhaltsplatzhalter 5"/>
@@ -9000,7 +9023,7 @@
             </a:graphic>
           </p:graphicFrame>
         </mc:Choice>
-        <mc:Fallback>
+        <mc:Fallback xmlns="">
           <p:graphicFrame>
             <p:nvGraphicFramePr>
               <p:cNvPr id="6" name="Inhaltsplatzhalter 5"/>
@@ -9217,8 +9240,8 @@
           </p:graphicFrame>
         </mc:Fallback>
       </mc:AlternateContent>
-      <mc:AlternateContent xmlns:mc="http://schemas.openxmlformats.org/markup-compatibility/2006">
-        <mc:Choice xmlns:a14="http://schemas.microsoft.com/office/drawing/2010/main" Requires="a14">
+      <mc:AlternateContent xmlns:mc="http://schemas.openxmlformats.org/markup-compatibility/2006" xmlns:a14="http://schemas.microsoft.com/office/drawing/2010/main">
+        <mc:Choice Requires="a14">
           <p:sp>
             <p:nvSpPr>
               <p:cNvPr id="4" name="Inhaltsplatzhalter 3"/>
@@ -9317,7 +9340,7 @@
             </p:txBody>
           </p:sp>
         </mc:Choice>
-        <mc:Fallback>
+        <mc:Fallback xmlns="">
           <p:sp>
             <p:nvSpPr>
               <p:cNvPr id="4" name="Inhaltsplatzhalter 3"/>
@@ -9430,8 +9453,8 @@
           </a:p>
         </p:txBody>
       </p:sp>
-      <mc:AlternateContent xmlns:mc="http://schemas.openxmlformats.org/markup-compatibility/2006">
-        <mc:Choice xmlns:a14="http://schemas.microsoft.com/office/drawing/2010/main" Requires="a14">
+      <mc:AlternateContent xmlns:mc="http://schemas.openxmlformats.org/markup-compatibility/2006" xmlns:a14="http://schemas.microsoft.com/office/drawing/2010/main">
+        <mc:Choice Requires="a14">
           <p:sp>
             <p:nvSpPr>
               <p:cNvPr id="5" name="Inhaltsplatzhalter 4"/>
@@ -9498,7 +9521,7 @@
             </p:txBody>
           </p:sp>
         </mc:Choice>
-        <mc:Fallback>
+        <mc:Fallback xmlns="">
           <p:sp>
             <p:nvSpPr>
               <p:cNvPr id="5" name="Inhaltsplatzhalter 4"/>
@@ -10255,38 +10278,20 @@
             <p:ph type="title"/>
           </p:nvPr>
         </p:nvSpPr>
-        <p:spPr/>
+        <p:spPr>
+          <a:xfrm>
+            <a:off x="1256402" y="278938"/>
+            <a:ext cx="10515600" cy="1325563"/>
+          </a:xfrm>
+        </p:spPr>
         <p:txBody>
           <a:bodyPr/>
           <a:lstStyle/>
           <a:p>
             <a:r>
-              <a:rPr lang="de-DE" dirty="0">
-                <a:solidFill>
-                  <a:schemeClr val="bg1"/>
-                </a:solidFill>
-              </a:rPr>
+              <a:rPr lang="de-DE" dirty="0"/>
               <a:t>Aufbau</a:t>
             </a:r>
-          </a:p>
-        </p:txBody>
-      </p:sp>
-      <p:sp>
-        <p:nvSpPr>
-          <p:cNvPr id="3" name="Inhaltsplatzhalter 2"/>
-          <p:cNvSpPr>
-            <a:spLocks noGrp="1"/>
-          </p:cNvSpPr>
-          <p:nvPr>
-            <p:ph idx="1"/>
-          </p:nvPr>
-        </p:nvSpPr>
-        <p:spPr/>
-        <p:txBody>
-          <a:bodyPr/>
-          <a:lstStyle/>
-          <a:p>
-            <a:endParaRPr lang="de-DE" dirty="0"/>
           </a:p>
         </p:txBody>
       </p:sp>
@@ -10306,10 +10311,421 @@
           <a:lstStyle/>
           <a:p>
             <a:fld id="{513DBB20-6107-4330-BB35-E3C61089ACF9}" type="slidenum">
-              <a:rPr lang="de-DE" smtClean="0"/>
+              <a:rPr lang="de-DE" smtClean="0">
+                <a:solidFill>
+                  <a:schemeClr val="tx1"/>
+                </a:solidFill>
+              </a:rPr>
               <a:t>4</a:t>
             </a:fld>
-            <a:endParaRPr lang="de-DE"/>
+            <a:endParaRPr lang="de-DE">
+              <a:solidFill>
+                <a:schemeClr val="tx1"/>
+              </a:solidFill>
+            </a:endParaRPr>
+          </a:p>
+        </p:txBody>
+      </p:sp>
+      <p:sp>
+        <p:nvSpPr>
+          <p:cNvPr id="5" name="Textfeld 4"/>
+          <p:cNvSpPr txBox="1"/>
+          <p:nvPr/>
+        </p:nvSpPr>
+        <p:spPr>
+          <a:xfrm>
+            <a:off x="6991642" y="1165832"/>
+            <a:ext cx="1541256" cy="461665"/>
+          </a:xfrm>
+          <a:prstGeom prst="rect">
+            <a:avLst/>
+          </a:prstGeom>
+          <a:noFill/>
+        </p:spPr>
+        <p:txBody>
+          <a:bodyPr wrap="none" rtlCol="0">
+            <a:spAutoFit/>
+          </a:bodyPr>
+          <a:lstStyle/>
+          <a:p>
+            <a:r>
+              <a:rPr lang="de-DE" sz="2400" dirty="0"/>
+              <a:t>Spiralfeder</a:t>
+            </a:r>
+          </a:p>
+        </p:txBody>
+      </p:sp>
+      <p:sp>
+        <p:nvSpPr>
+          <p:cNvPr id="6" name="Textfeld 5"/>
+          <p:cNvSpPr txBox="1"/>
+          <p:nvPr/>
+        </p:nvSpPr>
+        <p:spPr>
+          <a:xfrm>
+            <a:off x="7371470" y="2500725"/>
+            <a:ext cx="1946046" cy="461665"/>
+          </a:xfrm>
+          <a:prstGeom prst="rect">
+            <a:avLst/>
+          </a:prstGeom>
+          <a:noFill/>
+        </p:spPr>
+        <p:txBody>
+          <a:bodyPr wrap="none" rtlCol="0">
+            <a:spAutoFit/>
+          </a:bodyPr>
+          <a:lstStyle/>
+          <a:p>
+            <a:r>
+              <a:rPr lang="de-DE" sz="2400" dirty="0"/>
+              <a:t>Winkelmesser</a:t>
+            </a:r>
+          </a:p>
+        </p:txBody>
+      </p:sp>
+      <p:sp>
+        <p:nvSpPr>
+          <p:cNvPr id="7" name="Textfeld 6"/>
+          <p:cNvSpPr txBox="1"/>
+          <p:nvPr/>
+        </p:nvSpPr>
+        <p:spPr>
+          <a:xfrm>
+            <a:off x="5923879" y="1858218"/>
+            <a:ext cx="1720151" cy="461665"/>
+          </a:xfrm>
+          <a:prstGeom prst="rect">
+            <a:avLst/>
+          </a:prstGeom>
+          <a:noFill/>
+        </p:spPr>
+        <p:txBody>
+          <a:bodyPr wrap="none" rtlCol="0">
+            <a:spAutoFit/>
+          </a:bodyPr>
+          <a:lstStyle/>
+          <a:p>
+            <a:r>
+              <a:rPr lang="de-DE" sz="2400" dirty="0"/>
+              <a:t>      Magnete</a:t>
+            </a:r>
+          </a:p>
+        </p:txBody>
+      </p:sp>
+      <p:cxnSp>
+        <p:nvCxnSpPr>
+          <p:cNvPr id="9" name="Gerader Verbinder 8"/>
+          <p:cNvCxnSpPr>
+            <a:cxnSpLocks/>
+          </p:cNvCxnSpPr>
+          <p:nvPr/>
+        </p:nvCxnSpPr>
+        <p:spPr>
+          <a:xfrm flipV="1">
+            <a:off x="5992837" y="2018824"/>
+            <a:ext cx="359233" cy="3462"/>
+          </a:xfrm>
+          <a:prstGeom prst="line">
+            <a:avLst/>
+          </a:prstGeom>
+          <a:ln>
+            <a:solidFill>
+              <a:schemeClr val="tx1"/>
+            </a:solidFill>
+          </a:ln>
+        </p:spPr>
+        <p:style>
+          <a:lnRef idx="1">
+            <a:schemeClr val="accent1"/>
+          </a:lnRef>
+          <a:fillRef idx="0">
+            <a:schemeClr val="accent1"/>
+          </a:fillRef>
+          <a:effectRef idx="0">
+            <a:schemeClr val="accent1"/>
+          </a:effectRef>
+          <a:fontRef idx="minor">
+            <a:schemeClr val="tx1"/>
+          </a:fontRef>
+        </p:style>
+      </p:cxnSp>
+      <p:cxnSp>
+        <p:nvCxnSpPr>
+          <p:cNvPr id="15" name="Gerader Verbinder 14"/>
+          <p:cNvCxnSpPr>
+            <a:cxnSpLocks/>
+          </p:cNvCxnSpPr>
+          <p:nvPr/>
+        </p:nvCxnSpPr>
+        <p:spPr>
+          <a:xfrm flipH="1">
+            <a:off x="5809957" y="2158553"/>
+            <a:ext cx="542113" cy="145197"/>
+          </a:xfrm>
+          <a:prstGeom prst="line">
+            <a:avLst/>
+          </a:prstGeom>
+          <a:ln>
+            <a:solidFill>
+              <a:schemeClr val="tx1"/>
+            </a:solidFill>
+          </a:ln>
+        </p:spPr>
+        <p:style>
+          <a:lnRef idx="1">
+            <a:schemeClr val="accent1"/>
+          </a:lnRef>
+          <a:fillRef idx="0">
+            <a:schemeClr val="accent1"/>
+          </a:fillRef>
+          <a:effectRef idx="0">
+            <a:schemeClr val="accent1"/>
+          </a:effectRef>
+          <a:fontRef idx="minor">
+            <a:schemeClr val="tx1"/>
+          </a:fontRef>
+        </p:style>
+      </p:cxnSp>
+      <p:cxnSp>
+        <p:nvCxnSpPr>
+          <p:cNvPr id="18" name="Gerader Verbinder 17"/>
+          <p:cNvCxnSpPr>
+            <a:cxnSpLocks/>
+          </p:cNvCxnSpPr>
+          <p:nvPr/>
+        </p:nvCxnSpPr>
+        <p:spPr>
+          <a:xfrm flipH="1" flipV="1">
+            <a:off x="5387927" y="2100218"/>
+            <a:ext cx="422030" cy="203532"/>
+          </a:xfrm>
+          <a:prstGeom prst="line">
+            <a:avLst/>
+          </a:prstGeom>
+          <a:ln>
+            <a:solidFill>
+              <a:schemeClr val="tx1"/>
+            </a:solidFill>
+          </a:ln>
+        </p:spPr>
+        <p:style>
+          <a:lnRef idx="1">
+            <a:schemeClr val="accent1"/>
+          </a:lnRef>
+          <a:fillRef idx="0">
+            <a:schemeClr val="accent1"/>
+          </a:fillRef>
+          <a:effectRef idx="0">
+            <a:schemeClr val="accent1"/>
+          </a:effectRef>
+          <a:fontRef idx="minor">
+            <a:schemeClr val="tx1"/>
+          </a:fontRef>
+        </p:style>
+      </p:cxnSp>
+      <p:cxnSp>
+        <p:nvCxnSpPr>
+          <p:cNvPr id="24" name="Gerader Verbinder 23"/>
+          <p:cNvCxnSpPr/>
+          <p:nvPr/>
+        </p:nvCxnSpPr>
+        <p:spPr>
+          <a:xfrm>
+            <a:off x="6050830" y="1392702"/>
+            <a:ext cx="926745" cy="0"/>
+          </a:xfrm>
+          <a:prstGeom prst="line">
+            <a:avLst/>
+          </a:prstGeom>
+          <a:ln>
+            <a:solidFill>
+              <a:schemeClr val="tx1"/>
+            </a:solidFill>
+          </a:ln>
+        </p:spPr>
+        <p:style>
+          <a:lnRef idx="1">
+            <a:schemeClr val="accent1"/>
+          </a:lnRef>
+          <a:fillRef idx="0">
+            <a:schemeClr val="accent1"/>
+          </a:fillRef>
+          <a:effectRef idx="0">
+            <a:schemeClr val="accent1"/>
+          </a:effectRef>
+          <a:fontRef idx="minor">
+            <a:schemeClr val="tx1"/>
+          </a:fontRef>
+        </p:style>
+      </p:cxnSp>
+      <p:cxnSp>
+        <p:nvCxnSpPr>
+          <p:cNvPr id="26" name="Gerader Verbinder 25"/>
+          <p:cNvCxnSpPr>
+            <a:cxnSpLocks/>
+            <a:endCxn id="6" idx="1"/>
+          </p:cNvCxnSpPr>
+          <p:nvPr/>
+        </p:nvCxnSpPr>
+        <p:spPr>
+          <a:xfrm flipV="1">
+            <a:off x="5683348" y="2731558"/>
+            <a:ext cx="1688122" cy="484549"/>
+          </a:xfrm>
+          <a:prstGeom prst="line">
+            <a:avLst/>
+          </a:prstGeom>
+          <a:ln>
+            <a:solidFill>
+              <a:schemeClr val="tx1"/>
+            </a:solidFill>
+          </a:ln>
+        </p:spPr>
+        <p:style>
+          <a:lnRef idx="1">
+            <a:schemeClr val="accent1"/>
+          </a:lnRef>
+          <a:fillRef idx="0">
+            <a:schemeClr val="accent1"/>
+          </a:fillRef>
+          <a:effectRef idx="0">
+            <a:schemeClr val="accent1"/>
+          </a:effectRef>
+          <a:fontRef idx="minor">
+            <a:schemeClr val="tx1"/>
+          </a:fontRef>
+        </p:style>
+      </p:cxnSp>
+      <p:cxnSp>
+        <p:nvCxnSpPr>
+          <p:cNvPr id="28" name="Gerader Verbinder 27"/>
+          <p:cNvCxnSpPr>
+            <a:cxnSpLocks/>
+          </p:cNvCxnSpPr>
+          <p:nvPr/>
+        </p:nvCxnSpPr>
+        <p:spPr>
+          <a:xfrm flipV="1">
+            <a:off x="5683348" y="858133"/>
+            <a:ext cx="1181686" cy="250651"/>
+          </a:xfrm>
+          <a:prstGeom prst="line">
+            <a:avLst/>
+          </a:prstGeom>
+          <a:ln>
+            <a:solidFill>
+              <a:schemeClr val="tx1"/>
+            </a:solidFill>
+          </a:ln>
+        </p:spPr>
+        <p:style>
+          <a:lnRef idx="1">
+            <a:schemeClr val="accent1"/>
+          </a:lnRef>
+          <a:fillRef idx="0">
+            <a:schemeClr val="accent1"/>
+          </a:fillRef>
+          <a:effectRef idx="0">
+            <a:schemeClr val="accent1"/>
+          </a:effectRef>
+          <a:fontRef idx="minor">
+            <a:schemeClr val="tx1"/>
+          </a:fontRef>
+        </p:style>
+      </p:cxnSp>
+      <p:sp>
+        <p:nvSpPr>
+          <p:cNvPr id="29" name="Textfeld 28"/>
+          <p:cNvSpPr txBox="1"/>
+          <p:nvPr/>
+        </p:nvSpPr>
+        <p:spPr>
+          <a:xfrm>
+            <a:off x="6808763" y="618477"/>
+            <a:ext cx="2982163" cy="461665"/>
+          </a:xfrm>
+          <a:prstGeom prst="rect">
+            <a:avLst/>
+          </a:prstGeom>
+          <a:noFill/>
+        </p:spPr>
+        <p:txBody>
+          <a:bodyPr wrap="none" rtlCol="0">
+            <a:spAutoFit/>
+          </a:bodyPr>
+          <a:lstStyle/>
+          <a:p>
+            <a:r>
+              <a:rPr lang="de-DE" sz="2400" dirty="0"/>
+              <a:t>Drehachse mit Aufsatz</a:t>
+            </a:r>
+          </a:p>
+        </p:txBody>
+      </p:sp>
+      <p:cxnSp>
+        <p:nvCxnSpPr>
+          <p:cNvPr id="39" name="Gerader Verbinder 38"/>
+          <p:cNvCxnSpPr>
+            <a:cxnSpLocks/>
+          </p:cNvCxnSpPr>
+          <p:nvPr/>
+        </p:nvCxnSpPr>
+        <p:spPr>
+          <a:xfrm flipH="1" flipV="1">
+            <a:off x="4290646" y="2319884"/>
+            <a:ext cx="1308296" cy="1647205"/>
+          </a:xfrm>
+          <a:prstGeom prst="line">
+            <a:avLst/>
+          </a:prstGeom>
+          <a:ln>
+            <a:solidFill>
+              <a:schemeClr val="tx1"/>
+            </a:solidFill>
+          </a:ln>
+        </p:spPr>
+        <p:style>
+          <a:lnRef idx="1">
+            <a:schemeClr val="accent1"/>
+          </a:lnRef>
+          <a:fillRef idx="0">
+            <a:schemeClr val="accent1"/>
+          </a:fillRef>
+          <a:effectRef idx="0">
+            <a:schemeClr val="accent1"/>
+          </a:effectRef>
+          <a:fontRef idx="minor">
+            <a:schemeClr val="tx1"/>
+          </a:fontRef>
+        </p:style>
+      </p:cxnSp>
+      <p:sp>
+        <p:nvSpPr>
+          <p:cNvPr id="41" name="Textfeld 40"/>
+          <p:cNvSpPr txBox="1"/>
+          <p:nvPr/>
+        </p:nvSpPr>
+        <p:spPr>
+          <a:xfrm>
+            <a:off x="3408930" y="2039060"/>
+            <a:ext cx="881716" cy="461665"/>
+          </a:xfrm>
+          <a:prstGeom prst="rect">
+            <a:avLst/>
+          </a:prstGeom>
+          <a:noFill/>
+        </p:spPr>
+        <p:txBody>
+          <a:bodyPr wrap="none" rtlCol="0">
+            <a:spAutoFit/>
+          </a:bodyPr>
+          <a:lstStyle/>
+          <a:p>
+            <a:r>
+              <a:rPr lang="de-DE" sz="2400" dirty="0"/>
+              <a:t>Stativ</a:t>
+            </a:r>
           </a:p>
         </p:txBody>
       </p:sp>

--- a/Mechanik/Mechanik.pptx
+++ b/Mechanik/Mechanik.pptx
@@ -3308,18 +3308,14 @@
       <p:bgPr>
         <a:gradFill flip="none" rotWithShape="1">
           <a:gsLst>
-            <a:gs pos="39000">
-              <a:schemeClr val="accent2">
-                <a:lumMod val="0"/>
-                <a:lumOff val="100000"/>
+            <a:gs pos="30000">
+              <a:schemeClr val="accent6">
+                <a:lumMod val="20000"/>
+                <a:lumOff val="80000"/>
               </a:schemeClr>
             </a:gs>
             <a:gs pos="100000">
-              <a:schemeClr val="accent2">
-                <a:alpha val="52000"/>
-                <a:lumMod val="73000"/>
-                <a:lumOff val="27000"/>
-              </a:schemeClr>
+              <a:schemeClr val="accent6"/>
             </a:gs>
           </a:gsLst>
           <a:path path="circle">
@@ -8657,8 +8653,8 @@
           </a:p>
         </p:txBody>
       </p:sp>
-      <mc:AlternateContent xmlns:mc="http://schemas.openxmlformats.org/markup-compatibility/2006" xmlns:a14="http://schemas.microsoft.com/office/drawing/2010/main">
-        <mc:Choice Requires="a14">
+      <mc:AlternateContent xmlns:mc="http://schemas.openxmlformats.org/markup-compatibility/2006">
+        <mc:Choice xmlns:a14="http://schemas.microsoft.com/office/drawing/2010/main" Requires="a14">
           <p:graphicFrame>
             <p:nvGraphicFramePr>
               <p:cNvPr id="6" name="Inhaltsplatzhalter 5"/>
@@ -8669,7 +8665,7 @@
                 <p:ph sz="half" idx="1"/>
                 <p:extLst>
                   <p:ext uri="{D42A27DB-BD31-4B8C-83A1-F6EECF244321}">
-                    <p14:modId xmlns:p14="http://schemas.microsoft.com/office/powerpoint/2010/main" val="3153587314"/>
+                    <p14:modId xmlns:p14="http://schemas.microsoft.com/office/powerpoint/2010/main" val="1108448974"/>
                   </p:ext>
                 </p:extLst>
               </p:nvPr>
@@ -8873,7 +8869,7 @@
                         <a:p>
                           <a:r>
                             <a:rPr lang="de-DE" sz="2400" dirty="0"/>
-                            <a:t>131.6</a:t>
+                            <a:t>131.60</a:t>
                           </a:r>
                           <a14:m>
                             <m:oMath xmlns:m="http://schemas.openxmlformats.org/officeDocument/2006/math">
@@ -8901,7 +8897,7 @@
                           </a14:m>
                           <a:r>
                             <a:rPr lang="de-DE" sz="2400" dirty="0"/>
-                            <a:t>0.1</a:t>
+                            <a:t>0.10</a:t>
                           </a:r>
                         </a:p>
                       </a:txBody>
@@ -8978,7 +8974,7 @@
                         <a:p>
                           <a:r>
                             <a:rPr lang="de-DE" sz="2400" dirty="0"/>
-                            <a:t>130.5</a:t>
+                            <a:t>130.50</a:t>
                           </a:r>
                           <a14:m>
                             <m:oMath xmlns:m="http://schemas.openxmlformats.org/officeDocument/2006/math">
@@ -9006,7 +9002,7 @@
                           </a14:m>
                           <a:r>
                             <a:rPr lang="de-DE" sz="2400" dirty="0"/>
-                            <a:t>0.1</a:t>
+                            <a:t>0.10</a:t>
                           </a:r>
                         </a:p>
                       </a:txBody>
@@ -9023,7 +9019,7 @@
             </a:graphic>
           </p:graphicFrame>
         </mc:Choice>
-        <mc:Fallback xmlns="">
+        <mc:Fallback>
           <p:graphicFrame>
             <p:nvGraphicFramePr>
               <p:cNvPr id="6" name="Inhaltsplatzhalter 5"/>
@@ -9034,7 +9030,7 @@
                 <p:ph sz="half" idx="1"/>
                 <p:extLst>
                   <p:ext uri="{D42A27DB-BD31-4B8C-83A1-F6EECF244321}">
-                    <p14:modId xmlns:p14="http://schemas.microsoft.com/office/powerpoint/2010/main" val="3153587314"/>
+                    <p14:modId xmlns:p14="http://schemas.microsoft.com/office/powerpoint/2010/main" val="1108448974"/>
                   </p:ext>
                 </p:extLst>
               </p:nvPr>
@@ -10364,7 +10360,7 @@
         <p:spPr>
           <a:xfrm>
             <a:off x="7371470" y="2500725"/>
-            <a:ext cx="1946046" cy="461665"/>
+            <a:ext cx="1425390" cy="461665"/>
           </a:xfrm>
           <a:prstGeom prst="rect">
             <a:avLst/>
@@ -10379,7 +10375,7 @@
           <a:p>
             <a:r>
               <a:rPr lang="de-DE" sz="2400" dirty="0"/>
-              <a:t>Winkelmesser</a:t>
+              <a:t>Hallsonde</a:t>
             </a:r>
           </a:p>
         </p:txBody>
@@ -10401,7 +10397,7 @@
           <a:noFill/>
         </p:spPr>
         <p:txBody>
-          <a:bodyPr wrap="none" rtlCol="0">
+          <a:bodyPr wrap="square" rtlCol="0">
             <a:spAutoFit/>
           </a:bodyPr>
           <a:lstStyle/>
@@ -10569,9 +10565,9 @@
           <p:nvPr/>
         </p:nvCxnSpPr>
         <p:spPr>
-          <a:xfrm flipV="1">
-            <a:off x="5683348" y="2731558"/>
-            <a:ext cx="1688122" cy="484549"/>
+          <a:xfrm>
+            <a:off x="5641145" y="2069542"/>
+            <a:ext cx="1730325" cy="662016"/>
           </a:xfrm>
           <a:prstGeom prst="line">
             <a:avLst/>
@@ -11899,34 +11895,6 @@
           </a:p>
         </p:txBody>
       </p:sp>
-      <p:sp>
-        <p:nvSpPr>
-          <p:cNvPr id="4" name="Textplatzhalter 3"/>
-          <p:cNvSpPr>
-            <a:spLocks noGrp="1"/>
-          </p:cNvSpPr>
-          <p:nvPr>
-            <p:ph type="body" idx="1"/>
-          </p:nvPr>
-        </p:nvSpPr>
-        <p:spPr>
-          <a:xfrm>
-            <a:off x="839788" y="1681163"/>
-            <a:ext cx="5157787" cy="425933"/>
-          </a:xfrm>
-        </p:spPr>
-        <p:txBody>
-          <a:bodyPr/>
-          <a:lstStyle/>
-          <a:p>
-            <a:pPr algn="ctr"/>
-            <a:r>
-              <a:rPr lang="de-DE" dirty="0"/>
-              <a:t>Feder 2</a:t>
-            </a:r>
-          </a:p>
-        </p:txBody>
-      </p:sp>
       <p:pic>
         <p:nvPicPr>
           <p:cNvPr id="6" name="Inhaltsplatzhalter 5"/>
@@ -11951,39 +11919,11 @@
         </p:blipFill>
         <p:spPr>
           <a:xfrm>
-            <a:off x="481303" y="2107095"/>
+            <a:off x="410965" y="2421409"/>
             <a:ext cx="5383751" cy="4300066"/>
           </a:xfrm>
         </p:spPr>
       </p:pic>
-      <p:sp>
-        <p:nvSpPr>
-          <p:cNvPr id="5" name="Textplatzhalter 4"/>
-          <p:cNvSpPr>
-            <a:spLocks noGrp="1"/>
-          </p:cNvSpPr>
-          <p:nvPr>
-            <p:ph type="body" sz="quarter" idx="3"/>
-          </p:nvPr>
-        </p:nvSpPr>
-        <p:spPr>
-          <a:xfrm>
-            <a:off x="5997575" y="1690688"/>
-            <a:ext cx="5183188" cy="425933"/>
-          </a:xfrm>
-        </p:spPr>
-        <p:txBody>
-          <a:bodyPr/>
-          <a:lstStyle/>
-          <a:p>
-            <a:pPr algn="ctr"/>
-            <a:r>
-              <a:rPr lang="de-DE" dirty="0"/>
-              <a:t>Feder 3</a:t>
-            </a:r>
-          </a:p>
-        </p:txBody>
-      </p:sp>
       <p:pic>
         <p:nvPicPr>
           <p:cNvPr id="8" name="Inhaltsplatzhalter 7"/>
@@ -12008,7 +11948,7 @@
         </p:blipFill>
         <p:spPr>
           <a:xfrm>
-            <a:off x="6219551" y="2107095"/>
+            <a:off x="6219551" y="2421409"/>
             <a:ext cx="5972449" cy="4300066"/>
           </a:xfrm>
         </p:spPr>
@@ -12036,6 +11976,276 @@
           </a:p>
         </p:txBody>
       </p:sp>
+      <p:sp>
+        <p:nvSpPr>
+          <p:cNvPr id="4" name="Textplatzhalter 3"/>
+          <p:cNvSpPr>
+            <a:spLocks noGrp="1"/>
+          </p:cNvSpPr>
+          <p:nvPr>
+            <p:ph type="body" idx="1"/>
+          </p:nvPr>
+        </p:nvSpPr>
+        <p:spPr>
+          <a:xfrm>
+            <a:off x="636929" y="2421409"/>
+            <a:ext cx="5157787" cy="425933"/>
+          </a:xfrm>
+        </p:spPr>
+        <p:txBody>
+          <a:bodyPr/>
+          <a:lstStyle/>
+          <a:p>
+            <a:pPr algn="ctr"/>
+            <a:r>
+              <a:rPr lang="de-DE" dirty="0"/>
+              <a:t>Feder 2</a:t>
+            </a:r>
+          </a:p>
+        </p:txBody>
+      </p:sp>
+      <p:sp>
+        <p:nvSpPr>
+          <p:cNvPr id="5" name="Textplatzhalter 4"/>
+          <p:cNvSpPr>
+            <a:spLocks noGrp="1"/>
+          </p:cNvSpPr>
+          <p:nvPr>
+            <p:ph type="body" sz="quarter" idx="3"/>
+          </p:nvPr>
+        </p:nvSpPr>
+        <p:spPr>
+          <a:xfrm>
+            <a:off x="6614181" y="2421408"/>
+            <a:ext cx="5183188" cy="425933"/>
+          </a:xfrm>
+        </p:spPr>
+        <p:txBody>
+          <a:bodyPr/>
+          <a:lstStyle/>
+          <a:p>
+            <a:pPr algn="ctr"/>
+            <a:r>
+              <a:rPr lang="de-DE" dirty="0"/>
+              <a:t>Feder 3</a:t>
+            </a:r>
+          </a:p>
+        </p:txBody>
+      </p:sp>
+      <mc:AlternateContent xmlns:mc="http://schemas.openxmlformats.org/markup-compatibility/2006">
+        <mc:Choice xmlns:a14="http://schemas.microsoft.com/office/drawing/2010/main" Requires="a14">
+          <p:sp>
+            <p:nvSpPr>
+              <p:cNvPr id="9" name="Textfeld 8"/>
+              <p:cNvSpPr txBox="1"/>
+              <p:nvPr/>
+            </p:nvSpPr>
+            <p:spPr>
+              <a:xfrm>
+                <a:off x="3635742" y="1606566"/>
+                <a:ext cx="4923692" cy="898964"/>
+              </a:xfrm>
+              <a:prstGeom prst="rect">
+                <a:avLst/>
+              </a:prstGeom>
+              <a:noFill/>
+            </p:spPr>
+            <p:txBody>
+              <a:bodyPr wrap="square" rtlCol="0">
+                <a:spAutoFit/>
+              </a:bodyPr>
+              <a:lstStyle/>
+              <a:p>
+                <a14:m>
+                  <m:oMathPara xmlns:m="http://schemas.openxmlformats.org/officeDocument/2006/math">
+                    <m:oMathParaPr>
+                      <m:jc m:val="centerGroup"/>
+                    </m:oMathParaPr>
+                    <m:oMath xmlns:m="http://schemas.openxmlformats.org/officeDocument/2006/math">
+                      <m:sSup>
+                        <m:sSupPr>
+                          <m:ctrlPr>
+                            <a:rPr lang="de-DE" sz="2800" b="0" i="1" smtClean="0">
+                              <a:latin typeface="Cambria Math" panose="02040503050406030204" pitchFamily="18" charset="0"/>
+                            </a:rPr>
+                          </m:ctrlPr>
+                        </m:sSupPr>
+                        <m:e>
+                          <m:r>
+                            <a:rPr lang="de-DE" sz="2800" b="0" i="1" smtClean="0">
+                              <a:latin typeface="Cambria Math" panose="02040503050406030204" pitchFamily="18" charset="0"/>
+                            </a:rPr>
+                            <m:t>𝑇</m:t>
+                          </m:r>
+                        </m:e>
+                        <m:sup>
+                          <m:r>
+                            <a:rPr lang="de-DE" sz="2800" b="0" i="1" smtClean="0">
+                              <a:latin typeface="Cambria Math" panose="02040503050406030204" pitchFamily="18" charset="0"/>
+                            </a:rPr>
+                            <m:t>2</m:t>
+                          </m:r>
+                        </m:sup>
+                      </m:sSup>
+                      <m:r>
+                        <a:rPr lang="de-DE" sz="2800" b="0" i="1" smtClean="0">
+                          <a:latin typeface="Cambria Math" panose="02040503050406030204" pitchFamily="18" charset="0"/>
+                        </a:rPr>
+                        <m:t>=</m:t>
+                      </m:r>
+                      <m:f>
+                        <m:fPr>
+                          <m:ctrlPr>
+                            <a:rPr lang="de-DE" sz="2800" b="0" i="1" smtClean="0">
+                              <a:latin typeface="Cambria Math" panose="02040503050406030204" pitchFamily="18" charset="0"/>
+                            </a:rPr>
+                          </m:ctrlPr>
+                        </m:fPr>
+                        <m:num>
+                          <m:r>
+                            <a:rPr lang="de-DE" sz="2800" b="0" i="1" smtClean="0">
+                              <a:latin typeface="Cambria Math" panose="02040503050406030204" pitchFamily="18" charset="0"/>
+                            </a:rPr>
+                            <m:t>𝐷</m:t>
+                          </m:r>
+                          <m:sSub>
+                            <m:sSubPr>
+                              <m:ctrlPr>
+                                <a:rPr lang="de-DE" sz="2800" b="0" i="1" smtClean="0">
+                                  <a:latin typeface="Cambria Math" panose="02040503050406030204" pitchFamily="18" charset="0"/>
+                                </a:rPr>
+                              </m:ctrlPr>
+                            </m:sSubPr>
+                            <m:e>
+                              <m:r>
+                                <a:rPr lang="de-DE" sz="2800" b="0" i="1" smtClean="0">
+                                  <a:latin typeface="Cambria Math" panose="02040503050406030204" pitchFamily="18" charset="0"/>
+                                </a:rPr>
+                                <m:t>𝑚</m:t>
+                              </m:r>
+                            </m:e>
+                            <m:sub>
+                              <m:r>
+                                <a:rPr lang="de-DE" sz="2800" b="0" i="1" smtClean="0">
+                                  <a:latin typeface="Cambria Math" panose="02040503050406030204" pitchFamily="18" charset="0"/>
+                                </a:rPr>
+                                <m:t>𝑤</m:t>
+                              </m:r>
+                            </m:sub>
+                          </m:sSub>
+                        </m:num>
+                        <m:den>
+                          <m:r>
+                            <a:rPr lang="de-DE" sz="2800" b="0" i="1" smtClean="0">
+                              <a:latin typeface="Cambria Math" panose="02040503050406030204" pitchFamily="18" charset="0"/>
+                            </a:rPr>
+                            <m:t>4</m:t>
+                          </m:r>
+                          <m:sSup>
+                            <m:sSupPr>
+                              <m:ctrlPr>
+                                <a:rPr lang="de-DE" sz="2800" b="0" i="1" smtClean="0">
+                                  <a:latin typeface="Cambria Math" panose="02040503050406030204" pitchFamily="18" charset="0"/>
+                                </a:rPr>
+                              </m:ctrlPr>
+                            </m:sSupPr>
+                            <m:e>
+                              <m:r>
+                                <a:rPr lang="de-DE" sz="2800" b="0" i="1" smtClean="0">
+                                  <a:latin typeface="Cambria Math" panose="02040503050406030204" pitchFamily="18" charset="0"/>
+                                </a:rPr>
+                                <m:t>𝜋</m:t>
+                              </m:r>
+                            </m:e>
+                            <m:sup>
+                              <m:r>
+                                <a:rPr lang="de-DE" sz="2800" b="0" i="1" smtClean="0">
+                                  <a:latin typeface="Cambria Math" panose="02040503050406030204" pitchFamily="18" charset="0"/>
+                                </a:rPr>
+                                <m:t>2</m:t>
+                              </m:r>
+                            </m:sup>
+                          </m:sSup>
+                        </m:den>
+                      </m:f>
+                      <m:r>
+                        <a:rPr lang="de-DE" sz="2800" b="0" i="1" smtClean="0">
+                          <a:latin typeface="Cambria Math" panose="02040503050406030204" pitchFamily="18" charset="0"/>
+                        </a:rPr>
+                        <m:t> </m:t>
+                      </m:r>
+                      <m:sSup>
+                        <m:sSupPr>
+                          <m:ctrlPr>
+                            <a:rPr lang="de-DE" sz="2800" b="0" i="1" smtClean="0">
+                              <a:latin typeface="Cambria Math" panose="02040503050406030204" pitchFamily="18" charset="0"/>
+                            </a:rPr>
+                          </m:ctrlPr>
+                        </m:sSupPr>
+                        <m:e>
+                          <m:r>
+                            <a:rPr lang="de-DE" sz="2800" b="0" i="1" smtClean="0">
+                              <a:latin typeface="Cambria Math" panose="02040503050406030204" pitchFamily="18" charset="0"/>
+                            </a:rPr>
+                            <m:t>𝑟</m:t>
+                          </m:r>
+                        </m:e>
+                        <m:sup>
+                          <m:r>
+                            <a:rPr lang="de-DE" sz="2800" b="0" i="1" smtClean="0">
+                              <a:latin typeface="Cambria Math" panose="02040503050406030204" pitchFamily="18" charset="0"/>
+                            </a:rPr>
+                            <m:t>2</m:t>
+                          </m:r>
+                        </m:sup>
+                      </m:sSup>
+                    </m:oMath>
+                  </m:oMathPara>
+                </a14:m>
+                <a:endParaRPr lang="de-DE" sz="2800" dirty="0"/>
+              </a:p>
+            </p:txBody>
+          </p:sp>
+        </mc:Choice>
+        <mc:Fallback>
+          <p:sp>
+            <p:nvSpPr>
+              <p:cNvPr id="9" name="Textfeld 8"/>
+              <p:cNvSpPr txBox="1">
+                <a:spLocks noRot="1" noChangeAspect="1" noMove="1" noResize="1" noEditPoints="1" noAdjustHandles="1" noChangeArrowheads="1" noChangeShapeType="1" noTextEdit="1"/>
+              </p:cNvSpPr>
+              <p:nvPr/>
+            </p:nvSpPr>
+            <p:spPr>
+              <a:xfrm>
+                <a:off x="3635742" y="1606566"/>
+                <a:ext cx="4923692" cy="898964"/>
+              </a:xfrm>
+              <a:prstGeom prst="rect">
+                <a:avLst/>
+              </a:prstGeom>
+              <a:blipFill>
+                <a:blip r:embed="rId4"/>
+                <a:stretch>
+                  <a:fillRect/>
+                </a:stretch>
+              </a:blipFill>
+            </p:spPr>
+            <p:txBody>
+              <a:bodyPr/>
+              <a:lstStyle/>
+              <a:p>
+                <a:r>
+                  <a:rPr lang="de-DE">
+                    <a:noFill/>
+                  </a:rPr>
+                  <a:t> </a:t>
+                </a:r>
+              </a:p>
+            </p:txBody>
+          </p:sp>
+        </mc:Fallback>
+      </mc:AlternateContent>
     </p:spTree>
     <p:extLst>
       <p:ext uri="{BB962C8B-B14F-4D97-AF65-F5344CB8AC3E}">
